--- a/Illustrations/illustrations.pptx
+++ b/Illustrations/illustrations.pptx
@@ -263,7 +263,7 @@
           <a:p>
             <a:fld id="{98EA7AB4-7529-4827-90A7-5D29E852DD0A}" type="datetimeFigureOut">
               <a:rPr lang="en-US" smtClean="0"/>
-              <a:t>5/28/2020</a:t>
+              <a:t>6/16/2020</a:t>
             </a:fld>
             <a:endParaRPr lang="en-US"/>
           </a:p>
@@ -463,7 +463,7 @@
           <a:p>
             <a:fld id="{98EA7AB4-7529-4827-90A7-5D29E852DD0A}" type="datetimeFigureOut">
               <a:rPr lang="en-US" smtClean="0"/>
-              <a:t>5/28/2020</a:t>
+              <a:t>6/16/2020</a:t>
             </a:fld>
             <a:endParaRPr lang="en-US"/>
           </a:p>
@@ -673,7 +673,7 @@
           <a:p>
             <a:fld id="{98EA7AB4-7529-4827-90A7-5D29E852DD0A}" type="datetimeFigureOut">
               <a:rPr lang="en-US" smtClean="0"/>
-              <a:t>5/28/2020</a:t>
+              <a:t>6/16/2020</a:t>
             </a:fld>
             <a:endParaRPr lang="en-US"/>
           </a:p>
@@ -873,7 +873,7 @@
           <a:p>
             <a:fld id="{98EA7AB4-7529-4827-90A7-5D29E852DD0A}" type="datetimeFigureOut">
               <a:rPr lang="en-US" smtClean="0"/>
-              <a:t>5/28/2020</a:t>
+              <a:t>6/16/2020</a:t>
             </a:fld>
             <a:endParaRPr lang="en-US"/>
           </a:p>
@@ -1149,7 +1149,7 @@
           <a:p>
             <a:fld id="{98EA7AB4-7529-4827-90A7-5D29E852DD0A}" type="datetimeFigureOut">
               <a:rPr lang="en-US" smtClean="0"/>
-              <a:t>5/28/2020</a:t>
+              <a:t>6/16/2020</a:t>
             </a:fld>
             <a:endParaRPr lang="en-US"/>
           </a:p>
@@ -1417,7 +1417,7 @@
           <a:p>
             <a:fld id="{98EA7AB4-7529-4827-90A7-5D29E852DD0A}" type="datetimeFigureOut">
               <a:rPr lang="en-US" smtClean="0"/>
-              <a:t>5/28/2020</a:t>
+              <a:t>6/16/2020</a:t>
             </a:fld>
             <a:endParaRPr lang="en-US"/>
           </a:p>
@@ -1832,7 +1832,7 @@
           <a:p>
             <a:fld id="{98EA7AB4-7529-4827-90A7-5D29E852DD0A}" type="datetimeFigureOut">
               <a:rPr lang="en-US" smtClean="0"/>
-              <a:t>5/28/2020</a:t>
+              <a:t>6/16/2020</a:t>
             </a:fld>
             <a:endParaRPr lang="en-US"/>
           </a:p>
@@ -1974,7 +1974,7 @@
           <a:p>
             <a:fld id="{98EA7AB4-7529-4827-90A7-5D29E852DD0A}" type="datetimeFigureOut">
               <a:rPr lang="en-US" smtClean="0"/>
-              <a:t>5/28/2020</a:t>
+              <a:t>6/16/2020</a:t>
             </a:fld>
             <a:endParaRPr lang="en-US"/>
           </a:p>
@@ -2087,7 +2087,7 @@
           <a:p>
             <a:fld id="{98EA7AB4-7529-4827-90A7-5D29E852DD0A}" type="datetimeFigureOut">
               <a:rPr lang="en-US" smtClean="0"/>
-              <a:t>5/28/2020</a:t>
+              <a:t>6/16/2020</a:t>
             </a:fld>
             <a:endParaRPr lang="en-US"/>
           </a:p>
@@ -2400,7 +2400,7 @@
           <a:p>
             <a:fld id="{98EA7AB4-7529-4827-90A7-5D29E852DD0A}" type="datetimeFigureOut">
               <a:rPr lang="en-US" smtClean="0"/>
-              <a:t>5/28/2020</a:t>
+              <a:t>6/16/2020</a:t>
             </a:fld>
             <a:endParaRPr lang="en-US"/>
           </a:p>
@@ -2689,7 +2689,7 @@
           <a:p>
             <a:fld id="{98EA7AB4-7529-4827-90A7-5D29E852DD0A}" type="datetimeFigureOut">
               <a:rPr lang="en-US" smtClean="0"/>
-              <a:t>5/28/2020</a:t>
+              <a:t>6/16/2020</a:t>
             </a:fld>
             <a:endParaRPr lang="en-US"/>
           </a:p>
@@ -2932,7 +2932,7 @@
           <a:p>
             <a:fld id="{98EA7AB4-7529-4827-90A7-5D29E852DD0A}" type="datetimeFigureOut">
               <a:rPr lang="en-US" smtClean="0"/>
-              <a:t>5/28/2020</a:t>
+              <a:t>6/16/2020</a:t>
             </a:fld>
             <a:endParaRPr lang="en-US"/>
           </a:p>
@@ -4425,6 +4425,273 @@
           </a:p>
         </p:txBody>
       </p:sp>
+      <p:sp>
+        <p:nvSpPr>
+          <p:cNvPr id="26" name="Rectangle 25">
+            <a:extLst>
+              <a:ext uri="{FF2B5EF4-FFF2-40B4-BE49-F238E27FC236}">
+                <a16:creationId xmlns:a16="http://schemas.microsoft.com/office/drawing/2014/main" id="{FD4F6947-5A0A-4C75-BB65-E2A25AF9A8A7}"/>
+              </a:ext>
+            </a:extLst>
+          </p:cNvPr>
+          <p:cNvSpPr/>
+          <p:nvPr/>
+        </p:nvSpPr>
+        <p:spPr>
+          <a:xfrm>
+            <a:off x="6231243" y="4905556"/>
+            <a:ext cx="1040921" cy="625414"/>
+          </a:xfrm>
+          <a:prstGeom prst="rect">
+            <a:avLst/>
+          </a:prstGeom>
+          <a:solidFill>
+            <a:schemeClr val="bg1"/>
+          </a:solidFill>
+          <a:ln>
+            <a:solidFill>
+              <a:schemeClr val="tx1"/>
+            </a:solidFill>
+          </a:ln>
+        </p:spPr>
+        <p:style>
+          <a:lnRef idx="2">
+            <a:schemeClr val="accent1">
+              <a:shade val="50000"/>
+            </a:schemeClr>
+          </a:lnRef>
+          <a:fillRef idx="1">
+            <a:schemeClr val="accent1"/>
+          </a:fillRef>
+          <a:effectRef idx="0">
+            <a:schemeClr val="accent1"/>
+          </a:effectRef>
+          <a:fontRef idx="minor">
+            <a:schemeClr val="lt1"/>
+          </a:fontRef>
+        </p:style>
+        <p:txBody>
+          <a:bodyPr rtlCol="0" anchor="t"/>
+          <a:lstStyle/>
+          <a:p>
+            <a:r>
+              <a:rPr lang="en-US" sz="1200" dirty="0">
+                <a:solidFill>
+                  <a:schemeClr val="tx1"/>
+                </a:solidFill>
+                <a:latin typeface="Bahnschrift" panose="020B0502040204020203" pitchFamily="34" charset="0"/>
+              </a:rPr>
+              <a:t>JavaFX</a:t>
+            </a:r>
+          </a:p>
+        </p:txBody>
+      </p:sp>
+      <p:cxnSp>
+        <p:nvCxnSpPr>
+          <p:cNvPr id="28" name="Connecteur droit avec flèche 27">
+            <a:extLst>
+              <a:ext uri="{FF2B5EF4-FFF2-40B4-BE49-F238E27FC236}">
+                <a16:creationId xmlns:a16="http://schemas.microsoft.com/office/drawing/2014/main" id="{6A3A2FE4-A9FE-439E-B31D-CF69209900D9}"/>
+              </a:ext>
+            </a:extLst>
+          </p:cNvPr>
+          <p:cNvCxnSpPr>
+            <a:cxnSpLocks/>
+          </p:cNvCxnSpPr>
+          <p:nvPr/>
+        </p:nvCxnSpPr>
+        <p:spPr>
+          <a:xfrm flipV="1">
+            <a:off x="6765061" y="4032849"/>
+            <a:ext cx="0" cy="872707"/>
+          </a:xfrm>
+          <a:prstGeom prst="straightConnector1">
+            <a:avLst/>
+          </a:prstGeom>
+          <a:ln>
+            <a:solidFill>
+              <a:schemeClr val="tx1"/>
+            </a:solidFill>
+            <a:tailEnd type="triangle"/>
+          </a:ln>
+        </p:spPr>
+        <p:style>
+          <a:lnRef idx="1">
+            <a:schemeClr val="accent1"/>
+          </a:lnRef>
+          <a:fillRef idx="0">
+            <a:schemeClr val="accent1"/>
+          </a:fillRef>
+          <a:effectRef idx="0">
+            <a:schemeClr val="accent1"/>
+          </a:effectRef>
+          <a:fontRef idx="minor">
+            <a:schemeClr val="tx1"/>
+          </a:fontRef>
+        </p:style>
+      </p:cxnSp>
+      <p:sp>
+        <p:nvSpPr>
+          <p:cNvPr id="32" name="ZoneTexte 31">
+            <a:extLst>
+              <a:ext uri="{FF2B5EF4-FFF2-40B4-BE49-F238E27FC236}">
+                <a16:creationId xmlns:a16="http://schemas.microsoft.com/office/drawing/2014/main" id="{B4A1060D-7B15-45FC-9D3C-F542AF49C0F5}"/>
+              </a:ext>
+            </a:extLst>
+          </p:cNvPr>
+          <p:cNvSpPr txBox="1"/>
+          <p:nvPr/>
+        </p:nvSpPr>
+        <p:spPr>
+          <a:xfrm>
+            <a:off x="6774586" y="4343882"/>
+            <a:ext cx="688009" cy="215444"/>
+          </a:xfrm>
+          <a:prstGeom prst="rect">
+            <a:avLst/>
+          </a:prstGeom>
+          <a:noFill/>
+        </p:spPr>
+        <p:txBody>
+          <a:bodyPr wrap="none" rtlCol="0">
+            <a:spAutoFit/>
+          </a:bodyPr>
+          <a:lstStyle/>
+          <a:p>
+            <a:r>
+              <a:rPr lang="en-US" sz="800" dirty="0">
+                <a:latin typeface="Bahnschrift" panose="020B0502040204020203" pitchFamily="34" charset="0"/>
+              </a:rPr>
+              <a:t>JavaFX API</a:t>
+            </a:r>
+          </a:p>
+        </p:txBody>
+      </p:sp>
+      <p:sp>
+        <p:nvSpPr>
+          <p:cNvPr id="33" name="Rectangle 32">
+            <a:extLst>
+              <a:ext uri="{FF2B5EF4-FFF2-40B4-BE49-F238E27FC236}">
+                <a16:creationId xmlns:a16="http://schemas.microsoft.com/office/drawing/2014/main" id="{98589CF8-199C-45D1-8763-FD15D4FF35CB}"/>
+              </a:ext>
+            </a:extLst>
+          </p:cNvPr>
+          <p:cNvSpPr/>
+          <p:nvPr/>
+        </p:nvSpPr>
+        <p:spPr>
+          <a:xfrm>
+            <a:off x="9334319" y="297162"/>
+            <a:ext cx="1000125" cy="534528"/>
+          </a:xfrm>
+          <a:prstGeom prst="rect">
+            <a:avLst/>
+          </a:prstGeom>
+          <a:solidFill>
+            <a:schemeClr val="accent2">
+              <a:lumMod val="20000"/>
+              <a:lumOff val="80000"/>
+            </a:schemeClr>
+          </a:solidFill>
+          <a:ln>
+            <a:solidFill>
+              <a:schemeClr val="tx1"/>
+            </a:solidFill>
+          </a:ln>
+        </p:spPr>
+        <p:style>
+          <a:lnRef idx="2">
+            <a:schemeClr val="accent1">
+              <a:shade val="50000"/>
+            </a:schemeClr>
+          </a:lnRef>
+          <a:fillRef idx="1">
+            <a:schemeClr val="accent1"/>
+          </a:fillRef>
+          <a:effectRef idx="0">
+            <a:schemeClr val="accent1"/>
+          </a:effectRef>
+          <a:fontRef idx="minor">
+            <a:schemeClr val="lt1"/>
+          </a:fontRef>
+        </p:style>
+        <p:txBody>
+          <a:bodyPr rtlCol="0" anchor="t"/>
+          <a:lstStyle/>
+          <a:p>
+            <a:r>
+              <a:rPr lang="en-US" sz="1050" dirty="0">
+                <a:solidFill>
+                  <a:schemeClr val="tx1"/>
+                </a:solidFill>
+                <a:latin typeface="Bahnschrift" panose="020B0502040204020203" pitchFamily="34" charset="0"/>
+              </a:rPr>
+              <a:t>Not implemented</a:t>
+            </a:r>
+          </a:p>
+        </p:txBody>
+      </p:sp>
+      <p:sp>
+        <p:nvSpPr>
+          <p:cNvPr id="34" name="Rectangle 33">
+            <a:extLst>
+              <a:ext uri="{FF2B5EF4-FFF2-40B4-BE49-F238E27FC236}">
+                <a16:creationId xmlns:a16="http://schemas.microsoft.com/office/drawing/2014/main" id="{091751C0-9CA3-4427-836F-1B868E193E07}"/>
+              </a:ext>
+            </a:extLst>
+          </p:cNvPr>
+          <p:cNvSpPr/>
+          <p:nvPr/>
+        </p:nvSpPr>
+        <p:spPr>
+          <a:xfrm>
+            <a:off x="8152359" y="297162"/>
+            <a:ext cx="1000125" cy="534528"/>
+          </a:xfrm>
+          <a:prstGeom prst="rect">
+            <a:avLst/>
+          </a:prstGeom>
+          <a:solidFill>
+            <a:schemeClr val="bg1"/>
+          </a:solidFill>
+          <a:ln>
+            <a:solidFill>
+              <a:schemeClr val="tx1"/>
+            </a:solidFill>
+          </a:ln>
+        </p:spPr>
+        <p:style>
+          <a:lnRef idx="2">
+            <a:schemeClr val="accent1">
+              <a:shade val="50000"/>
+            </a:schemeClr>
+          </a:lnRef>
+          <a:fillRef idx="1">
+            <a:schemeClr val="accent1"/>
+          </a:fillRef>
+          <a:effectRef idx="0">
+            <a:schemeClr val="accent1"/>
+          </a:effectRef>
+          <a:fontRef idx="minor">
+            <a:schemeClr val="lt1"/>
+          </a:fontRef>
+        </p:style>
+        <p:txBody>
+          <a:bodyPr rtlCol="0" anchor="t"/>
+          <a:lstStyle/>
+          <a:p>
+            <a:r>
+              <a:rPr lang="en-US" sz="1050" dirty="0">
+                <a:solidFill>
+                  <a:schemeClr val="tx1"/>
+                </a:solidFill>
+                <a:latin typeface="Bahnschrift" panose="020B0502040204020203" pitchFamily="34" charset="0"/>
+              </a:rPr>
+              <a:t>External system</a:t>
+            </a:r>
+          </a:p>
+        </p:txBody>
+      </p:sp>
     </p:spTree>
     <p:extLst>
       <p:ext uri="{BB962C8B-B14F-4D97-AF65-F5344CB8AC3E}">
@@ -4851,7 +5118,7 @@
                 </a:solidFill>
                 <a:latin typeface="Bahnschrift" panose="020B0502040204020203" pitchFamily="34" charset="0"/>
               </a:rPr>
-              <a:t>drawGameCanvas</a:t>
+              <a:t>drawGameMatrix</a:t>
             </a:r>
             <a:endParaRPr lang="en-US" sz="1200" dirty="0">
               <a:solidFill>
@@ -5145,7 +5412,10 @@
             <a:avLst/>
           </a:prstGeom>
           <a:solidFill>
-            <a:schemeClr val="bg1"/>
+            <a:schemeClr val="accent2">
+              <a:lumMod val="20000"/>
+              <a:lumOff val="80000"/>
+            </a:schemeClr>
           </a:solidFill>
           <a:ln>
             <a:solidFill>
@@ -5433,7 +5703,10 @@
             <a:avLst/>
           </a:prstGeom>
           <a:solidFill>
-            <a:schemeClr val="bg1"/>
+            <a:schemeClr val="accent2">
+              <a:lumMod val="20000"/>
+              <a:lumOff val="80000"/>
+            </a:schemeClr>
           </a:solidFill>
           <a:ln>
             <a:solidFill>
@@ -5767,8 +6040,8 @@
         </p:nvSpPr>
         <p:spPr>
           <a:xfrm rot="16200000">
-            <a:off x="4307805" y="2018102"/>
-            <a:ext cx="1141659" cy="215444"/>
+            <a:off x="4386353" y="2045810"/>
+            <a:ext cx="984565" cy="215444"/>
           </a:xfrm>
           <a:prstGeom prst="rect">
             <a:avLst/>
@@ -5785,7 +6058,7 @@
               <a:rPr lang="en-US" sz="800" dirty="0" err="1">
                 <a:latin typeface="Bahnschrift" panose="020B0502040204020203" pitchFamily="34" charset="0"/>
               </a:rPr>
-              <a:t>updateStaticBoudary</a:t>
+              <a:t>staticBlockMatrix</a:t>
             </a:r>
             <a:endParaRPr lang="en-US" sz="800" dirty="0">
               <a:latin typeface="Bahnschrift" panose="020B0502040204020203" pitchFamily="34" charset="0"/>
@@ -5855,8 +6128,8 @@
         </p:nvSpPr>
         <p:spPr>
           <a:xfrm rot="5400000">
-            <a:off x="6357737" y="2550289"/>
-            <a:ext cx="950901" cy="215444"/>
+            <a:off x="6302434" y="2550289"/>
+            <a:ext cx="1061509" cy="215444"/>
           </a:xfrm>
           <a:prstGeom prst="rect">
             <a:avLst/>
@@ -5873,7 +6146,7 @@
               <a:rPr lang="en-US" sz="800" dirty="0" err="1">
                 <a:latin typeface="Bahnschrift" panose="020B0502040204020203" pitchFamily="34" charset="0"/>
               </a:rPr>
-              <a:t>dynamicBoudary</a:t>
+              <a:t>dynamicBlocMatrix</a:t>
             </a:r>
             <a:endParaRPr lang="en-US" sz="800" dirty="0">
               <a:latin typeface="Bahnschrift" panose="020B0502040204020203" pitchFamily="34" charset="0"/>
@@ -5897,7 +6170,7 @@
         </p:nvCxnSpPr>
         <p:spPr>
           <a:xfrm>
-            <a:off x="6197600" y="1865650"/>
+            <a:off x="5982854" y="1865650"/>
             <a:ext cx="0" cy="496550"/>
           </a:xfrm>
           <a:prstGeom prst="straightConnector1">
@@ -5939,8 +6212,8 @@
         </p:nvSpPr>
         <p:spPr>
           <a:xfrm>
-            <a:off x="5296686" y="1965029"/>
-            <a:ext cx="914033" cy="215444"/>
+            <a:off x="5081158" y="2036313"/>
+            <a:ext cx="954107" cy="215444"/>
           </a:xfrm>
           <a:prstGeom prst="rect">
             <a:avLst/>
@@ -5957,7 +6230,7 @@
               <a:rPr lang="en-US" sz="800" dirty="0" err="1">
                 <a:latin typeface="Bahnschrift" panose="020B0502040204020203" pitchFamily="34" charset="0"/>
               </a:rPr>
-              <a:t>newBlockSpace</a:t>
+              <a:t>newBlocktoDock</a:t>
             </a:r>
             <a:endParaRPr lang="en-US" sz="800" dirty="0">
               <a:latin typeface="Bahnschrift" panose="020B0502040204020203" pitchFamily="34" charset="0"/>
@@ -6164,8 +6437,8 @@
         </p:nvSpPr>
         <p:spPr>
           <a:xfrm rot="5400000">
-            <a:off x="7148733" y="2492011"/>
-            <a:ext cx="718466" cy="215444"/>
+            <a:off x="7059768" y="2492011"/>
+            <a:ext cx="896399" cy="215444"/>
           </a:xfrm>
           <a:prstGeom prst="rect">
             <a:avLst/>
@@ -6182,7 +6455,7 @@
               <a:rPr lang="en-US" sz="800" dirty="0" err="1">
                 <a:latin typeface="Bahnschrift" panose="020B0502040204020203" pitchFamily="34" charset="0"/>
               </a:rPr>
-              <a:t>scoreAdder</a:t>
+              <a:t>numberOfRows</a:t>
             </a:r>
             <a:endParaRPr lang="en-US" sz="800" dirty="0">
               <a:latin typeface="Bahnschrift" panose="020B0502040204020203" pitchFamily="34" charset="0"/>
@@ -6259,7 +6532,10 @@
             <a:avLst/>
           </a:prstGeom>
           <a:solidFill>
-            <a:schemeClr val="bg1"/>
+            <a:schemeClr val="accent2">
+              <a:lumMod val="20000"/>
+              <a:lumOff val="80000"/>
+            </a:schemeClr>
           </a:solidFill>
           <a:ln>
             <a:solidFill>
@@ -7309,7 +7585,7 @@
         <p:spPr>
           <a:xfrm>
             <a:off x="6748684" y="3622547"/>
-            <a:ext cx="1233030" cy="215444"/>
+            <a:ext cx="660758" cy="215444"/>
           </a:xfrm>
           <a:prstGeom prst="rect">
             <a:avLst/>
@@ -7327,18 +7603,6 @@
                 <a:latin typeface="Bahnschrift" panose="020B0502040204020203" pitchFamily="34" charset="0"/>
               </a:rPr>
               <a:t>blockType</a:t>
-            </a:r>
-            <a:r>
-              <a:rPr lang="en-US" sz="800" dirty="0">
-                <a:latin typeface="Bahnschrift" panose="020B0502040204020203" pitchFamily="34" charset="0"/>
-              </a:rPr>
-              <a:t> &amp; </a:t>
-            </a:r>
-            <a:r>
-              <a:rPr lang="en-US" sz="800" dirty="0" err="1">
-                <a:latin typeface="Bahnschrift" panose="020B0502040204020203" pitchFamily="34" charset="0"/>
-              </a:rPr>
-              <a:t>spawnLoc</a:t>
             </a:r>
             <a:endParaRPr lang="en-US" sz="800" dirty="0">
               <a:latin typeface="Bahnschrift" panose="020B0502040204020203" pitchFamily="34" charset="0"/>
@@ -7620,12 +7884,96 @@
           </a:p>
         </p:txBody>
       </p:sp>
-      <p:sp>
-        <p:nvSpPr>
-          <p:cNvPr id="141" name="Rectangle 140">
-            <a:extLst>
-              <a:ext uri="{FF2B5EF4-FFF2-40B4-BE49-F238E27FC236}">
-                <a16:creationId xmlns:a16="http://schemas.microsoft.com/office/drawing/2014/main" id="{DB406498-C5D2-4EC9-BAF8-507DDAB61DF5}"/>
+      <p:cxnSp>
+        <p:nvCxnSpPr>
+          <p:cNvPr id="72" name="Connecteur droit avec flèche 71">
+            <a:extLst>
+              <a:ext uri="{FF2B5EF4-FFF2-40B4-BE49-F238E27FC236}">
+                <a16:creationId xmlns:a16="http://schemas.microsoft.com/office/drawing/2014/main" id="{F9DFDB19-74FB-46D3-8A48-054224389819}"/>
+              </a:ext>
+            </a:extLst>
+          </p:cNvPr>
+          <p:cNvCxnSpPr>
+            <a:cxnSpLocks/>
+          </p:cNvCxnSpPr>
+          <p:nvPr/>
+        </p:nvCxnSpPr>
+        <p:spPr>
+          <a:xfrm>
+            <a:off x="6322290" y="1865650"/>
+            <a:ext cx="0" cy="496550"/>
+          </a:xfrm>
+          <a:prstGeom prst="straightConnector1">
+            <a:avLst/>
+          </a:prstGeom>
+          <a:ln>
+            <a:solidFill>
+              <a:schemeClr val="tx1"/>
+            </a:solidFill>
+            <a:tailEnd type="triangle"/>
+          </a:ln>
+        </p:spPr>
+        <p:style>
+          <a:lnRef idx="1">
+            <a:schemeClr val="accent1"/>
+          </a:lnRef>
+          <a:fillRef idx="0">
+            <a:schemeClr val="accent1"/>
+          </a:fillRef>
+          <a:effectRef idx="0">
+            <a:schemeClr val="accent1"/>
+          </a:effectRef>
+          <a:fontRef idx="minor">
+            <a:schemeClr val="tx1"/>
+          </a:fontRef>
+        </p:style>
+      </p:cxnSp>
+      <p:sp>
+        <p:nvSpPr>
+          <p:cNvPr id="73" name="ZoneTexte 72">
+            <a:extLst>
+              <a:ext uri="{FF2B5EF4-FFF2-40B4-BE49-F238E27FC236}">
+                <a16:creationId xmlns:a16="http://schemas.microsoft.com/office/drawing/2014/main" id="{1AEF4484-D042-494F-B7DB-A0BE16DB4DE3}"/>
+              </a:ext>
+            </a:extLst>
+          </p:cNvPr>
+          <p:cNvSpPr txBox="1"/>
+          <p:nvPr/>
+        </p:nvSpPr>
+        <p:spPr>
+          <a:xfrm>
+            <a:off x="5435338" y="1863329"/>
+            <a:ext cx="894797" cy="215444"/>
+          </a:xfrm>
+          <a:prstGeom prst="rect">
+            <a:avLst/>
+          </a:prstGeom>
+          <a:noFill/>
+        </p:spPr>
+        <p:txBody>
+          <a:bodyPr wrap="none" rtlCol="0">
+            <a:spAutoFit/>
+          </a:bodyPr>
+          <a:lstStyle/>
+          <a:p>
+            <a:r>
+              <a:rPr lang="en-US" sz="800" dirty="0" err="1">
+                <a:latin typeface="Bahnschrift" panose="020B0502040204020203" pitchFamily="34" charset="0"/>
+              </a:rPr>
+              <a:t>rowsToRemove</a:t>
+            </a:r>
+            <a:endParaRPr lang="en-US" sz="800" dirty="0">
+              <a:latin typeface="Bahnschrift" panose="020B0502040204020203" pitchFamily="34" charset="0"/>
+            </a:endParaRPr>
+          </a:p>
+        </p:txBody>
+      </p:sp>
+      <p:sp>
+        <p:nvSpPr>
+          <p:cNvPr id="74" name="Rectangle 73">
+            <a:extLst>
+              <a:ext uri="{FF2B5EF4-FFF2-40B4-BE49-F238E27FC236}">
+                <a16:creationId xmlns:a16="http://schemas.microsoft.com/office/drawing/2014/main" id="{D72AD644-6F6C-46FB-A25F-A7C371ABD822}"/>
               </a:ext>
             </a:extLst>
           </p:cNvPr>
@@ -7634,8 +7982,72 @@
         </p:nvSpPr>
         <p:spPr>
           <a:xfrm>
-            <a:off x="5623130" y="6112357"/>
-            <a:ext cx="1040921" cy="625414"/>
+            <a:off x="9537519" y="214077"/>
+            <a:ext cx="1000125" cy="534528"/>
+          </a:xfrm>
+          <a:prstGeom prst="rect">
+            <a:avLst/>
+          </a:prstGeom>
+          <a:solidFill>
+            <a:schemeClr val="accent2">
+              <a:lumMod val="20000"/>
+              <a:lumOff val="80000"/>
+            </a:schemeClr>
+          </a:solidFill>
+          <a:ln>
+            <a:solidFill>
+              <a:schemeClr val="tx1"/>
+            </a:solidFill>
+          </a:ln>
+        </p:spPr>
+        <p:style>
+          <a:lnRef idx="2">
+            <a:schemeClr val="accent1">
+              <a:shade val="50000"/>
+            </a:schemeClr>
+          </a:lnRef>
+          <a:fillRef idx="1">
+            <a:schemeClr val="accent1"/>
+          </a:fillRef>
+          <a:effectRef idx="0">
+            <a:schemeClr val="accent1"/>
+          </a:effectRef>
+          <a:fontRef idx="minor">
+            <a:schemeClr val="lt1"/>
+          </a:fontRef>
+        </p:style>
+        <p:txBody>
+          <a:bodyPr rtlCol="0" anchor="t"/>
+          <a:lstStyle/>
+          <a:p>
+            <a:r>
+              <a:rPr lang="en-US" sz="1050" dirty="0">
+                <a:solidFill>
+                  <a:schemeClr val="tx1"/>
+                </a:solidFill>
+                <a:latin typeface="Bahnschrift" panose="020B0502040204020203" pitchFamily="34" charset="0"/>
+              </a:rPr>
+              <a:t>Not implemented</a:t>
+            </a:r>
+          </a:p>
+        </p:txBody>
+      </p:sp>
+      <p:sp>
+        <p:nvSpPr>
+          <p:cNvPr id="77" name="Rectangle 76">
+            <a:extLst>
+              <a:ext uri="{FF2B5EF4-FFF2-40B4-BE49-F238E27FC236}">
+                <a16:creationId xmlns:a16="http://schemas.microsoft.com/office/drawing/2014/main" id="{23933B69-4332-44B1-BAA7-0BA05EE60A99}"/>
+              </a:ext>
+            </a:extLst>
+          </p:cNvPr>
+          <p:cNvSpPr/>
+          <p:nvPr/>
+        </p:nvSpPr>
+        <p:spPr>
+          <a:xfrm>
+            <a:off x="8355559" y="214077"/>
+            <a:ext cx="1000125" cy="534528"/>
           </a:xfrm>
           <a:prstGeom prst="rect">
             <a:avLst/>
@@ -7670,94 +8082,13 @@
           <a:lstStyle/>
           <a:p>
             <a:r>
-              <a:rPr lang="en-US" sz="1200" dirty="0">
-                <a:solidFill>
-                  <a:schemeClr val="tx1"/>
-                </a:solidFill>
-                <a:latin typeface="Bahnschrift" panose="020B0502040204020203" pitchFamily="34" charset="0"/>
-              </a:rPr>
-              <a:t>JDK</a:t>
-            </a:r>
-          </a:p>
-        </p:txBody>
-      </p:sp>
-      <p:cxnSp>
-        <p:nvCxnSpPr>
-          <p:cNvPr id="142" name="Connecteur droit avec flèche 141">
-            <a:extLst>
-              <a:ext uri="{FF2B5EF4-FFF2-40B4-BE49-F238E27FC236}">
-                <a16:creationId xmlns:a16="http://schemas.microsoft.com/office/drawing/2014/main" id="{F1F95B01-5F4E-49B7-B24D-23FF8A1A1372}"/>
-              </a:ext>
-            </a:extLst>
-          </p:cNvPr>
-          <p:cNvCxnSpPr>
-            <a:cxnSpLocks/>
-          </p:cNvCxnSpPr>
-          <p:nvPr/>
-        </p:nvCxnSpPr>
-        <p:spPr>
-          <a:xfrm flipV="1">
-            <a:off x="6156948" y="5670550"/>
-            <a:ext cx="0" cy="441808"/>
-          </a:xfrm>
-          <a:prstGeom prst="straightConnector1">
-            <a:avLst/>
-          </a:prstGeom>
-          <a:ln>
-            <a:solidFill>
-              <a:schemeClr val="tx1"/>
-            </a:solidFill>
-            <a:tailEnd type="triangle"/>
-          </a:ln>
-        </p:spPr>
-        <p:style>
-          <a:lnRef idx="1">
-            <a:schemeClr val="accent1"/>
-          </a:lnRef>
-          <a:fillRef idx="0">
-            <a:schemeClr val="accent1"/>
-          </a:fillRef>
-          <a:effectRef idx="0">
-            <a:schemeClr val="accent1"/>
-          </a:effectRef>
-          <a:fontRef idx="minor">
-            <a:schemeClr val="tx1"/>
-          </a:fontRef>
-        </p:style>
-      </p:cxnSp>
-      <p:sp>
-        <p:nvSpPr>
-          <p:cNvPr id="143" name="ZoneTexte 142">
-            <a:extLst>
-              <a:ext uri="{FF2B5EF4-FFF2-40B4-BE49-F238E27FC236}">
-                <a16:creationId xmlns:a16="http://schemas.microsoft.com/office/drawing/2014/main" id="{1C33AE8E-778B-48B4-B050-D6B9821E9B6E}"/>
-              </a:ext>
-            </a:extLst>
-          </p:cNvPr>
-          <p:cNvSpPr txBox="1"/>
-          <p:nvPr/>
-        </p:nvSpPr>
-        <p:spPr>
-          <a:xfrm>
-            <a:off x="6172823" y="5804683"/>
-            <a:ext cx="582211" cy="215444"/>
-          </a:xfrm>
-          <a:prstGeom prst="rect">
-            <a:avLst/>
-          </a:prstGeom>
-          <a:noFill/>
-        </p:spPr>
-        <p:txBody>
-          <a:bodyPr wrap="none" rtlCol="0">
-            <a:spAutoFit/>
-          </a:bodyPr>
-          <a:lstStyle/>
-          <a:p>
-            <a:r>
-              <a:rPr lang="en-US" sz="800" dirty="0">
-                <a:latin typeface="Bahnschrift" panose="020B0502040204020203" pitchFamily="34" charset="0"/>
-              </a:rPr>
-              <a:t>Java API</a:t>
+              <a:rPr lang="en-US" sz="1050" dirty="0">
+                <a:solidFill>
+                  <a:schemeClr val="tx1"/>
+                </a:solidFill>
+                <a:latin typeface="Bahnschrift" panose="020B0502040204020203" pitchFamily="34" charset="0"/>
+              </a:rPr>
+              <a:t>Function</a:t>
             </a:r>
           </a:p>
         </p:txBody>
@@ -7806,8 +8137,8 @@
         </p:nvSpPr>
         <p:spPr>
           <a:xfrm>
-            <a:off x="2437752" y="3125522"/>
-            <a:ext cx="1481855" cy="1073616"/>
+            <a:off x="3308972" y="2752141"/>
+            <a:ext cx="1790193" cy="2806355"/>
           </a:xfrm>
           <a:prstGeom prst="rect">
             <a:avLst/>
@@ -7858,6 +8189,15 @@
               <a:latin typeface="Bahnschrift" panose="020B0502040204020203" pitchFamily="34" charset="0"/>
             </a:endParaRPr>
           </a:p>
+          <a:p>
+            <a:pPr algn="ctr"/>
+            <a:endParaRPr lang="en-US" sz="1200" dirty="0">
+              <a:solidFill>
+                <a:schemeClr val="tx1"/>
+              </a:solidFill>
+              <a:latin typeface="Bahnschrift" panose="020B0502040204020203" pitchFamily="34" charset="0"/>
+            </a:endParaRPr>
+          </a:p>
         </p:txBody>
       </p:sp>
       <p:sp>
@@ -7874,8 +8214,79 @@
         </p:nvSpPr>
         <p:spPr>
           <a:xfrm>
-            <a:off x="5459003" y="595035"/>
+            <a:off x="6330223" y="196254"/>
             <a:ext cx="1481855" cy="718860"/>
+          </a:xfrm>
+          <a:prstGeom prst="rect">
+            <a:avLst/>
+          </a:prstGeom>
+          <a:solidFill>
+            <a:schemeClr val="accent2">
+              <a:lumMod val="20000"/>
+              <a:lumOff val="80000"/>
+            </a:schemeClr>
+          </a:solidFill>
+          <a:ln>
+            <a:solidFill>
+              <a:schemeClr val="tx1"/>
+            </a:solidFill>
+          </a:ln>
+        </p:spPr>
+        <p:style>
+          <a:lnRef idx="2">
+            <a:schemeClr val="accent1">
+              <a:shade val="50000"/>
+            </a:schemeClr>
+          </a:lnRef>
+          <a:fillRef idx="1">
+            <a:schemeClr val="accent1"/>
+          </a:fillRef>
+          <a:effectRef idx="0">
+            <a:schemeClr val="accent1"/>
+          </a:effectRef>
+          <a:fontRef idx="minor">
+            <a:schemeClr val="lt1"/>
+          </a:fontRef>
+        </p:style>
+        <p:txBody>
+          <a:bodyPr rtlCol="0" anchor="t"/>
+          <a:lstStyle/>
+          <a:p>
+            <a:pPr algn="ctr"/>
+            <a:r>
+              <a:rPr lang="en-US" sz="1200" dirty="0" err="1">
+                <a:solidFill>
+                  <a:schemeClr val="tx1"/>
+                </a:solidFill>
+                <a:latin typeface="Bahnschrift" panose="020B0502040204020203" pitchFamily="34" charset="0"/>
+              </a:rPr>
+              <a:t>UserInterface</a:t>
+            </a:r>
+            <a:endParaRPr lang="en-US" sz="1200" dirty="0">
+              <a:solidFill>
+                <a:schemeClr val="tx1"/>
+              </a:solidFill>
+              <a:latin typeface="Bahnschrift" panose="020B0502040204020203" pitchFamily="34" charset="0"/>
+            </a:endParaRPr>
+          </a:p>
+        </p:txBody>
+      </p:sp>
+      <p:sp>
+        <p:nvSpPr>
+          <p:cNvPr id="6" name="Rectangle 5">
+            <a:extLst>
+              <a:ext uri="{FF2B5EF4-FFF2-40B4-BE49-F238E27FC236}">
+                <a16:creationId xmlns:a16="http://schemas.microsoft.com/office/drawing/2014/main" id="{F60A7400-6839-4713-A010-CA5753168CEB}"/>
+              </a:ext>
+            </a:extLst>
+          </p:cNvPr>
+          <p:cNvSpPr/>
+          <p:nvPr/>
+        </p:nvSpPr>
+        <p:spPr>
+          <a:xfrm>
+            <a:off x="5600102" y="4725253"/>
+            <a:ext cx="1481855" cy="2183575"/>
           </a:xfrm>
           <a:prstGeom prst="rect">
             <a:avLst/>
@@ -7917,7 +8328,7 @@
                 </a:solidFill>
                 <a:latin typeface="Bahnschrift" panose="020B0502040204020203" pitchFamily="34" charset="0"/>
               </a:rPr>
-              <a:t>UserInterface</a:t>
+              <a:t>CurrentBlock</a:t>
             </a:r>
             <a:endParaRPr lang="en-US" sz="1200" dirty="0">
               <a:solidFill>
@@ -7930,10 +8341,10 @@
       </p:sp>
       <p:sp>
         <p:nvSpPr>
-          <p:cNvPr id="6" name="Rectangle 5">
-            <a:extLst>
-              <a:ext uri="{FF2B5EF4-FFF2-40B4-BE49-F238E27FC236}">
-                <a16:creationId xmlns:a16="http://schemas.microsoft.com/office/drawing/2014/main" id="{F60A7400-6839-4713-A010-CA5753168CEB}"/>
+          <p:cNvPr id="9" name="Rectangle 8">
+            <a:extLst>
+              <a:ext uri="{FF2B5EF4-FFF2-40B4-BE49-F238E27FC236}">
+                <a16:creationId xmlns:a16="http://schemas.microsoft.com/office/drawing/2014/main" id="{C8B08FDA-A2AE-4B85-B522-C45A844E8EFD}"/>
               </a:ext>
             </a:extLst>
           </p:cNvPr>
@@ -7942,8 +8353,79 @@
         </p:nvSpPr>
         <p:spPr>
           <a:xfrm>
-            <a:off x="1239268" y="4687519"/>
-            <a:ext cx="1481855" cy="718860"/>
+            <a:off x="7643403" y="1625805"/>
+            <a:ext cx="1481855" cy="969440"/>
+          </a:xfrm>
+          <a:prstGeom prst="rect">
+            <a:avLst/>
+          </a:prstGeom>
+          <a:solidFill>
+            <a:schemeClr val="accent2">
+              <a:lumMod val="20000"/>
+              <a:lumOff val="80000"/>
+            </a:schemeClr>
+          </a:solidFill>
+          <a:ln>
+            <a:solidFill>
+              <a:schemeClr val="tx1"/>
+            </a:solidFill>
+          </a:ln>
+        </p:spPr>
+        <p:style>
+          <a:lnRef idx="2">
+            <a:schemeClr val="accent1">
+              <a:shade val="50000"/>
+            </a:schemeClr>
+          </a:lnRef>
+          <a:fillRef idx="1">
+            <a:schemeClr val="accent1"/>
+          </a:fillRef>
+          <a:effectRef idx="0">
+            <a:schemeClr val="accent1"/>
+          </a:effectRef>
+          <a:fontRef idx="minor">
+            <a:schemeClr val="lt1"/>
+          </a:fontRef>
+        </p:style>
+        <p:txBody>
+          <a:bodyPr rtlCol="0" anchor="t"/>
+          <a:lstStyle/>
+          <a:p>
+            <a:pPr algn="ctr"/>
+            <a:r>
+              <a:rPr lang="en-US" sz="1200" dirty="0" err="1">
+                <a:solidFill>
+                  <a:schemeClr val="tx1"/>
+                </a:solidFill>
+                <a:latin typeface="Bahnschrift" panose="020B0502040204020203" pitchFamily="34" charset="0"/>
+              </a:rPr>
+              <a:t>GameMenu</a:t>
+            </a:r>
+            <a:endParaRPr lang="en-US" sz="1200" dirty="0">
+              <a:solidFill>
+                <a:schemeClr val="tx1"/>
+              </a:solidFill>
+              <a:latin typeface="Bahnschrift" panose="020B0502040204020203" pitchFamily="34" charset="0"/>
+            </a:endParaRPr>
+          </a:p>
+        </p:txBody>
+      </p:sp>
+      <p:sp>
+        <p:nvSpPr>
+          <p:cNvPr id="10" name="Rectangle 9">
+            <a:extLst>
+              <a:ext uri="{FF2B5EF4-FFF2-40B4-BE49-F238E27FC236}">
+                <a16:creationId xmlns:a16="http://schemas.microsoft.com/office/drawing/2014/main" id="{6FBA20FB-D413-49D6-B8BC-8CC7F291D58C}"/>
+              </a:ext>
+            </a:extLst>
+          </p:cNvPr>
+          <p:cNvSpPr/>
+          <p:nvPr/>
+        </p:nvSpPr>
+        <p:spPr>
+          <a:xfrm>
+            <a:off x="4564330" y="1341720"/>
+            <a:ext cx="1481855" cy="1083517"/>
           </a:xfrm>
           <a:prstGeom prst="rect">
             <a:avLst/>
@@ -7985,7 +8467,7 @@
                 </a:solidFill>
                 <a:latin typeface="Bahnschrift" panose="020B0502040204020203" pitchFamily="34" charset="0"/>
               </a:rPr>
-              <a:t>CurrentBlock</a:t>
+              <a:t>GamePanel</a:t>
             </a:r>
             <a:endParaRPr lang="en-US" sz="1200" dirty="0">
               <a:solidFill>
@@ -7998,10 +8480,10 @@
       </p:sp>
       <p:sp>
         <p:nvSpPr>
-          <p:cNvPr id="7" name="Rectangle 6">
-            <a:extLst>
-              <a:ext uri="{FF2B5EF4-FFF2-40B4-BE49-F238E27FC236}">
-                <a16:creationId xmlns:a16="http://schemas.microsoft.com/office/drawing/2014/main" id="{8480E956-7BA9-4A70-AA19-107A652C9ADB}"/>
+          <p:cNvPr id="11" name="Rectangle 10">
+            <a:extLst>
+              <a:ext uri="{FF2B5EF4-FFF2-40B4-BE49-F238E27FC236}">
+                <a16:creationId xmlns:a16="http://schemas.microsoft.com/office/drawing/2014/main" id="{30B0CB7D-D42F-46F0-9304-F8BE9E6E6D52}"/>
               </a:ext>
             </a:extLst>
           </p:cNvPr>
@@ -8010,14 +8492,17 @@
         </p:nvSpPr>
         <p:spPr>
           <a:xfrm>
-            <a:off x="3590370" y="4687519"/>
+            <a:off x="9504096" y="2937087"/>
             <a:ext cx="1481855" cy="718860"/>
           </a:xfrm>
           <a:prstGeom prst="rect">
             <a:avLst/>
           </a:prstGeom>
           <a:solidFill>
-            <a:schemeClr val="bg1"/>
+            <a:schemeClr val="accent2">
+              <a:lumMod val="20000"/>
+              <a:lumOff val="80000"/>
+            </a:schemeClr>
           </a:solidFill>
           <a:ln>
             <a:solidFill>
@@ -8053,7 +8538,7 @@
                 </a:solidFill>
                 <a:latin typeface="Bahnschrift" panose="020B0502040204020203" pitchFamily="34" charset="0"/>
               </a:rPr>
-              <a:t>StaticBlocks</a:t>
+              <a:t>GameSave</a:t>
             </a:r>
             <a:endParaRPr lang="en-US" sz="1200" dirty="0">
               <a:solidFill>
@@ -8066,10 +8551,10 @@
       </p:sp>
       <p:sp>
         <p:nvSpPr>
-          <p:cNvPr id="8" name="Rectangle 7">
-            <a:extLst>
-              <a:ext uri="{FF2B5EF4-FFF2-40B4-BE49-F238E27FC236}">
-                <a16:creationId xmlns:a16="http://schemas.microsoft.com/office/drawing/2014/main" id="{C6E77B5E-94BD-4711-89DB-10BBC7514B2F}"/>
+          <p:cNvPr id="18" name="Rectangle 17">
+            <a:extLst>
+              <a:ext uri="{FF2B5EF4-FFF2-40B4-BE49-F238E27FC236}">
+                <a16:creationId xmlns:a16="http://schemas.microsoft.com/office/drawing/2014/main" id="{CACD0559-0BE6-4013-A8DB-2C28A64BDA91}"/>
               </a:ext>
             </a:extLst>
           </p:cNvPr>
@@ -8078,274 +8563,8 @@
         </p:nvSpPr>
         <p:spPr>
           <a:xfrm>
-            <a:off x="5459003" y="4687519"/>
-            <a:ext cx="1481855" cy="718860"/>
-          </a:xfrm>
-          <a:prstGeom prst="rect">
-            <a:avLst/>
-          </a:prstGeom>
-          <a:solidFill>
-            <a:schemeClr val="bg1"/>
-          </a:solidFill>
-          <a:ln>
-            <a:solidFill>
-              <a:schemeClr val="tx1"/>
-            </a:solidFill>
-          </a:ln>
-        </p:spPr>
-        <p:style>
-          <a:lnRef idx="2">
-            <a:schemeClr val="accent1">
-              <a:shade val="50000"/>
-            </a:schemeClr>
-          </a:lnRef>
-          <a:fillRef idx="1">
-            <a:schemeClr val="accent1"/>
-          </a:fillRef>
-          <a:effectRef idx="0">
-            <a:schemeClr val="accent1"/>
-          </a:effectRef>
-          <a:fontRef idx="minor">
-            <a:schemeClr val="lt1"/>
-          </a:fontRef>
-        </p:style>
-        <p:txBody>
-          <a:bodyPr rtlCol="0" anchor="t"/>
-          <a:lstStyle/>
-          <a:p>
-            <a:pPr algn="ctr"/>
-            <a:r>
-              <a:rPr lang="en-US" sz="1200" dirty="0">
-                <a:solidFill>
-                  <a:schemeClr val="tx1"/>
-                </a:solidFill>
-                <a:latin typeface="Bahnschrift" panose="020B0502040204020203" pitchFamily="34" charset="0"/>
-              </a:rPr>
-              <a:t>Canvas</a:t>
-            </a:r>
-          </a:p>
-        </p:txBody>
-      </p:sp>
-      <p:sp>
-        <p:nvSpPr>
-          <p:cNvPr id="9" name="Rectangle 8">
-            <a:extLst>
-              <a:ext uri="{FF2B5EF4-FFF2-40B4-BE49-F238E27FC236}">
-                <a16:creationId xmlns:a16="http://schemas.microsoft.com/office/drawing/2014/main" id="{C8B08FDA-A2AE-4B85-B522-C45A844E8EFD}"/>
-              </a:ext>
-            </a:extLst>
-          </p:cNvPr>
-          <p:cNvSpPr/>
-          <p:nvPr/>
-        </p:nvSpPr>
-        <p:spPr>
-          <a:xfrm>
-            <a:off x="6772183" y="1999185"/>
-            <a:ext cx="1481855" cy="969440"/>
-          </a:xfrm>
-          <a:prstGeom prst="rect">
-            <a:avLst/>
-          </a:prstGeom>
-          <a:solidFill>
-            <a:schemeClr val="bg1"/>
-          </a:solidFill>
-          <a:ln>
-            <a:solidFill>
-              <a:schemeClr val="tx1"/>
-            </a:solidFill>
-          </a:ln>
-        </p:spPr>
-        <p:style>
-          <a:lnRef idx="2">
-            <a:schemeClr val="accent1">
-              <a:shade val="50000"/>
-            </a:schemeClr>
-          </a:lnRef>
-          <a:fillRef idx="1">
-            <a:schemeClr val="accent1"/>
-          </a:fillRef>
-          <a:effectRef idx="0">
-            <a:schemeClr val="accent1"/>
-          </a:effectRef>
-          <a:fontRef idx="minor">
-            <a:schemeClr val="lt1"/>
-          </a:fontRef>
-        </p:style>
-        <p:txBody>
-          <a:bodyPr rtlCol="0" anchor="t"/>
-          <a:lstStyle/>
-          <a:p>
-            <a:pPr algn="ctr"/>
-            <a:r>
-              <a:rPr lang="en-US" sz="1200" dirty="0" err="1">
-                <a:solidFill>
-                  <a:schemeClr val="tx1"/>
-                </a:solidFill>
-                <a:latin typeface="Bahnschrift" panose="020B0502040204020203" pitchFamily="34" charset="0"/>
-              </a:rPr>
-              <a:t>GameMenu</a:t>
-            </a:r>
-            <a:endParaRPr lang="en-US" sz="1200" dirty="0">
-              <a:solidFill>
-                <a:schemeClr val="tx1"/>
-              </a:solidFill>
-              <a:latin typeface="Bahnschrift" panose="020B0502040204020203" pitchFamily="34" charset="0"/>
-            </a:endParaRPr>
-          </a:p>
-        </p:txBody>
-      </p:sp>
-      <p:sp>
-        <p:nvSpPr>
-          <p:cNvPr id="10" name="Rectangle 9">
-            <a:extLst>
-              <a:ext uri="{FF2B5EF4-FFF2-40B4-BE49-F238E27FC236}">
-                <a16:creationId xmlns:a16="http://schemas.microsoft.com/office/drawing/2014/main" id="{6FBA20FB-D413-49D6-B8BC-8CC7F291D58C}"/>
-              </a:ext>
-            </a:extLst>
-          </p:cNvPr>
-          <p:cNvSpPr/>
-          <p:nvPr/>
-        </p:nvSpPr>
-        <p:spPr>
-          <a:xfrm>
-            <a:off x="3693110" y="1715101"/>
-            <a:ext cx="1481855" cy="718860"/>
-          </a:xfrm>
-          <a:prstGeom prst="rect">
-            <a:avLst/>
-          </a:prstGeom>
-          <a:solidFill>
-            <a:schemeClr val="bg1"/>
-          </a:solidFill>
-          <a:ln>
-            <a:solidFill>
-              <a:schemeClr val="tx1"/>
-            </a:solidFill>
-          </a:ln>
-        </p:spPr>
-        <p:style>
-          <a:lnRef idx="2">
-            <a:schemeClr val="accent1">
-              <a:shade val="50000"/>
-            </a:schemeClr>
-          </a:lnRef>
-          <a:fillRef idx="1">
-            <a:schemeClr val="accent1"/>
-          </a:fillRef>
-          <a:effectRef idx="0">
-            <a:schemeClr val="accent1"/>
-          </a:effectRef>
-          <a:fontRef idx="minor">
-            <a:schemeClr val="lt1"/>
-          </a:fontRef>
-        </p:style>
-        <p:txBody>
-          <a:bodyPr rtlCol="0" anchor="t"/>
-          <a:lstStyle/>
-          <a:p>
-            <a:pPr algn="ctr"/>
-            <a:r>
-              <a:rPr lang="en-US" sz="1200" dirty="0" err="1">
-                <a:solidFill>
-                  <a:schemeClr val="tx1"/>
-                </a:solidFill>
-                <a:latin typeface="Bahnschrift" panose="020B0502040204020203" pitchFamily="34" charset="0"/>
-              </a:rPr>
-              <a:t>GamePanel</a:t>
-            </a:r>
-            <a:endParaRPr lang="en-US" sz="1200" dirty="0">
-              <a:solidFill>
-                <a:schemeClr val="tx1"/>
-              </a:solidFill>
-              <a:latin typeface="Bahnschrift" panose="020B0502040204020203" pitchFamily="34" charset="0"/>
-            </a:endParaRPr>
-          </a:p>
-        </p:txBody>
-      </p:sp>
-      <p:sp>
-        <p:nvSpPr>
-          <p:cNvPr id="11" name="Rectangle 10">
-            <a:extLst>
-              <a:ext uri="{FF2B5EF4-FFF2-40B4-BE49-F238E27FC236}">
-                <a16:creationId xmlns:a16="http://schemas.microsoft.com/office/drawing/2014/main" id="{30B0CB7D-D42F-46F0-9304-F8BE9E6E6D52}"/>
-              </a:ext>
-            </a:extLst>
-          </p:cNvPr>
-          <p:cNvSpPr/>
-          <p:nvPr/>
-        </p:nvSpPr>
-        <p:spPr>
-          <a:xfrm>
-            <a:off x="8345010" y="3429000"/>
-            <a:ext cx="1481855" cy="718860"/>
-          </a:xfrm>
-          <a:prstGeom prst="rect">
-            <a:avLst/>
-          </a:prstGeom>
-          <a:solidFill>
-            <a:schemeClr val="bg1"/>
-          </a:solidFill>
-          <a:ln>
-            <a:solidFill>
-              <a:schemeClr val="tx1"/>
-            </a:solidFill>
-          </a:ln>
-        </p:spPr>
-        <p:style>
-          <a:lnRef idx="2">
-            <a:schemeClr val="accent1">
-              <a:shade val="50000"/>
-            </a:schemeClr>
-          </a:lnRef>
-          <a:fillRef idx="1">
-            <a:schemeClr val="accent1"/>
-          </a:fillRef>
-          <a:effectRef idx="0">
-            <a:schemeClr val="accent1"/>
-          </a:effectRef>
-          <a:fontRef idx="minor">
-            <a:schemeClr val="lt1"/>
-          </a:fontRef>
-        </p:style>
-        <p:txBody>
-          <a:bodyPr rtlCol="0" anchor="t"/>
-          <a:lstStyle/>
-          <a:p>
-            <a:pPr algn="ctr"/>
-            <a:r>
-              <a:rPr lang="en-US" sz="1200" dirty="0" err="1">
-                <a:solidFill>
-                  <a:schemeClr val="tx1"/>
-                </a:solidFill>
-                <a:latin typeface="Bahnschrift" panose="020B0502040204020203" pitchFamily="34" charset="0"/>
-              </a:rPr>
-              <a:t>GameSave</a:t>
-            </a:r>
-            <a:endParaRPr lang="en-US" sz="1200" dirty="0">
-              <a:solidFill>
-                <a:schemeClr val="tx1"/>
-              </a:solidFill>
-              <a:latin typeface="Bahnschrift" panose="020B0502040204020203" pitchFamily="34" charset="0"/>
-            </a:endParaRPr>
-          </a:p>
-        </p:txBody>
-      </p:sp>
-      <p:sp>
-        <p:nvSpPr>
-          <p:cNvPr id="12" name="Rectangle 11">
-            <a:extLst>
-              <a:ext uri="{FF2B5EF4-FFF2-40B4-BE49-F238E27FC236}">
-                <a16:creationId xmlns:a16="http://schemas.microsoft.com/office/drawing/2014/main" id="{68256523-81EB-4D46-97F1-99B9B8277A0E}"/>
-              </a:ext>
-            </a:extLst>
-          </p:cNvPr>
-          <p:cNvSpPr/>
-          <p:nvPr/>
-        </p:nvSpPr>
-        <p:spPr>
-          <a:xfrm>
-            <a:off x="2871722" y="2101861"/>
-            <a:ext cx="678782" cy="383343"/>
+            <a:off x="11254603" y="3048867"/>
+            <a:ext cx="678781" cy="383343"/>
           </a:xfrm>
           <a:prstGeom prst="rect">
             <a:avLst/>
@@ -8386,7 +8605,7 @@
                 </a:solidFill>
                 <a:latin typeface="Bahnschrift" panose="020B0502040204020203" pitchFamily="34" charset="0"/>
               </a:rPr>
-              <a:t>manageUserInputs</a:t>
+              <a:t>saveScore</a:t>
             </a:r>
             <a:endParaRPr lang="en-US" sz="800" dirty="0">
               <a:solidFill>
@@ -8399,10 +8618,10 @@
       </p:sp>
       <p:sp>
         <p:nvSpPr>
-          <p:cNvPr id="13" name="Rectangle 12">
-            <a:extLst>
-              <a:ext uri="{FF2B5EF4-FFF2-40B4-BE49-F238E27FC236}">
-                <a16:creationId xmlns:a16="http://schemas.microsoft.com/office/drawing/2014/main" id="{9AC49071-03F5-4B20-9D88-23F77D52F89C}"/>
+          <p:cNvPr id="19" name="Rectangle 18">
+            <a:extLst>
+              <a:ext uri="{FF2B5EF4-FFF2-40B4-BE49-F238E27FC236}">
+                <a16:creationId xmlns:a16="http://schemas.microsoft.com/office/drawing/2014/main" id="{37B2F9A9-4EA8-4C16-B5ED-5B26B352B76D}"/>
               </a:ext>
             </a:extLst>
           </p:cNvPr>
@@ -8411,8 +8630,8 @@
         </p:nvSpPr>
         <p:spPr>
           <a:xfrm>
-            <a:off x="7067994" y="4911571"/>
-            <a:ext cx="678782" cy="383343"/>
+            <a:off x="10272795" y="5568864"/>
+            <a:ext cx="858905" cy="383343"/>
           </a:xfrm>
           <a:prstGeom prst="rect">
             <a:avLst/>
@@ -8453,7 +8672,7 @@
                 </a:solidFill>
                 <a:latin typeface="Bahnschrift" panose="020B0502040204020203" pitchFamily="34" charset="0"/>
               </a:rPr>
-              <a:t>drawGameCanvas</a:t>
+              <a:t>computeStaticBlockPosition</a:t>
             </a:r>
             <a:endParaRPr lang="en-US" sz="800" dirty="0">
               <a:solidFill>
@@ -8466,10 +8685,10 @@
       </p:sp>
       <p:sp>
         <p:nvSpPr>
-          <p:cNvPr id="14" name="Rectangle 13">
-            <a:extLst>
-              <a:ext uri="{FF2B5EF4-FFF2-40B4-BE49-F238E27FC236}">
-                <a16:creationId xmlns:a16="http://schemas.microsoft.com/office/drawing/2014/main" id="{4C5D53E0-9F8B-489F-996A-D75D28A8B36E}"/>
+          <p:cNvPr id="20" name="Rectangle 19">
+            <a:extLst>
+              <a:ext uri="{FF2B5EF4-FFF2-40B4-BE49-F238E27FC236}">
+                <a16:creationId xmlns:a16="http://schemas.microsoft.com/office/drawing/2014/main" id="{E73D799A-3690-4C5A-B5A5-C039992D39EE}"/>
               </a:ext>
             </a:extLst>
           </p:cNvPr>
@@ -8478,8 +8697,8 @@
         </p:nvSpPr>
         <p:spPr>
           <a:xfrm>
-            <a:off x="705504" y="3405087"/>
-            <a:ext cx="678781" cy="383343"/>
+            <a:off x="7150149" y="4541528"/>
+            <a:ext cx="928502" cy="383343"/>
           </a:xfrm>
           <a:prstGeom prst="rect">
             <a:avLst/>
@@ -8520,7 +8739,7 @@
                 </a:solidFill>
                 <a:latin typeface="Bahnschrift" panose="020B0502040204020203" pitchFamily="34" charset="0"/>
               </a:rPr>
-              <a:t>detectContact</a:t>
+              <a:t>computeCurrentBlockPosition</a:t>
             </a:r>
             <a:endParaRPr lang="en-US" sz="800" dirty="0">
               <a:solidFill>
@@ -8533,10 +8752,10 @@
       </p:sp>
       <p:sp>
         <p:nvSpPr>
-          <p:cNvPr id="15" name="Rectangle 14">
-            <a:extLst>
-              <a:ext uri="{FF2B5EF4-FFF2-40B4-BE49-F238E27FC236}">
-                <a16:creationId xmlns:a16="http://schemas.microsoft.com/office/drawing/2014/main" id="{FA92C4AB-DE73-45F9-9E97-0B07D36557A9}"/>
+          <p:cNvPr id="22" name="Rectangle 21">
+            <a:extLst>
+              <a:ext uri="{FF2B5EF4-FFF2-40B4-BE49-F238E27FC236}">
+                <a16:creationId xmlns:a16="http://schemas.microsoft.com/office/drawing/2014/main" id="{7044EC37-4BDA-423D-A103-2CD8BA6F4BF6}"/>
               </a:ext>
             </a:extLst>
           </p:cNvPr>
@@ -8545,7 +8764,7 @@
         </p:nvSpPr>
         <p:spPr>
           <a:xfrm>
-            <a:off x="1471962" y="3561872"/>
+            <a:off x="5357432" y="442486"/>
             <a:ext cx="678782" cy="383343"/>
           </a:xfrm>
           <a:prstGeom prst="rect">
@@ -8581,29 +8800,23 @@
           <a:lstStyle/>
           <a:p>
             <a:r>
-              <a:rPr lang="en-US" sz="800" dirty="0" err="1">
-                <a:solidFill>
-                  <a:schemeClr val="tx1"/>
-                </a:solidFill>
-                <a:latin typeface="Bahnschrift" panose="020B0502040204020203" pitchFamily="34" charset="0"/>
-              </a:rPr>
-              <a:t>generateNextBlock</a:t>
-            </a:r>
-            <a:endParaRPr lang="en-US" sz="800" dirty="0">
-              <a:solidFill>
-                <a:schemeClr val="tx1"/>
-              </a:solidFill>
-              <a:latin typeface="Bahnschrift" panose="020B0502040204020203" pitchFamily="34" charset="0"/>
-            </a:endParaRPr>
-          </a:p>
-        </p:txBody>
-      </p:sp>
-      <p:sp>
-        <p:nvSpPr>
-          <p:cNvPr id="16" name="Rectangle 15">
-            <a:extLst>
-              <a:ext uri="{FF2B5EF4-FFF2-40B4-BE49-F238E27FC236}">
-                <a16:creationId xmlns:a16="http://schemas.microsoft.com/office/drawing/2014/main" id="{1248B575-533D-497B-9384-380108191BBB}"/>
+              <a:rPr lang="en-US" sz="800" dirty="0">
+                <a:solidFill>
+                  <a:schemeClr val="tx1"/>
+                </a:solidFill>
+                <a:latin typeface="Bahnschrift" panose="020B0502040204020203" pitchFamily="34" charset="0"/>
+              </a:rPr>
+              <a:t>Display</a:t>
+            </a:r>
+          </a:p>
+        </p:txBody>
+      </p:sp>
+      <p:sp>
+        <p:nvSpPr>
+          <p:cNvPr id="23" name="Rectangle 22">
+            <a:extLst>
+              <a:ext uri="{FF2B5EF4-FFF2-40B4-BE49-F238E27FC236}">
+                <a16:creationId xmlns:a16="http://schemas.microsoft.com/office/drawing/2014/main" id="{58A06233-9CBE-4CF4-8C9C-C44CA42264B1}"/>
               </a:ext>
             </a:extLst>
           </p:cNvPr>
@@ -8612,7 +8825,7 @@
         </p:nvSpPr>
         <p:spPr>
           <a:xfrm>
-            <a:off x="2875985" y="1585053"/>
+            <a:off x="9476603" y="1682955"/>
             <a:ext cx="678782" cy="383343"/>
           </a:xfrm>
           <a:prstGeom prst="rect">
@@ -8661,10 +8874,10 @@
       </p:sp>
       <p:sp>
         <p:nvSpPr>
-          <p:cNvPr id="17" name="Rectangle 16">
-            <a:extLst>
-              <a:ext uri="{FF2B5EF4-FFF2-40B4-BE49-F238E27FC236}">
-                <a16:creationId xmlns:a16="http://schemas.microsoft.com/office/drawing/2014/main" id="{0A3F6743-4C00-40A3-8E04-14AD7412DBD2}"/>
+          <p:cNvPr id="25" name="Rectangle 24">
+            <a:extLst>
+              <a:ext uri="{FF2B5EF4-FFF2-40B4-BE49-F238E27FC236}">
+                <a16:creationId xmlns:a16="http://schemas.microsoft.com/office/drawing/2014/main" id="{78F79D33-0C42-4BE3-B6AE-49FF67481022}"/>
               </a:ext>
             </a:extLst>
           </p:cNvPr>
@@ -8673,19 +8886,15 @@
         </p:nvSpPr>
         <p:spPr>
           <a:xfrm>
-            <a:off x="2135059" y="1847234"/>
-            <a:ext cx="678782" cy="383343"/>
+            <a:off x="6573712" y="773567"/>
+            <a:ext cx="159798" cy="133165"/>
           </a:xfrm>
           <a:prstGeom prst="rect">
             <a:avLst/>
           </a:prstGeom>
-          <a:solidFill>
-            <a:schemeClr val="bg2"/>
-          </a:solidFill>
+          <a:noFill/>
           <a:ln>
-            <a:solidFill>
-              <a:schemeClr val="tx1"/>
-            </a:solidFill>
+            <a:noFill/>
           </a:ln>
         </p:spPr>
         <p:style>
@@ -8705,33 +8914,20 @@
           </a:fontRef>
         </p:style>
         <p:txBody>
-          <a:bodyPr rtlCol="0" anchor="t"/>
-          <a:lstStyle/>
-          <a:p>
-            <a:r>
-              <a:rPr lang="en-US" sz="800">
-                <a:solidFill>
-                  <a:schemeClr val="tx1"/>
-                </a:solidFill>
-                <a:latin typeface="Bahnschrift" panose="020B0502040204020203" pitchFamily="34" charset="0"/>
-              </a:rPr>
-              <a:t>generateFeedback</a:t>
-            </a:r>
-            <a:endParaRPr lang="en-US" sz="800" dirty="0">
-              <a:solidFill>
-                <a:schemeClr val="tx1"/>
-              </a:solidFill>
-              <a:latin typeface="Bahnschrift" panose="020B0502040204020203" pitchFamily="34" charset="0"/>
-            </a:endParaRPr>
-          </a:p>
-        </p:txBody>
-      </p:sp>
-      <p:sp>
-        <p:nvSpPr>
-          <p:cNvPr id="18" name="Rectangle 17">
-            <a:extLst>
-              <a:ext uri="{FF2B5EF4-FFF2-40B4-BE49-F238E27FC236}">
-                <a16:creationId xmlns:a16="http://schemas.microsoft.com/office/drawing/2014/main" id="{CACD0559-0BE6-4013-A8DB-2C28A64BDA91}"/>
+          <a:bodyPr rtlCol="0" anchor="ctr"/>
+          <a:lstStyle/>
+          <a:p>
+            <a:pPr algn="ctr"/>
+            <a:endParaRPr lang="en-US"/>
+          </a:p>
+        </p:txBody>
+      </p:sp>
+      <p:sp>
+        <p:nvSpPr>
+          <p:cNvPr id="26" name="Rectangle 25">
+            <a:extLst>
+              <a:ext uri="{FF2B5EF4-FFF2-40B4-BE49-F238E27FC236}">
+                <a16:creationId xmlns:a16="http://schemas.microsoft.com/office/drawing/2014/main" id="{57AD79AE-C2DF-4A32-B02D-60EC392468B2}"/>
               </a:ext>
             </a:extLst>
           </p:cNvPr>
@@ -8740,19 +8936,15 @@
         </p:nvSpPr>
         <p:spPr>
           <a:xfrm>
-            <a:off x="9914542" y="3788430"/>
-            <a:ext cx="678781" cy="383343"/>
+            <a:off x="7352380" y="773567"/>
+            <a:ext cx="159798" cy="133165"/>
           </a:xfrm>
           <a:prstGeom prst="rect">
             <a:avLst/>
           </a:prstGeom>
-          <a:solidFill>
-            <a:schemeClr val="bg2"/>
-          </a:solidFill>
+          <a:noFill/>
           <a:ln>
-            <a:solidFill>
-              <a:schemeClr val="tx1"/>
-            </a:solidFill>
+            <a:noFill/>
           </a:ln>
         </p:spPr>
         <p:style>
@@ -8772,442 +8964,6 @@
           </a:fontRef>
         </p:style>
         <p:txBody>
-          <a:bodyPr rtlCol="0" anchor="t"/>
-          <a:lstStyle/>
-          <a:p>
-            <a:r>
-              <a:rPr lang="en-US" sz="800" dirty="0" err="1">
-                <a:solidFill>
-                  <a:schemeClr val="tx1"/>
-                </a:solidFill>
-                <a:latin typeface="Bahnschrift" panose="020B0502040204020203" pitchFamily="34" charset="0"/>
-              </a:rPr>
-              <a:t>saveScore</a:t>
-            </a:r>
-            <a:endParaRPr lang="en-US" sz="800" dirty="0">
-              <a:solidFill>
-                <a:schemeClr val="tx1"/>
-              </a:solidFill>
-              <a:latin typeface="Bahnschrift" panose="020B0502040204020203" pitchFamily="34" charset="0"/>
-            </a:endParaRPr>
-          </a:p>
-        </p:txBody>
-      </p:sp>
-      <p:sp>
-        <p:nvSpPr>
-          <p:cNvPr id="19" name="Rectangle 18">
-            <a:extLst>
-              <a:ext uri="{FF2B5EF4-FFF2-40B4-BE49-F238E27FC236}">
-                <a16:creationId xmlns:a16="http://schemas.microsoft.com/office/drawing/2014/main" id="{37B2F9A9-4EA8-4C16-B5ED-5B26B352B76D}"/>
-              </a:ext>
-            </a:extLst>
-          </p:cNvPr>
-          <p:cNvSpPr/>
-          <p:nvPr/>
-        </p:nvSpPr>
-        <p:spPr>
-          <a:xfrm>
-            <a:off x="3351215" y="5583810"/>
-            <a:ext cx="678782" cy="383343"/>
-          </a:xfrm>
-          <a:prstGeom prst="rect">
-            <a:avLst/>
-          </a:prstGeom>
-          <a:solidFill>
-            <a:schemeClr val="bg2"/>
-          </a:solidFill>
-          <a:ln>
-            <a:solidFill>
-              <a:schemeClr val="tx1"/>
-            </a:solidFill>
-          </a:ln>
-        </p:spPr>
-        <p:style>
-          <a:lnRef idx="2">
-            <a:schemeClr val="accent1">
-              <a:shade val="50000"/>
-            </a:schemeClr>
-          </a:lnRef>
-          <a:fillRef idx="1">
-            <a:schemeClr val="accent1"/>
-          </a:fillRef>
-          <a:effectRef idx="0">
-            <a:schemeClr val="accent1"/>
-          </a:effectRef>
-          <a:fontRef idx="minor">
-            <a:schemeClr val="lt1"/>
-          </a:fontRef>
-        </p:style>
-        <p:txBody>
-          <a:bodyPr rtlCol="0" anchor="t"/>
-          <a:lstStyle/>
-          <a:p>
-            <a:r>
-              <a:rPr lang="en-US" sz="800" dirty="0" err="1">
-                <a:solidFill>
-                  <a:schemeClr val="tx1"/>
-                </a:solidFill>
-                <a:latin typeface="Bahnschrift" panose="020B0502040204020203" pitchFamily="34" charset="0"/>
-              </a:rPr>
-              <a:t>computeStaticBlockPosition</a:t>
-            </a:r>
-            <a:endParaRPr lang="en-US" sz="800" dirty="0">
-              <a:solidFill>
-                <a:schemeClr val="tx1"/>
-              </a:solidFill>
-              <a:latin typeface="Bahnschrift" panose="020B0502040204020203" pitchFamily="34" charset="0"/>
-            </a:endParaRPr>
-          </a:p>
-        </p:txBody>
-      </p:sp>
-      <p:sp>
-        <p:nvSpPr>
-          <p:cNvPr id="20" name="Rectangle 19">
-            <a:extLst>
-              <a:ext uri="{FF2B5EF4-FFF2-40B4-BE49-F238E27FC236}">
-                <a16:creationId xmlns:a16="http://schemas.microsoft.com/office/drawing/2014/main" id="{E73D799A-3690-4C5A-B5A5-C039992D39EE}"/>
-              </a:ext>
-            </a:extLst>
-          </p:cNvPr>
-          <p:cNvSpPr/>
-          <p:nvPr/>
-        </p:nvSpPr>
-        <p:spPr>
-          <a:xfrm>
-            <a:off x="1527535" y="5583810"/>
-            <a:ext cx="678782" cy="383343"/>
-          </a:xfrm>
-          <a:prstGeom prst="rect">
-            <a:avLst/>
-          </a:prstGeom>
-          <a:solidFill>
-            <a:schemeClr val="bg2"/>
-          </a:solidFill>
-          <a:ln>
-            <a:solidFill>
-              <a:schemeClr val="tx1"/>
-            </a:solidFill>
-          </a:ln>
-        </p:spPr>
-        <p:style>
-          <a:lnRef idx="2">
-            <a:schemeClr val="accent1">
-              <a:shade val="50000"/>
-            </a:schemeClr>
-          </a:lnRef>
-          <a:fillRef idx="1">
-            <a:schemeClr val="accent1"/>
-          </a:fillRef>
-          <a:effectRef idx="0">
-            <a:schemeClr val="accent1"/>
-          </a:effectRef>
-          <a:fontRef idx="minor">
-            <a:schemeClr val="lt1"/>
-          </a:fontRef>
-        </p:style>
-        <p:txBody>
-          <a:bodyPr rtlCol="0" anchor="t"/>
-          <a:lstStyle/>
-          <a:p>
-            <a:r>
-              <a:rPr lang="en-US" sz="800" dirty="0" err="1">
-                <a:solidFill>
-                  <a:schemeClr val="tx1"/>
-                </a:solidFill>
-                <a:latin typeface="Bahnschrift" panose="020B0502040204020203" pitchFamily="34" charset="0"/>
-              </a:rPr>
-              <a:t>computeCurrentBlockPosition</a:t>
-            </a:r>
-            <a:endParaRPr lang="en-US" sz="800" dirty="0">
-              <a:solidFill>
-                <a:schemeClr val="tx1"/>
-              </a:solidFill>
-              <a:latin typeface="Bahnschrift" panose="020B0502040204020203" pitchFamily="34" charset="0"/>
-            </a:endParaRPr>
-          </a:p>
-        </p:txBody>
-      </p:sp>
-      <p:sp>
-        <p:nvSpPr>
-          <p:cNvPr id="21" name="Rectangle 20">
-            <a:extLst>
-              <a:ext uri="{FF2B5EF4-FFF2-40B4-BE49-F238E27FC236}">
-                <a16:creationId xmlns:a16="http://schemas.microsoft.com/office/drawing/2014/main" id="{D865D770-0E90-4515-B230-A63CCD4091CB}"/>
-              </a:ext>
-            </a:extLst>
-          </p:cNvPr>
-          <p:cNvSpPr/>
-          <p:nvPr/>
-        </p:nvSpPr>
-        <p:spPr>
-          <a:xfrm>
-            <a:off x="1471962" y="3125522"/>
-            <a:ext cx="678781" cy="383343"/>
-          </a:xfrm>
-          <a:prstGeom prst="rect">
-            <a:avLst/>
-          </a:prstGeom>
-          <a:solidFill>
-            <a:schemeClr val="bg2"/>
-          </a:solidFill>
-          <a:ln>
-            <a:solidFill>
-              <a:schemeClr val="tx1"/>
-            </a:solidFill>
-          </a:ln>
-        </p:spPr>
-        <p:style>
-          <a:lnRef idx="2">
-            <a:schemeClr val="accent1">
-              <a:shade val="50000"/>
-            </a:schemeClr>
-          </a:lnRef>
-          <a:fillRef idx="1">
-            <a:schemeClr val="accent1"/>
-          </a:fillRef>
-          <a:effectRef idx="0">
-            <a:schemeClr val="accent1"/>
-          </a:effectRef>
-          <a:fontRef idx="minor">
-            <a:schemeClr val="lt1"/>
-          </a:fontRef>
-        </p:style>
-        <p:txBody>
-          <a:bodyPr rtlCol="0" anchor="t"/>
-          <a:lstStyle/>
-          <a:p>
-            <a:r>
-              <a:rPr lang="en-US" sz="800" dirty="0" err="1">
-                <a:solidFill>
-                  <a:schemeClr val="tx1"/>
-                </a:solidFill>
-                <a:latin typeface="Bahnschrift" panose="020B0502040204020203" pitchFamily="34" charset="0"/>
-              </a:rPr>
-              <a:t>computeScore</a:t>
-            </a:r>
-            <a:endParaRPr lang="en-US" sz="800" dirty="0">
-              <a:solidFill>
-                <a:schemeClr val="tx1"/>
-              </a:solidFill>
-              <a:latin typeface="Bahnschrift" panose="020B0502040204020203" pitchFamily="34" charset="0"/>
-            </a:endParaRPr>
-          </a:p>
-        </p:txBody>
-      </p:sp>
-      <p:sp>
-        <p:nvSpPr>
-          <p:cNvPr id="22" name="Rectangle 21">
-            <a:extLst>
-              <a:ext uri="{FF2B5EF4-FFF2-40B4-BE49-F238E27FC236}">
-                <a16:creationId xmlns:a16="http://schemas.microsoft.com/office/drawing/2014/main" id="{7044EC37-4BDA-423D-A103-2CD8BA6F4BF6}"/>
-              </a:ext>
-            </a:extLst>
-          </p:cNvPr>
-          <p:cNvSpPr/>
-          <p:nvPr/>
-        </p:nvSpPr>
-        <p:spPr>
-          <a:xfrm>
-            <a:off x="4562412" y="853966"/>
-            <a:ext cx="678782" cy="383343"/>
-          </a:xfrm>
-          <a:prstGeom prst="rect">
-            <a:avLst/>
-          </a:prstGeom>
-          <a:solidFill>
-            <a:schemeClr val="bg2"/>
-          </a:solidFill>
-          <a:ln>
-            <a:solidFill>
-              <a:schemeClr val="tx1"/>
-            </a:solidFill>
-          </a:ln>
-        </p:spPr>
-        <p:style>
-          <a:lnRef idx="2">
-            <a:schemeClr val="accent1">
-              <a:shade val="50000"/>
-            </a:schemeClr>
-          </a:lnRef>
-          <a:fillRef idx="1">
-            <a:schemeClr val="accent1"/>
-          </a:fillRef>
-          <a:effectRef idx="0">
-            <a:schemeClr val="accent1"/>
-          </a:effectRef>
-          <a:fontRef idx="minor">
-            <a:schemeClr val="lt1"/>
-          </a:fontRef>
-        </p:style>
-        <p:txBody>
-          <a:bodyPr rtlCol="0" anchor="t"/>
-          <a:lstStyle/>
-          <a:p>
-            <a:r>
-              <a:rPr lang="en-US" sz="800" dirty="0">
-                <a:solidFill>
-                  <a:schemeClr val="tx1"/>
-                </a:solidFill>
-                <a:latin typeface="Bahnschrift" panose="020B0502040204020203" pitchFamily="34" charset="0"/>
-              </a:rPr>
-              <a:t>Display</a:t>
-            </a:r>
-          </a:p>
-        </p:txBody>
-      </p:sp>
-      <p:sp>
-        <p:nvSpPr>
-          <p:cNvPr id="23" name="Rectangle 22">
-            <a:extLst>
-              <a:ext uri="{FF2B5EF4-FFF2-40B4-BE49-F238E27FC236}">
-                <a16:creationId xmlns:a16="http://schemas.microsoft.com/office/drawing/2014/main" id="{58A06233-9CBE-4CF4-8C9C-C44CA42264B1}"/>
-              </a:ext>
-            </a:extLst>
-          </p:cNvPr>
-          <p:cNvSpPr/>
-          <p:nvPr/>
-        </p:nvSpPr>
-        <p:spPr>
-          <a:xfrm>
-            <a:off x="8361216" y="1834738"/>
-            <a:ext cx="678782" cy="383343"/>
-          </a:xfrm>
-          <a:prstGeom prst="rect">
-            <a:avLst/>
-          </a:prstGeom>
-          <a:solidFill>
-            <a:schemeClr val="bg2"/>
-          </a:solidFill>
-          <a:ln>
-            <a:solidFill>
-              <a:schemeClr val="tx1"/>
-            </a:solidFill>
-          </a:ln>
-        </p:spPr>
-        <p:style>
-          <a:lnRef idx="2">
-            <a:schemeClr val="accent1">
-              <a:shade val="50000"/>
-            </a:schemeClr>
-          </a:lnRef>
-          <a:fillRef idx="1">
-            <a:schemeClr val="accent1"/>
-          </a:fillRef>
-          <a:effectRef idx="0">
-            <a:schemeClr val="accent1"/>
-          </a:effectRef>
-          <a:fontRef idx="minor">
-            <a:schemeClr val="lt1"/>
-          </a:fontRef>
-        </p:style>
-        <p:txBody>
-          <a:bodyPr rtlCol="0" anchor="t"/>
-          <a:lstStyle/>
-          <a:p>
-            <a:r>
-              <a:rPr lang="en-US" sz="800" dirty="0">
-                <a:solidFill>
-                  <a:schemeClr val="tx1"/>
-                </a:solidFill>
-                <a:latin typeface="Bahnschrift" panose="020B0502040204020203" pitchFamily="34" charset="0"/>
-              </a:rPr>
-              <a:t>Display</a:t>
-            </a:r>
-          </a:p>
-        </p:txBody>
-      </p:sp>
-      <p:sp>
-        <p:nvSpPr>
-          <p:cNvPr id="25" name="Rectangle 24">
-            <a:extLst>
-              <a:ext uri="{FF2B5EF4-FFF2-40B4-BE49-F238E27FC236}">
-                <a16:creationId xmlns:a16="http://schemas.microsoft.com/office/drawing/2014/main" id="{78F79D33-0C42-4BE3-B6AE-49FF67481022}"/>
-              </a:ext>
-            </a:extLst>
-          </p:cNvPr>
-          <p:cNvSpPr/>
-          <p:nvPr/>
-        </p:nvSpPr>
-        <p:spPr>
-          <a:xfrm>
-            <a:off x="5702492" y="1228360"/>
-            <a:ext cx="159798" cy="133165"/>
-          </a:xfrm>
-          <a:prstGeom prst="rect">
-            <a:avLst/>
-          </a:prstGeom>
-          <a:noFill/>
-          <a:ln>
-            <a:noFill/>
-          </a:ln>
-        </p:spPr>
-        <p:style>
-          <a:lnRef idx="2">
-            <a:schemeClr val="accent1">
-              <a:shade val="50000"/>
-            </a:schemeClr>
-          </a:lnRef>
-          <a:fillRef idx="1">
-            <a:schemeClr val="accent1"/>
-          </a:fillRef>
-          <a:effectRef idx="0">
-            <a:schemeClr val="accent1"/>
-          </a:effectRef>
-          <a:fontRef idx="minor">
-            <a:schemeClr val="lt1"/>
-          </a:fontRef>
-        </p:style>
-        <p:txBody>
-          <a:bodyPr rtlCol="0" anchor="ctr"/>
-          <a:lstStyle/>
-          <a:p>
-            <a:pPr algn="ctr"/>
-            <a:endParaRPr lang="en-US"/>
-          </a:p>
-        </p:txBody>
-      </p:sp>
-      <p:sp>
-        <p:nvSpPr>
-          <p:cNvPr id="26" name="Rectangle 25">
-            <a:extLst>
-              <a:ext uri="{FF2B5EF4-FFF2-40B4-BE49-F238E27FC236}">
-                <a16:creationId xmlns:a16="http://schemas.microsoft.com/office/drawing/2014/main" id="{57AD79AE-C2DF-4A32-B02D-60EC392468B2}"/>
-              </a:ext>
-            </a:extLst>
-          </p:cNvPr>
-          <p:cNvSpPr/>
-          <p:nvPr/>
-        </p:nvSpPr>
-        <p:spPr>
-          <a:xfrm>
-            <a:off x="6481160" y="1228360"/>
-            <a:ext cx="159798" cy="133165"/>
-          </a:xfrm>
-          <a:prstGeom prst="rect">
-            <a:avLst/>
-          </a:prstGeom>
-          <a:noFill/>
-          <a:ln>
-            <a:noFill/>
-          </a:ln>
-        </p:spPr>
-        <p:style>
-          <a:lnRef idx="2">
-            <a:schemeClr val="accent1">
-              <a:shade val="50000"/>
-            </a:schemeClr>
-          </a:lnRef>
-          <a:fillRef idx="1">
-            <a:schemeClr val="accent1"/>
-          </a:fillRef>
-          <a:effectRef idx="0">
-            <a:schemeClr val="accent1"/>
-          </a:effectRef>
-          <a:fontRef idx="minor">
-            <a:schemeClr val="lt1"/>
-          </a:fontRef>
-        </p:style>
-        <p:txBody>
           <a:bodyPr rtlCol="0" anchor="ctr"/>
           <a:lstStyle/>
           <a:p>
@@ -9226,6 +8982,7 @@
             </a:extLst>
           </p:cNvPr>
           <p:cNvCxnSpPr>
+            <a:cxnSpLocks/>
             <a:stCxn id="10" idx="0"/>
             <a:endCxn id="25" idx="2"/>
           </p:cNvCxnSpPr>
@@ -9233,14 +8990,15 @@
         </p:nvCxnSpPr>
         <p:spPr>
           <a:xfrm rot="5400000" flipH="1" flipV="1">
-            <a:off x="4931426" y="864137"/>
-            <a:ext cx="353576" cy="1348353"/>
+            <a:off x="5761940" y="450050"/>
+            <a:ext cx="434988" cy="1348353"/>
           </a:xfrm>
           <a:prstGeom prst="bentConnector3">
             <a:avLst/>
           </a:prstGeom>
           <a:ln w="9525">
-            <a:tailEnd type="diamond" w="lg" len="lg"/>
+            <a:headEnd type="none" w="med" len="med"/>
+            <a:tailEnd type="none" w="med" len="med"/>
           </a:ln>
         </p:spPr>
         <p:style>
@@ -9276,8 +9034,8 @@
         </p:nvCxnSpPr>
         <p:spPr>
           <a:xfrm rot="16200000" flipV="1">
-            <a:off x="6718255" y="1204329"/>
-            <a:ext cx="637660" cy="952052"/>
+            <a:off x="7548769" y="790243"/>
+            <a:ext cx="719073" cy="952052"/>
           </a:xfrm>
           <a:prstGeom prst="bentConnector3">
             <a:avLst>
@@ -9285,7 +9043,8 @@
             </a:avLst>
           </a:prstGeom>
           <a:ln w="9525">
-            <a:tailEnd type="diamond" w="lg" len="lg"/>
+            <a:headEnd type="none" w="med" len="med"/>
+            <a:tailEnd type="none" w="med" len="med"/>
           </a:ln>
         </p:spPr>
         <p:style>
@@ -9303,51 +9062,6 @@
           </a:fontRef>
         </p:style>
       </p:cxnSp>
-      <p:cxnSp>
-        <p:nvCxnSpPr>
-          <p:cNvPr id="32" name="Connecteur : en angle 31">
-            <a:extLst>
-              <a:ext uri="{FF2B5EF4-FFF2-40B4-BE49-F238E27FC236}">
-                <a16:creationId xmlns:a16="http://schemas.microsoft.com/office/drawing/2014/main" id="{3859165F-59B7-4975-9707-20FCA70EECCE}"/>
-              </a:ext>
-            </a:extLst>
-          </p:cNvPr>
-          <p:cNvCxnSpPr>
-            <a:cxnSpLocks/>
-            <a:stCxn id="8" idx="0"/>
-            <a:endCxn id="49" idx="2"/>
-          </p:cNvCxnSpPr>
-          <p:nvPr/>
-        </p:nvCxnSpPr>
-        <p:spPr>
-          <a:xfrm rot="16200000" flipV="1">
-            <a:off x="4381620" y="2869207"/>
-            <a:ext cx="2244494" cy="1392129"/>
-          </a:xfrm>
-          <a:prstGeom prst="bentConnector3">
-            <a:avLst>
-              <a:gd name="adj1" fmla="val 76896"/>
-            </a:avLst>
-          </a:prstGeom>
-          <a:ln w="9525">
-            <a:tailEnd type="diamond" w="lg" len="lg"/>
-          </a:ln>
-        </p:spPr>
-        <p:style>
-          <a:lnRef idx="1">
-            <a:schemeClr val="dk1"/>
-          </a:lnRef>
-          <a:fillRef idx="0">
-            <a:schemeClr val="dk1"/>
-          </a:fillRef>
-          <a:effectRef idx="0">
-            <a:schemeClr val="dk1"/>
-          </a:effectRef>
-          <a:fontRef idx="minor">
-            <a:schemeClr val="tx1"/>
-          </a:fontRef>
-        </p:style>
-      </p:cxnSp>
       <p:sp>
         <p:nvSpPr>
           <p:cNvPr id="35" name="Rectangle 34">
@@ -9361,8 +9075,8 @@
           <p:nvPr/>
         </p:nvSpPr>
         <p:spPr>
-          <a:xfrm>
-            <a:off x="2705580" y="4068812"/>
+          <a:xfrm rot="16200000">
+            <a:off x="4959484" y="4250505"/>
             <a:ext cx="159798" cy="133165"/>
           </a:xfrm>
           <a:prstGeom prst="rect">
@@ -9411,8 +9125,8 @@
           <p:nvPr/>
         </p:nvSpPr>
         <p:spPr>
-          <a:xfrm>
-            <a:off x="3484248" y="4068812"/>
+          <a:xfrm rot="16200000">
+            <a:off x="4975056" y="3590942"/>
             <a:ext cx="159798" cy="133165"/>
           </a:xfrm>
           <a:prstGeom prst="rect">
@@ -9465,17 +9179,16 @@
           <p:nvPr/>
         </p:nvCxnSpPr>
         <p:spPr>
-          <a:xfrm rot="5400000" flipH="1" flipV="1">
-            <a:off x="2140066" y="4042107"/>
-            <a:ext cx="485542" cy="805283"/>
-          </a:xfrm>
-          <a:prstGeom prst="bentConnector3">
-            <a:avLst>
-              <a:gd name="adj1" fmla="val 50000"/>
-            </a:avLst>
+          <a:xfrm rot="16200000" flipV="1">
+            <a:off x="5519416" y="3903639"/>
+            <a:ext cx="408165" cy="1235064"/>
+          </a:xfrm>
+          <a:prstGeom prst="bentConnector2">
+            <a:avLst/>
           </a:prstGeom>
           <a:ln w="9525">
-            <a:tailEnd type="diamond" w="lg" len="lg"/>
+            <a:headEnd type="none" w="med" len="med"/>
+            <a:tailEnd type="none" w="med" len="med"/>
           </a:ln>
         </p:spPr>
         <p:style>
@@ -9511,16 +9224,15 @@
         </p:nvCxnSpPr>
         <p:spPr>
           <a:xfrm rot="16200000" flipV="1">
-            <a:off x="3704952" y="4061172"/>
-            <a:ext cx="485542" cy="767151"/>
-          </a:xfrm>
-          <a:prstGeom prst="bentConnector3">
-            <a:avLst>
-              <a:gd name="adj1" fmla="val 50000"/>
-            </a:avLst>
+            <a:off x="6870937" y="1908126"/>
+            <a:ext cx="508928" cy="4007725"/>
+          </a:xfrm>
+          <a:prstGeom prst="bentConnector2">
+            <a:avLst/>
           </a:prstGeom>
           <a:ln w="9525">
-            <a:tailEnd type="diamond" w="lg" len="lg"/>
+            <a:headEnd type="none" w="med" len="med"/>
+            <a:tailEnd type="none" w="med" len="med"/>
           </a:ln>
         </p:spPr>
         <p:style>
@@ -9556,8 +9268,8 @@
         </p:nvCxnSpPr>
         <p:spPr>
           <a:xfrm rot="16200000" flipV="1">
-            <a:off x="8069338" y="2412399"/>
-            <a:ext cx="460375" cy="1572827"/>
+            <a:off x="9143757" y="1835819"/>
+            <a:ext cx="341842" cy="1860693"/>
           </a:xfrm>
           <a:prstGeom prst="bentConnector3">
             <a:avLst>
@@ -9565,7 +9277,8 @@
             </a:avLst>
           </a:prstGeom>
           <a:ln w="9525">
-            <a:tailEnd type="diamond" w="lg" len="lg"/>
+            <a:headEnd type="none" w="med" len="med"/>
+            <a:tailEnd type="none" w="med" len="med"/>
           </a:ln>
         </p:spPr>
         <p:style>
@@ -9601,8 +9314,8 @@
         </p:nvCxnSpPr>
         <p:spPr>
           <a:xfrm rot="5400000" flipH="1" flipV="1">
-            <a:off x="3262659" y="2359047"/>
-            <a:ext cx="682497" cy="850454"/>
+            <a:off x="4380681" y="2232469"/>
+            <a:ext cx="343061" cy="696285"/>
           </a:xfrm>
           <a:prstGeom prst="bentConnector3">
             <a:avLst>
@@ -9610,7 +9323,8 @@
             </a:avLst>
           </a:prstGeom>
           <a:ln w="9525">
-            <a:tailEnd type="diamond" w="lg" len="lg"/>
+            <a:headEnd type="none" w="med" len="med"/>
+            <a:tailEnd type="none" w="med" len="med"/>
           </a:ln>
         </p:spPr>
         <p:style>
@@ -9642,7 +9356,7 @@
         </p:nvSpPr>
         <p:spPr>
           <a:xfrm>
-            <a:off x="3949235" y="2309860"/>
+            <a:off x="4820455" y="2275915"/>
             <a:ext cx="159798" cy="133165"/>
           </a:xfrm>
           <a:prstGeom prst="rect">
@@ -9692,7 +9406,7 @@
         </p:nvSpPr>
         <p:spPr>
           <a:xfrm>
-            <a:off x="4727903" y="2309860"/>
+            <a:off x="5599123" y="2275915"/>
             <a:ext cx="159798" cy="133165"/>
           </a:xfrm>
           <a:prstGeom prst="rect">
@@ -9742,7 +9456,7 @@
         </p:nvSpPr>
         <p:spPr>
           <a:xfrm>
-            <a:off x="5496086" y="816235"/>
+            <a:off x="6367306" y="447934"/>
             <a:ext cx="1222213" cy="383343"/>
           </a:xfrm>
           <a:prstGeom prst="rect">
@@ -9828,8 +9542,8 @@
         </p:nvSpPr>
         <p:spPr>
           <a:xfrm>
-            <a:off x="3690606" y="1922485"/>
-            <a:ext cx="1222213" cy="383343"/>
+            <a:off x="4561826" y="1599192"/>
+            <a:ext cx="1222213" cy="585157"/>
           </a:xfrm>
           <a:prstGeom prst="rect">
             <a:avLst/>
@@ -9860,6 +9574,15 @@
           <a:lstStyle/>
           <a:p>
             <a:r>
+              <a:rPr lang="en-US" sz="800" dirty="0">
+                <a:solidFill>
+                  <a:schemeClr val="tx1"/>
+                </a:solidFill>
+                <a:latin typeface="Bahnschrift" panose="020B0502040204020203" pitchFamily="34" charset="0"/>
+              </a:rPr>
+              <a:t>-</a:t>
+            </a:r>
+            <a:r>
               <a:rPr lang="en-US" sz="800" dirty="0" err="1">
                 <a:solidFill>
                   <a:schemeClr val="tx1"/>
@@ -9886,7 +9609,76 @@
                 </a:solidFill>
                 <a:latin typeface="Bahnschrift" panose="020B0502040204020203" pitchFamily="34" charset="0"/>
               </a:rPr>
-              <a:t>exit()</a:t>
+              <a:t>-</a:t>
+            </a:r>
+            <a:r>
+              <a:rPr lang="en-US" sz="800" dirty="0" err="1">
+                <a:solidFill>
+                  <a:schemeClr val="tx1"/>
+                </a:solidFill>
+                <a:latin typeface="Bahnschrift" panose="020B0502040204020203" pitchFamily="34" charset="0"/>
+              </a:rPr>
+              <a:t>displayGameMatrix</a:t>
+            </a:r>
+            <a:r>
+              <a:rPr lang="en-US" sz="800" dirty="0">
+                <a:solidFill>
+                  <a:schemeClr val="tx1"/>
+                </a:solidFill>
+                <a:latin typeface="Bahnschrift" panose="020B0502040204020203" pitchFamily="34" charset="0"/>
+              </a:rPr>
+              <a:t>()</a:t>
+            </a:r>
+          </a:p>
+          <a:p>
+            <a:r>
+              <a:rPr lang="en-US" sz="800" dirty="0">
+                <a:solidFill>
+                  <a:schemeClr val="tx1"/>
+                </a:solidFill>
+                <a:latin typeface="Bahnschrift" panose="020B0502040204020203" pitchFamily="34" charset="0"/>
+              </a:rPr>
+              <a:t>-</a:t>
+            </a:r>
+            <a:r>
+              <a:rPr lang="en-US" sz="800" dirty="0" err="1">
+                <a:solidFill>
+                  <a:schemeClr val="tx1"/>
+                </a:solidFill>
+                <a:latin typeface="Bahnschrift" panose="020B0502040204020203" pitchFamily="34" charset="0"/>
+              </a:rPr>
+              <a:t>displayScore</a:t>
+            </a:r>
+            <a:r>
+              <a:rPr lang="en-US" sz="800" dirty="0">
+                <a:solidFill>
+                  <a:schemeClr val="tx1"/>
+                </a:solidFill>
+                <a:latin typeface="Bahnschrift" panose="020B0502040204020203" pitchFamily="34" charset="0"/>
+              </a:rPr>
+              <a:t>()</a:t>
+            </a:r>
+          </a:p>
+          <a:p>
+            <a:r>
+              <a:rPr lang="en-US" sz="800" dirty="0">
+                <a:solidFill>
+                  <a:schemeClr val="tx1"/>
+                </a:solidFill>
+                <a:latin typeface="Bahnschrift" panose="020B0502040204020203" pitchFamily="34" charset="0"/>
+              </a:rPr>
+              <a:t>+start()</a:t>
+            </a:r>
+          </a:p>
+          <a:p>
+            <a:r>
+              <a:rPr lang="en-US" sz="800" dirty="0">
+                <a:solidFill>
+                  <a:schemeClr val="tx1"/>
+                </a:solidFill>
+                <a:latin typeface="Bahnschrift" panose="020B0502040204020203" pitchFamily="34" charset="0"/>
+              </a:rPr>
+              <a:t>+exit()</a:t>
             </a:r>
           </a:p>
         </p:txBody>
@@ -9905,7 +9697,7 @@
         </p:nvSpPr>
         <p:spPr>
           <a:xfrm>
-            <a:off x="6771931" y="2220368"/>
+            <a:off x="7643151" y="1846988"/>
             <a:ext cx="1222213" cy="595857"/>
           </a:xfrm>
           <a:prstGeom prst="rect">
@@ -10039,10 +9831,10 @@
       </p:sp>
       <p:sp>
         <p:nvSpPr>
-          <p:cNvPr id="58" name="Rectangle 57">
-            <a:extLst>
-              <a:ext uri="{FF2B5EF4-FFF2-40B4-BE49-F238E27FC236}">
-                <a16:creationId xmlns:a16="http://schemas.microsoft.com/office/drawing/2014/main" id="{8DD7B7B8-3130-4D12-9571-474C77CB887B}"/>
+          <p:cNvPr id="70" name="Rectangle 69">
+            <a:extLst>
+              <a:ext uri="{FF2B5EF4-FFF2-40B4-BE49-F238E27FC236}">
+                <a16:creationId xmlns:a16="http://schemas.microsoft.com/office/drawing/2014/main" id="{B889DAC8-9CA4-478E-929A-9A8FA78B2C14}"/>
               </a:ext>
             </a:extLst>
           </p:cNvPr>
@@ -10051,8 +9843,8 @@
         </p:nvSpPr>
         <p:spPr>
           <a:xfrm>
-            <a:off x="5459003" y="4871005"/>
-            <a:ext cx="1222213" cy="383343"/>
+            <a:off x="3308970" y="3084225"/>
+            <a:ext cx="1835311" cy="2450826"/>
           </a:xfrm>
           <a:prstGeom prst="rect">
             <a:avLst/>
@@ -10089,10 +9881,8 @@
                 </a:solidFill>
                 <a:latin typeface="Bahnschrift" panose="020B0502040204020203" pitchFamily="34" charset="0"/>
               </a:rPr>
-              <a:t>reset()</a:t>
-            </a:r>
-          </a:p>
-          <a:p>
+              <a:t>-</a:t>
+            </a:r>
             <a:r>
               <a:rPr lang="en-US" sz="800" dirty="0" err="1">
                 <a:solidFill>
@@ -10100,7 +9890,7 @@
                 </a:solidFill>
                 <a:latin typeface="Bahnschrift" panose="020B0502040204020203" pitchFamily="34" charset="0"/>
               </a:rPr>
-              <a:t>deleteRow</a:t>
+              <a:t>instantiateCurrentBlock</a:t>
             </a:r>
             <a:r>
               <a:rPr lang="en-US" sz="800" dirty="0">
@@ -10120,17 +9910,444 @@
                 </a:solidFill>
                 <a:latin typeface="Bahnschrift" panose="020B0502040204020203" pitchFamily="34" charset="0"/>
               </a:rPr>
-              <a:t>draw()</a:t>
-            </a:r>
-          </a:p>
-        </p:txBody>
-      </p:sp>
-      <p:sp>
-        <p:nvSpPr>
-          <p:cNvPr id="70" name="Rectangle 69">
-            <a:extLst>
-              <a:ext uri="{FF2B5EF4-FFF2-40B4-BE49-F238E27FC236}">
-                <a16:creationId xmlns:a16="http://schemas.microsoft.com/office/drawing/2014/main" id="{B889DAC8-9CA4-478E-929A-9A8FA78B2C14}"/>
+              <a:t>+</a:t>
+            </a:r>
+            <a:r>
+              <a:rPr lang="en-US" sz="800" dirty="0" err="1">
+                <a:solidFill>
+                  <a:schemeClr val="tx1"/>
+                </a:solidFill>
+                <a:latin typeface="Bahnschrift" panose="020B0502040204020203" pitchFamily="34" charset="0"/>
+              </a:rPr>
+              <a:t>getGameMatrices</a:t>
+            </a:r>
+            <a:r>
+              <a:rPr lang="en-US" sz="800" dirty="0">
+                <a:solidFill>
+                  <a:schemeClr val="tx1"/>
+                </a:solidFill>
+                <a:latin typeface="Bahnschrift" panose="020B0502040204020203" pitchFamily="34" charset="0"/>
+              </a:rPr>
+              <a:t>()</a:t>
+            </a:r>
+          </a:p>
+          <a:p>
+            <a:endParaRPr lang="en-US" sz="800" dirty="0">
+              <a:solidFill>
+                <a:schemeClr val="tx1"/>
+              </a:solidFill>
+              <a:latin typeface="Bahnschrift" panose="020B0502040204020203" pitchFamily="34" charset="0"/>
+            </a:endParaRPr>
+          </a:p>
+          <a:p>
+            <a:r>
+              <a:rPr lang="en-US" sz="800" dirty="0">
+                <a:solidFill>
+                  <a:schemeClr val="tx1"/>
+                </a:solidFill>
+                <a:latin typeface="Bahnschrift" panose="020B0502040204020203" pitchFamily="34" charset="0"/>
+              </a:rPr>
+              <a:t>+</a:t>
+            </a:r>
+            <a:r>
+              <a:rPr lang="en-US" sz="800" dirty="0" err="1">
+                <a:solidFill>
+                  <a:schemeClr val="tx1"/>
+                </a:solidFill>
+                <a:latin typeface="Bahnschrift" panose="020B0502040204020203" pitchFamily="34" charset="0"/>
+              </a:rPr>
+              <a:t>rotateCurrentBlock</a:t>
+            </a:r>
+            <a:r>
+              <a:rPr lang="en-US" sz="800" dirty="0">
+                <a:solidFill>
+                  <a:schemeClr val="tx1"/>
+                </a:solidFill>
+                <a:latin typeface="Bahnschrift" panose="020B0502040204020203" pitchFamily="34" charset="0"/>
+              </a:rPr>
+              <a:t>()</a:t>
+            </a:r>
+          </a:p>
+          <a:p>
+            <a:r>
+              <a:rPr lang="en-US" sz="800" dirty="0">
+                <a:solidFill>
+                  <a:schemeClr val="tx1"/>
+                </a:solidFill>
+                <a:latin typeface="Bahnschrift" panose="020B0502040204020203" pitchFamily="34" charset="0"/>
+              </a:rPr>
+              <a:t>+</a:t>
+            </a:r>
+            <a:r>
+              <a:rPr lang="en-US" sz="800" dirty="0" err="1">
+                <a:solidFill>
+                  <a:schemeClr val="tx1"/>
+                </a:solidFill>
+                <a:latin typeface="Bahnschrift" panose="020B0502040204020203" pitchFamily="34" charset="0"/>
+              </a:rPr>
+              <a:t>moveLateralCurrentBlock</a:t>
+            </a:r>
+            <a:r>
+              <a:rPr lang="en-US" sz="800" dirty="0">
+                <a:solidFill>
+                  <a:schemeClr val="tx1"/>
+                </a:solidFill>
+                <a:latin typeface="Bahnschrift" panose="020B0502040204020203" pitchFamily="34" charset="0"/>
+              </a:rPr>
+              <a:t>()</a:t>
+            </a:r>
+          </a:p>
+          <a:p>
+            <a:r>
+              <a:rPr lang="en-US" sz="800" dirty="0">
+                <a:solidFill>
+                  <a:schemeClr val="tx1"/>
+                </a:solidFill>
+                <a:latin typeface="Bahnschrift" panose="020B0502040204020203" pitchFamily="34" charset="0"/>
+              </a:rPr>
+              <a:t>+</a:t>
+            </a:r>
+            <a:r>
+              <a:rPr lang="en-US" sz="800" dirty="0" err="1">
+                <a:solidFill>
+                  <a:schemeClr val="tx1"/>
+                </a:solidFill>
+                <a:latin typeface="Bahnschrift" panose="020B0502040204020203" pitchFamily="34" charset="0"/>
+              </a:rPr>
+              <a:t>moveDownCurrentBlock</a:t>
+            </a:r>
+            <a:r>
+              <a:rPr lang="en-US" sz="800" dirty="0">
+                <a:solidFill>
+                  <a:schemeClr val="tx1"/>
+                </a:solidFill>
+                <a:latin typeface="Bahnschrift" panose="020B0502040204020203" pitchFamily="34" charset="0"/>
+              </a:rPr>
+              <a:t>()</a:t>
+            </a:r>
+          </a:p>
+          <a:p>
+            <a:endParaRPr lang="en-US" sz="800" dirty="0">
+              <a:solidFill>
+                <a:schemeClr val="tx1"/>
+              </a:solidFill>
+              <a:latin typeface="Bahnschrift" panose="020B0502040204020203" pitchFamily="34" charset="0"/>
+            </a:endParaRPr>
+          </a:p>
+          <a:p>
+            <a:r>
+              <a:rPr lang="en-US" sz="800" dirty="0">
+                <a:solidFill>
+                  <a:schemeClr val="tx1"/>
+                </a:solidFill>
+                <a:latin typeface="Bahnschrift" panose="020B0502040204020203" pitchFamily="34" charset="0"/>
+              </a:rPr>
+              <a:t>-</a:t>
+            </a:r>
+            <a:r>
+              <a:rPr lang="en-US" sz="800" dirty="0" err="1">
+                <a:solidFill>
+                  <a:schemeClr val="tx1"/>
+                </a:solidFill>
+                <a:latin typeface="Bahnschrift" panose="020B0502040204020203" pitchFamily="34" charset="0"/>
+              </a:rPr>
+              <a:t>dockBlock</a:t>
+            </a:r>
+            <a:r>
+              <a:rPr lang="en-US" sz="800" dirty="0">
+                <a:solidFill>
+                  <a:schemeClr val="tx1"/>
+                </a:solidFill>
+                <a:latin typeface="Bahnschrift" panose="020B0502040204020203" pitchFamily="34" charset="0"/>
+              </a:rPr>
+              <a:t>()</a:t>
+            </a:r>
+          </a:p>
+          <a:p>
+            <a:endParaRPr lang="en-US" sz="800" dirty="0">
+              <a:solidFill>
+                <a:schemeClr val="tx1"/>
+              </a:solidFill>
+              <a:latin typeface="Bahnschrift" panose="020B0502040204020203" pitchFamily="34" charset="0"/>
+            </a:endParaRPr>
+          </a:p>
+          <a:p>
+            <a:r>
+              <a:rPr lang="en-US" sz="800" dirty="0">
+                <a:solidFill>
+                  <a:schemeClr val="tx1"/>
+                </a:solidFill>
+                <a:latin typeface="Bahnschrift" panose="020B0502040204020203" pitchFamily="34" charset="0"/>
+              </a:rPr>
+              <a:t>-</a:t>
+            </a:r>
+            <a:r>
+              <a:rPr lang="en-US" sz="800" dirty="0" err="1">
+                <a:solidFill>
+                  <a:schemeClr val="tx1"/>
+                </a:solidFill>
+                <a:latin typeface="Bahnschrift" panose="020B0502040204020203" pitchFamily="34" charset="0"/>
+              </a:rPr>
+              <a:t>preventDownwardBlockClipping</a:t>
+            </a:r>
+            <a:r>
+              <a:rPr lang="en-US" sz="800" dirty="0">
+                <a:solidFill>
+                  <a:schemeClr val="tx1"/>
+                </a:solidFill>
+                <a:latin typeface="Bahnschrift" panose="020B0502040204020203" pitchFamily="34" charset="0"/>
+              </a:rPr>
+              <a:t>()</a:t>
+            </a:r>
+          </a:p>
+          <a:p>
+            <a:r>
+              <a:rPr lang="en-US" sz="800" dirty="0">
+                <a:solidFill>
+                  <a:schemeClr val="tx1"/>
+                </a:solidFill>
+                <a:latin typeface="Bahnschrift" panose="020B0502040204020203" pitchFamily="34" charset="0"/>
+              </a:rPr>
+              <a:t>-</a:t>
+            </a:r>
+            <a:r>
+              <a:rPr lang="en-US" sz="800" dirty="0" err="1">
+                <a:solidFill>
+                  <a:schemeClr val="tx1"/>
+                </a:solidFill>
+                <a:latin typeface="Bahnschrift" panose="020B0502040204020203" pitchFamily="34" charset="0"/>
+              </a:rPr>
+              <a:t>preventGroundClipping</a:t>
+            </a:r>
+            <a:r>
+              <a:rPr lang="en-US" sz="800" dirty="0">
+                <a:solidFill>
+                  <a:schemeClr val="tx1"/>
+                </a:solidFill>
+                <a:latin typeface="Bahnschrift" panose="020B0502040204020203" pitchFamily="34" charset="0"/>
+              </a:rPr>
+              <a:t>()</a:t>
+            </a:r>
+          </a:p>
+          <a:p>
+            <a:r>
+              <a:rPr lang="en-US" sz="800" dirty="0">
+                <a:solidFill>
+                  <a:schemeClr val="tx1"/>
+                </a:solidFill>
+                <a:latin typeface="Bahnschrift" panose="020B0502040204020203" pitchFamily="34" charset="0"/>
+              </a:rPr>
+              <a:t>-</a:t>
+            </a:r>
+            <a:r>
+              <a:rPr lang="en-US" sz="800" dirty="0" err="1">
+                <a:solidFill>
+                  <a:schemeClr val="tx1"/>
+                </a:solidFill>
+                <a:latin typeface="Bahnschrift" panose="020B0502040204020203" pitchFamily="34" charset="0"/>
+              </a:rPr>
+              <a:t>preventWallClipping</a:t>
+            </a:r>
+            <a:r>
+              <a:rPr lang="en-US" sz="800" dirty="0">
+                <a:solidFill>
+                  <a:schemeClr val="tx1"/>
+                </a:solidFill>
+                <a:latin typeface="Bahnschrift" panose="020B0502040204020203" pitchFamily="34" charset="0"/>
+              </a:rPr>
+              <a:t>()</a:t>
+            </a:r>
+          </a:p>
+          <a:p>
+            <a:r>
+              <a:rPr lang="en-US" sz="800" dirty="0">
+                <a:solidFill>
+                  <a:schemeClr val="tx1"/>
+                </a:solidFill>
+                <a:latin typeface="Bahnschrift" panose="020B0502040204020203" pitchFamily="34" charset="0"/>
+              </a:rPr>
+              <a:t>-</a:t>
+            </a:r>
+            <a:r>
+              <a:rPr lang="en-US" sz="800" dirty="0" err="1">
+                <a:solidFill>
+                  <a:schemeClr val="tx1"/>
+                </a:solidFill>
+                <a:latin typeface="Bahnschrift" panose="020B0502040204020203" pitchFamily="34" charset="0"/>
+              </a:rPr>
+              <a:t>preventLateralBlockClipping</a:t>
+            </a:r>
+            <a:r>
+              <a:rPr lang="en-US" sz="800" dirty="0">
+                <a:solidFill>
+                  <a:schemeClr val="tx1"/>
+                </a:solidFill>
+                <a:latin typeface="Bahnschrift" panose="020B0502040204020203" pitchFamily="34" charset="0"/>
+              </a:rPr>
+              <a:t>()</a:t>
+            </a:r>
+          </a:p>
+          <a:p>
+            <a:endParaRPr lang="en-US" sz="800" dirty="0">
+              <a:solidFill>
+                <a:schemeClr val="tx1"/>
+              </a:solidFill>
+              <a:latin typeface="Bahnschrift" panose="020B0502040204020203" pitchFamily="34" charset="0"/>
+            </a:endParaRPr>
+          </a:p>
+          <a:p>
+            <a:r>
+              <a:rPr lang="en-US" sz="800" dirty="0">
+                <a:solidFill>
+                  <a:schemeClr val="tx1"/>
+                </a:solidFill>
+                <a:latin typeface="Bahnschrift" panose="020B0502040204020203" pitchFamily="34" charset="0"/>
+              </a:rPr>
+              <a:t>-</a:t>
+            </a:r>
+            <a:r>
+              <a:rPr lang="en-US" sz="800" dirty="0" err="1">
+                <a:solidFill>
+                  <a:schemeClr val="tx1"/>
+                </a:solidFill>
+                <a:latin typeface="Bahnschrift" panose="020B0502040204020203" pitchFamily="34" charset="0"/>
+              </a:rPr>
+              <a:t>upDateScore</a:t>
+            </a:r>
+            <a:r>
+              <a:rPr lang="en-US" sz="800" dirty="0">
+                <a:solidFill>
+                  <a:schemeClr val="tx1"/>
+                </a:solidFill>
+                <a:latin typeface="Bahnschrift" panose="020B0502040204020203" pitchFamily="34" charset="0"/>
+              </a:rPr>
+              <a:t>()</a:t>
+            </a:r>
+          </a:p>
+          <a:p>
+            <a:r>
+              <a:rPr lang="en-US" sz="800" dirty="0">
+                <a:solidFill>
+                  <a:schemeClr val="tx1"/>
+                </a:solidFill>
+                <a:latin typeface="Bahnschrift" panose="020B0502040204020203" pitchFamily="34" charset="0"/>
+              </a:rPr>
+              <a:t>+</a:t>
+            </a:r>
+            <a:r>
+              <a:rPr lang="en-US" sz="800" dirty="0" err="1">
+                <a:solidFill>
+                  <a:schemeClr val="tx1"/>
+                </a:solidFill>
+                <a:latin typeface="Bahnschrift" panose="020B0502040204020203" pitchFamily="34" charset="0"/>
+              </a:rPr>
+              <a:t>getScore</a:t>
+            </a:r>
+            <a:r>
+              <a:rPr lang="en-US" sz="800" dirty="0">
+                <a:solidFill>
+                  <a:schemeClr val="tx1"/>
+                </a:solidFill>
+                <a:latin typeface="Bahnschrift" panose="020B0502040204020203" pitchFamily="34" charset="0"/>
+              </a:rPr>
+              <a:t>()</a:t>
+            </a:r>
+          </a:p>
+          <a:p>
+            <a:r>
+              <a:rPr lang="en-US" sz="800" dirty="0">
+                <a:solidFill>
+                  <a:schemeClr val="tx1"/>
+                </a:solidFill>
+                <a:latin typeface="Bahnschrift" panose="020B0502040204020203" pitchFamily="34" charset="0"/>
+              </a:rPr>
+              <a:t>-</a:t>
+            </a:r>
+            <a:r>
+              <a:rPr lang="en-US" sz="800" dirty="0" err="1">
+                <a:solidFill>
+                  <a:schemeClr val="tx1"/>
+                </a:solidFill>
+                <a:latin typeface="Bahnschrift" panose="020B0502040204020203" pitchFamily="34" charset="0"/>
+              </a:rPr>
+              <a:t>checkLineClear</a:t>
+            </a:r>
+            <a:r>
+              <a:rPr lang="en-US" sz="800" dirty="0">
+                <a:solidFill>
+                  <a:schemeClr val="tx1"/>
+                </a:solidFill>
+                <a:latin typeface="Bahnschrift" panose="020B0502040204020203" pitchFamily="34" charset="0"/>
+              </a:rPr>
+              <a:t>()</a:t>
+            </a:r>
+          </a:p>
+          <a:p>
+            <a:r>
+              <a:rPr lang="en-US" sz="800" dirty="0">
+                <a:solidFill>
+                  <a:schemeClr val="tx1"/>
+                </a:solidFill>
+                <a:latin typeface="Bahnschrift" panose="020B0502040204020203" pitchFamily="34" charset="0"/>
+              </a:rPr>
+              <a:t>-</a:t>
+            </a:r>
+            <a:r>
+              <a:rPr lang="en-US" sz="800" dirty="0" err="1">
+                <a:solidFill>
+                  <a:schemeClr val="tx1"/>
+                </a:solidFill>
+                <a:latin typeface="Bahnschrift" panose="020B0502040204020203" pitchFamily="34" charset="0"/>
+              </a:rPr>
+              <a:t>detectGameOver</a:t>
+            </a:r>
+            <a:r>
+              <a:rPr lang="en-US" sz="800" dirty="0">
+                <a:solidFill>
+                  <a:schemeClr val="tx1"/>
+                </a:solidFill>
+                <a:latin typeface="Bahnschrift" panose="020B0502040204020203" pitchFamily="34" charset="0"/>
+              </a:rPr>
+              <a:t>()</a:t>
+            </a:r>
+          </a:p>
+          <a:p>
+            <a:r>
+              <a:rPr lang="en-US" sz="800" dirty="0">
+                <a:solidFill>
+                  <a:schemeClr val="tx1"/>
+                </a:solidFill>
+                <a:latin typeface="Bahnschrift" panose="020B0502040204020203" pitchFamily="34" charset="0"/>
+              </a:rPr>
+              <a:t>+</a:t>
+            </a:r>
+            <a:r>
+              <a:rPr lang="en-US" sz="800" dirty="0" err="1">
+                <a:solidFill>
+                  <a:schemeClr val="tx1"/>
+                </a:solidFill>
+                <a:latin typeface="Bahnschrift" panose="020B0502040204020203" pitchFamily="34" charset="0"/>
+              </a:rPr>
+              <a:t>getGameOver</a:t>
+            </a:r>
+            <a:r>
+              <a:rPr lang="en-US" sz="800" dirty="0">
+                <a:solidFill>
+                  <a:schemeClr val="tx1"/>
+                </a:solidFill>
+                <a:latin typeface="Bahnschrift" panose="020B0502040204020203" pitchFamily="34" charset="0"/>
+              </a:rPr>
+              <a:t>()</a:t>
+            </a:r>
+          </a:p>
+        </p:txBody>
+      </p:sp>
+      <p:sp>
+        <p:nvSpPr>
+          <p:cNvPr id="75" name="Rectangle 74">
+            <a:extLst>
+              <a:ext uri="{FF2B5EF4-FFF2-40B4-BE49-F238E27FC236}">
+                <a16:creationId xmlns:a16="http://schemas.microsoft.com/office/drawing/2014/main" id="{F5C1B36D-3B3C-4007-ACCA-0BA5FAE5F4C6}"/>
               </a:ext>
             </a:extLst>
           </p:cNvPr>
@@ -10139,8 +10356,8 @@
         </p:nvSpPr>
         <p:spPr>
           <a:xfrm>
-            <a:off x="2437751" y="3346768"/>
-            <a:ext cx="1403997" cy="721643"/>
+            <a:off x="5600102" y="5018259"/>
+            <a:ext cx="1540685" cy="1511720"/>
           </a:xfrm>
           <a:prstGeom prst="rect">
             <a:avLst/>
@@ -10171,93 +10388,22 @@
           <a:lstStyle/>
           <a:p>
             <a:r>
+              <a:rPr lang="en-US" sz="800" dirty="0">
+                <a:solidFill>
+                  <a:schemeClr val="tx1"/>
+                </a:solidFill>
+                <a:latin typeface="Bahnschrift" panose="020B0502040204020203" pitchFamily="34" charset="0"/>
+              </a:rPr>
+              <a:t>-</a:t>
+            </a:r>
+            <a:r>
               <a:rPr lang="en-US" sz="800" dirty="0" err="1">
                 <a:solidFill>
                   <a:schemeClr val="tx1"/>
                 </a:solidFill>
                 <a:latin typeface="Bahnschrift" panose="020B0502040204020203" pitchFamily="34" charset="0"/>
               </a:rPr>
-              <a:t>rotateBlock</a:t>
-            </a:r>
-            <a:r>
-              <a:rPr lang="en-US" sz="800" dirty="0">
-                <a:solidFill>
-                  <a:schemeClr val="tx1"/>
-                </a:solidFill>
-                <a:latin typeface="Bahnschrift" panose="020B0502040204020203" pitchFamily="34" charset="0"/>
-              </a:rPr>
-              <a:t>()</a:t>
-            </a:r>
-          </a:p>
-          <a:p>
-            <a:r>
-              <a:rPr lang="en-US" sz="800" dirty="0" err="1">
-                <a:solidFill>
-                  <a:schemeClr val="tx1"/>
-                </a:solidFill>
-                <a:latin typeface="Bahnschrift" panose="020B0502040204020203" pitchFamily="34" charset="0"/>
-              </a:rPr>
-              <a:t>moveBlockFast</a:t>
-            </a:r>
-            <a:r>
-              <a:rPr lang="en-US" sz="800" dirty="0">
-                <a:solidFill>
-                  <a:schemeClr val="tx1"/>
-                </a:solidFill>
-                <a:latin typeface="Bahnschrift" panose="020B0502040204020203" pitchFamily="34" charset="0"/>
-              </a:rPr>
-              <a:t>()</a:t>
-            </a:r>
-          </a:p>
-          <a:p>
-            <a:r>
-              <a:rPr lang="en-US" sz="800" dirty="0" err="1">
-                <a:solidFill>
-                  <a:schemeClr val="tx1"/>
-                </a:solidFill>
-                <a:latin typeface="Bahnschrift" panose="020B0502040204020203" pitchFamily="34" charset="0"/>
-              </a:rPr>
-              <a:t>updateScore</a:t>
-            </a:r>
-            <a:r>
-              <a:rPr lang="en-US" sz="800" dirty="0">
-                <a:solidFill>
-                  <a:schemeClr val="tx1"/>
-                </a:solidFill>
-                <a:latin typeface="Bahnschrift" panose="020B0502040204020203" pitchFamily="34" charset="0"/>
-              </a:rPr>
-              <a:t>()</a:t>
-            </a:r>
-          </a:p>
-          <a:p>
-            <a:r>
-              <a:rPr lang="en-US" sz="800" dirty="0" err="1">
-                <a:solidFill>
-                  <a:schemeClr val="tx1"/>
-                </a:solidFill>
-                <a:latin typeface="Bahnschrift" panose="020B0502040204020203" pitchFamily="34" charset="0"/>
-              </a:rPr>
-              <a:t>getGameMatrix</a:t>
-            </a:r>
-            <a:r>
-              <a:rPr lang="en-US" sz="800" dirty="0">
-                <a:solidFill>
-                  <a:schemeClr val="tx1"/>
-                </a:solidFill>
-                <a:latin typeface="Bahnschrift" panose="020B0502040204020203" pitchFamily="34" charset="0"/>
-              </a:rPr>
-              <a:t>()</a:t>
-            </a:r>
-          </a:p>
-          <a:p>
-            <a:r>
-              <a:rPr lang="en-US" sz="800" dirty="0" err="1">
-                <a:solidFill>
-                  <a:schemeClr val="tx1"/>
-                </a:solidFill>
-                <a:latin typeface="Bahnschrift" panose="020B0502040204020203" pitchFamily="34" charset="0"/>
-              </a:rPr>
-              <a:t>goToNextTick</a:t>
+              <a:t>resetGlobalBlockMatrix</a:t>
             </a:r>
             <a:r>
               <a:rPr lang="en-US" sz="800" dirty="0">
@@ -10277,14 +10423,302 @@
               <a:latin typeface="Bahnschrift" panose="020B0502040204020203" pitchFamily="34" charset="0"/>
             </a:endParaRPr>
           </a:p>
-        </p:txBody>
-      </p:sp>
-      <p:sp>
-        <p:nvSpPr>
-          <p:cNvPr id="71" name="Rectangle 70">
-            <a:extLst>
-              <a:ext uri="{FF2B5EF4-FFF2-40B4-BE49-F238E27FC236}">
-                <a16:creationId xmlns:a16="http://schemas.microsoft.com/office/drawing/2014/main" id="{431CE56B-CD32-4D2A-ADEE-EFC63CF269B9}"/>
+          <a:p>
+            <a:r>
+              <a:rPr lang="en-US" sz="800" dirty="0">
+                <a:solidFill>
+                  <a:schemeClr val="tx1"/>
+                </a:solidFill>
+                <a:latin typeface="Bahnschrift" panose="020B0502040204020203" pitchFamily="34" charset="0"/>
+              </a:rPr>
+              <a:t>+rotate()</a:t>
+            </a:r>
+          </a:p>
+          <a:p>
+            <a:r>
+              <a:rPr lang="en-US" sz="800" dirty="0">
+                <a:solidFill>
+                  <a:schemeClr val="tx1"/>
+                </a:solidFill>
+                <a:latin typeface="Bahnschrift" panose="020B0502040204020203" pitchFamily="34" charset="0"/>
+              </a:rPr>
+              <a:t>-</a:t>
+            </a:r>
+            <a:r>
+              <a:rPr lang="en-US" sz="800" dirty="0" err="1">
+                <a:solidFill>
+                  <a:schemeClr val="tx1"/>
+                </a:solidFill>
+                <a:latin typeface="Bahnschrift" panose="020B0502040204020203" pitchFamily="34" charset="0"/>
+              </a:rPr>
+              <a:t>computeCentGravityShift</a:t>
+            </a:r>
+            <a:r>
+              <a:rPr lang="en-US" sz="800" dirty="0">
+                <a:solidFill>
+                  <a:schemeClr val="tx1"/>
+                </a:solidFill>
+                <a:latin typeface="Bahnschrift" panose="020B0502040204020203" pitchFamily="34" charset="0"/>
+              </a:rPr>
+              <a:t>()</a:t>
+            </a:r>
+          </a:p>
+          <a:p>
+            <a:r>
+              <a:rPr lang="en-US" sz="800" dirty="0">
+                <a:solidFill>
+                  <a:schemeClr val="tx1"/>
+                </a:solidFill>
+                <a:latin typeface="Bahnschrift" panose="020B0502040204020203" pitchFamily="34" charset="0"/>
+              </a:rPr>
+              <a:t>-</a:t>
+            </a:r>
+            <a:r>
+              <a:rPr lang="en-US" sz="800" dirty="0" err="1">
+                <a:solidFill>
+                  <a:schemeClr val="tx1"/>
+                </a:solidFill>
+                <a:latin typeface="Bahnschrift" panose="020B0502040204020203" pitchFamily="34" charset="0"/>
+              </a:rPr>
+              <a:t>findIndexofCGInMatrix</a:t>
+            </a:r>
+            <a:r>
+              <a:rPr lang="en-US" sz="800" dirty="0">
+                <a:solidFill>
+                  <a:schemeClr val="tx1"/>
+                </a:solidFill>
+                <a:latin typeface="Bahnschrift" panose="020B0502040204020203" pitchFamily="34" charset="0"/>
+              </a:rPr>
+              <a:t>()</a:t>
+            </a:r>
+          </a:p>
+          <a:p>
+            <a:endParaRPr lang="en-US" sz="800" dirty="0">
+              <a:solidFill>
+                <a:schemeClr val="tx1"/>
+              </a:solidFill>
+              <a:latin typeface="Bahnschrift" panose="020B0502040204020203" pitchFamily="34" charset="0"/>
+            </a:endParaRPr>
+          </a:p>
+          <a:p>
+            <a:r>
+              <a:rPr lang="en-US" sz="800" dirty="0">
+                <a:solidFill>
+                  <a:schemeClr val="tx1"/>
+                </a:solidFill>
+                <a:latin typeface="Bahnschrift" panose="020B0502040204020203" pitchFamily="34" charset="0"/>
+              </a:rPr>
+              <a:t>+</a:t>
+            </a:r>
+            <a:r>
+              <a:rPr lang="en-US" sz="800" dirty="0" err="1">
+                <a:solidFill>
+                  <a:schemeClr val="tx1"/>
+                </a:solidFill>
+                <a:latin typeface="Bahnschrift" panose="020B0502040204020203" pitchFamily="34" charset="0"/>
+              </a:rPr>
+              <a:t>moveUp</a:t>
+            </a:r>
+            <a:r>
+              <a:rPr lang="en-US" sz="800" dirty="0">
+                <a:solidFill>
+                  <a:schemeClr val="tx1"/>
+                </a:solidFill>
+                <a:latin typeface="Bahnschrift" panose="020B0502040204020203" pitchFamily="34" charset="0"/>
+              </a:rPr>
+              <a:t>()</a:t>
+            </a:r>
+          </a:p>
+          <a:p>
+            <a:r>
+              <a:rPr lang="en-US" sz="800" dirty="0">
+                <a:solidFill>
+                  <a:schemeClr val="tx1"/>
+                </a:solidFill>
+                <a:latin typeface="Bahnschrift" panose="020B0502040204020203" pitchFamily="34" charset="0"/>
+              </a:rPr>
+              <a:t>+</a:t>
+            </a:r>
+            <a:r>
+              <a:rPr lang="en-US" sz="800" dirty="0" err="1">
+                <a:solidFill>
+                  <a:schemeClr val="tx1"/>
+                </a:solidFill>
+                <a:latin typeface="Bahnschrift" panose="020B0502040204020203" pitchFamily="34" charset="0"/>
+              </a:rPr>
+              <a:t>moveDown</a:t>
+            </a:r>
+            <a:r>
+              <a:rPr lang="en-US" sz="800" dirty="0">
+                <a:solidFill>
+                  <a:schemeClr val="tx1"/>
+                </a:solidFill>
+                <a:latin typeface="Bahnschrift" panose="020B0502040204020203" pitchFamily="34" charset="0"/>
+              </a:rPr>
+              <a:t>()</a:t>
+            </a:r>
+          </a:p>
+          <a:p>
+            <a:r>
+              <a:rPr lang="en-US" sz="800" dirty="0">
+                <a:solidFill>
+                  <a:schemeClr val="tx1"/>
+                </a:solidFill>
+                <a:latin typeface="Bahnschrift" panose="020B0502040204020203" pitchFamily="34" charset="0"/>
+              </a:rPr>
+              <a:t>+</a:t>
+            </a:r>
+            <a:r>
+              <a:rPr lang="en-US" sz="800" dirty="0" err="1">
+                <a:solidFill>
+                  <a:schemeClr val="tx1"/>
+                </a:solidFill>
+                <a:latin typeface="Bahnschrift" panose="020B0502040204020203" pitchFamily="34" charset="0"/>
+              </a:rPr>
+              <a:t>moveLeft</a:t>
+            </a:r>
+            <a:r>
+              <a:rPr lang="en-US" sz="800" dirty="0">
+                <a:solidFill>
+                  <a:schemeClr val="tx1"/>
+                </a:solidFill>
+                <a:latin typeface="Bahnschrift" panose="020B0502040204020203" pitchFamily="34" charset="0"/>
+              </a:rPr>
+              <a:t>()</a:t>
+            </a:r>
+          </a:p>
+          <a:p>
+            <a:r>
+              <a:rPr lang="en-US" sz="800" dirty="0">
+                <a:solidFill>
+                  <a:schemeClr val="tx1"/>
+                </a:solidFill>
+                <a:latin typeface="Bahnschrift" panose="020B0502040204020203" pitchFamily="34" charset="0"/>
+              </a:rPr>
+              <a:t>+</a:t>
+            </a:r>
+            <a:r>
+              <a:rPr lang="en-US" sz="800" dirty="0" err="1">
+                <a:solidFill>
+                  <a:schemeClr val="tx1"/>
+                </a:solidFill>
+                <a:latin typeface="Bahnschrift" panose="020B0502040204020203" pitchFamily="34" charset="0"/>
+              </a:rPr>
+              <a:t>moveRight</a:t>
+            </a:r>
+            <a:r>
+              <a:rPr lang="en-US" sz="800" dirty="0">
+                <a:solidFill>
+                  <a:schemeClr val="tx1"/>
+                </a:solidFill>
+                <a:latin typeface="Bahnschrift" panose="020B0502040204020203" pitchFamily="34" charset="0"/>
+              </a:rPr>
+              <a:t>()</a:t>
+            </a:r>
+          </a:p>
+          <a:p>
+            <a:endParaRPr lang="en-US" sz="800" dirty="0">
+              <a:solidFill>
+                <a:schemeClr val="tx1"/>
+              </a:solidFill>
+              <a:latin typeface="Bahnschrift" panose="020B0502040204020203" pitchFamily="34" charset="0"/>
+            </a:endParaRPr>
+          </a:p>
+          <a:p>
+            <a:r>
+              <a:rPr lang="en-US" sz="800" dirty="0">
+                <a:solidFill>
+                  <a:schemeClr val="tx1"/>
+                </a:solidFill>
+                <a:latin typeface="Bahnschrift" panose="020B0502040204020203" pitchFamily="34" charset="0"/>
+              </a:rPr>
+              <a:t>+</a:t>
+            </a:r>
+            <a:r>
+              <a:rPr lang="en-US" sz="800" dirty="0" err="1">
+                <a:solidFill>
+                  <a:schemeClr val="tx1"/>
+                </a:solidFill>
+                <a:latin typeface="Bahnschrift" panose="020B0502040204020203" pitchFamily="34" charset="0"/>
+              </a:rPr>
+              <a:t>getBlockPosition</a:t>
+            </a:r>
+            <a:r>
+              <a:rPr lang="en-US" sz="800" dirty="0">
+                <a:solidFill>
+                  <a:schemeClr val="tx1"/>
+                </a:solidFill>
+                <a:latin typeface="Bahnschrift" panose="020B0502040204020203" pitchFamily="34" charset="0"/>
+              </a:rPr>
+              <a:t>()</a:t>
+            </a:r>
+          </a:p>
+          <a:p>
+            <a:r>
+              <a:rPr lang="en-US" sz="800" dirty="0">
+                <a:solidFill>
+                  <a:schemeClr val="tx1"/>
+                </a:solidFill>
+                <a:latin typeface="Bahnschrift" panose="020B0502040204020203" pitchFamily="34" charset="0"/>
+              </a:rPr>
+              <a:t>+</a:t>
+            </a:r>
+            <a:r>
+              <a:rPr lang="en-US" sz="800" dirty="0" err="1">
+                <a:solidFill>
+                  <a:schemeClr val="tx1"/>
+                </a:solidFill>
+                <a:latin typeface="Bahnschrift" panose="020B0502040204020203" pitchFamily="34" charset="0"/>
+              </a:rPr>
+              <a:t>getGlobalBlockMatrix</a:t>
+            </a:r>
+            <a:r>
+              <a:rPr lang="en-US" sz="800" dirty="0">
+                <a:solidFill>
+                  <a:schemeClr val="tx1"/>
+                </a:solidFill>
+                <a:latin typeface="Bahnschrift" panose="020B0502040204020203" pitchFamily="34" charset="0"/>
+              </a:rPr>
+              <a:t>()</a:t>
+            </a:r>
+          </a:p>
+          <a:p>
+            <a:r>
+              <a:rPr lang="en-US" sz="800" dirty="0">
+                <a:solidFill>
+                  <a:schemeClr val="tx1"/>
+                </a:solidFill>
+                <a:latin typeface="Bahnschrift" panose="020B0502040204020203" pitchFamily="34" charset="0"/>
+              </a:rPr>
+              <a:t>-</a:t>
+            </a:r>
+            <a:r>
+              <a:rPr lang="en-US" sz="800" dirty="0" err="1">
+                <a:solidFill>
+                  <a:schemeClr val="tx1"/>
+                </a:solidFill>
+                <a:latin typeface="Bahnschrift" panose="020B0502040204020203" pitchFamily="34" charset="0"/>
+              </a:rPr>
+              <a:t>updateGlobalBlockMatrix</a:t>
+            </a:r>
+            <a:r>
+              <a:rPr lang="en-US" sz="800" dirty="0">
+                <a:solidFill>
+                  <a:schemeClr val="tx1"/>
+                </a:solidFill>
+                <a:latin typeface="Bahnschrift" panose="020B0502040204020203" pitchFamily="34" charset="0"/>
+              </a:rPr>
+              <a:t>()</a:t>
+            </a:r>
+          </a:p>
+        </p:txBody>
+      </p:sp>
+      <p:sp>
+        <p:nvSpPr>
+          <p:cNvPr id="77" name="Rectangle 76">
+            <a:extLst>
+              <a:ext uri="{FF2B5EF4-FFF2-40B4-BE49-F238E27FC236}">
+                <a16:creationId xmlns:a16="http://schemas.microsoft.com/office/drawing/2014/main" id="{54FEAA3E-47D9-4969-9CC3-45095E03529F}"/>
               </a:ext>
             </a:extLst>
           </p:cNvPr>
@@ -10293,8 +10727,8 @@
         </p:nvSpPr>
         <p:spPr>
           <a:xfrm>
-            <a:off x="3590370" y="4907001"/>
-            <a:ext cx="1222213" cy="480343"/>
+            <a:off x="9504096" y="3189655"/>
+            <a:ext cx="1222213" cy="383343"/>
           </a:xfrm>
           <a:prstGeom prst="rect">
             <a:avLst/>
@@ -10325,188 +10759,324 @@
           <a:lstStyle/>
           <a:p>
             <a:r>
-              <a:rPr lang="en-US" sz="800" dirty="0" err="1">
-                <a:solidFill>
-                  <a:schemeClr val="tx1"/>
-                </a:solidFill>
-                <a:latin typeface="Bahnschrift" panose="020B0502040204020203" pitchFamily="34" charset="0"/>
-              </a:rPr>
-              <a:t>updateStaticMatrix</a:t>
-            </a:r>
-            <a:r>
               <a:rPr lang="en-US" sz="800" dirty="0">
                 <a:solidFill>
                   <a:schemeClr val="tx1"/>
                 </a:solidFill>
                 <a:latin typeface="Bahnschrift" panose="020B0502040204020203" pitchFamily="34" charset="0"/>
               </a:rPr>
-              <a:t>()</a:t>
-            </a:r>
-          </a:p>
-        </p:txBody>
-      </p:sp>
-      <p:sp>
-        <p:nvSpPr>
-          <p:cNvPr id="75" name="Rectangle 74">
-            <a:extLst>
-              <a:ext uri="{FF2B5EF4-FFF2-40B4-BE49-F238E27FC236}">
-                <a16:creationId xmlns:a16="http://schemas.microsoft.com/office/drawing/2014/main" id="{F5C1B36D-3B3C-4007-ACCA-0BA5FAE5F4C6}"/>
-              </a:ext>
-            </a:extLst>
-          </p:cNvPr>
-          <p:cNvSpPr/>
-          <p:nvPr/>
-        </p:nvSpPr>
-        <p:spPr>
-          <a:xfrm>
-            <a:off x="1239268" y="4904323"/>
-            <a:ext cx="1403997" cy="480343"/>
-          </a:xfrm>
-          <a:prstGeom prst="rect">
-            <a:avLst/>
-          </a:prstGeom>
-          <a:noFill/>
-          <a:ln>
-            <a:noFill/>
-          </a:ln>
+              <a:t>save()</a:t>
+            </a:r>
+          </a:p>
+          <a:p>
+            <a:r>
+              <a:rPr lang="en-US" sz="800" dirty="0">
+                <a:solidFill>
+                  <a:schemeClr val="tx1"/>
+                </a:solidFill>
+                <a:latin typeface="Bahnschrift" panose="020B0502040204020203" pitchFamily="34" charset="0"/>
+              </a:rPr>
+              <a:t>load()</a:t>
+            </a:r>
+          </a:p>
+          <a:p>
+            <a:r>
+              <a:rPr lang="en-US" sz="800" dirty="0">
+                <a:solidFill>
+                  <a:schemeClr val="tx1"/>
+                </a:solidFill>
+                <a:latin typeface="Bahnschrift" panose="020B0502040204020203" pitchFamily="34" charset="0"/>
+              </a:rPr>
+              <a:t>reset()</a:t>
+            </a:r>
+          </a:p>
+        </p:txBody>
+      </p:sp>
+      <p:cxnSp>
+        <p:nvCxnSpPr>
+          <p:cNvPr id="50" name="Connecteur droit 49">
+            <a:extLst>
+              <a:ext uri="{FF2B5EF4-FFF2-40B4-BE49-F238E27FC236}">
+                <a16:creationId xmlns:a16="http://schemas.microsoft.com/office/drawing/2014/main" id="{AE1D23C9-0921-42F5-ABB8-A6F2521DDDD5}"/>
+              </a:ext>
+            </a:extLst>
+          </p:cNvPr>
+          <p:cNvCxnSpPr>
+            <a:cxnSpLocks/>
+          </p:cNvCxnSpPr>
+          <p:nvPr/>
+        </p:nvCxnSpPr>
+        <p:spPr>
+          <a:xfrm>
+            <a:off x="3325784" y="3069475"/>
+            <a:ext cx="1766454" cy="0"/>
+          </a:xfrm>
+          <a:prstGeom prst="line">
+            <a:avLst/>
+          </a:prstGeom>
+          <a:ln w="12700"/>
         </p:spPr>
         <p:style>
-          <a:lnRef idx="2">
-            <a:schemeClr val="accent1">
-              <a:shade val="50000"/>
-            </a:schemeClr>
+          <a:lnRef idx="1">
+            <a:schemeClr val="dk1"/>
           </a:lnRef>
-          <a:fillRef idx="1">
-            <a:schemeClr val="accent1"/>
+          <a:fillRef idx="0">
+            <a:schemeClr val="dk1"/>
           </a:fillRef>
           <a:effectRef idx="0">
-            <a:schemeClr val="accent1"/>
+            <a:schemeClr val="dk1"/>
           </a:effectRef>
           <a:fontRef idx="minor">
-            <a:schemeClr val="lt1"/>
+            <a:schemeClr val="tx1"/>
           </a:fontRef>
         </p:style>
-        <p:txBody>
-          <a:bodyPr rtlCol="0" anchor="t"/>
-          <a:lstStyle/>
-          <a:p>
-            <a:r>
-              <a:rPr lang="en-US" sz="800" dirty="0" err="1">
-                <a:solidFill>
-                  <a:schemeClr val="tx1"/>
-                </a:solidFill>
-                <a:latin typeface="Bahnschrift" panose="020B0502040204020203" pitchFamily="34" charset="0"/>
-              </a:rPr>
-              <a:t>updatePosition</a:t>
-            </a:r>
-            <a:r>
-              <a:rPr lang="en-US" sz="800" dirty="0">
-                <a:solidFill>
-                  <a:schemeClr val="tx1"/>
-                </a:solidFill>
-                <a:latin typeface="Bahnschrift" panose="020B0502040204020203" pitchFamily="34" charset="0"/>
-              </a:rPr>
-              <a:t>()</a:t>
-            </a:r>
-          </a:p>
-          <a:p>
-            <a:r>
-              <a:rPr lang="en-US" sz="800" dirty="0">
-                <a:solidFill>
-                  <a:schemeClr val="tx1"/>
-                </a:solidFill>
-                <a:latin typeface="Bahnschrift" panose="020B0502040204020203" pitchFamily="34" charset="0"/>
-              </a:rPr>
-              <a:t>rotate()</a:t>
-            </a:r>
-          </a:p>
-        </p:txBody>
-      </p:sp>
-      <p:sp>
-        <p:nvSpPr>
-          <p:cNvPr id="77" name="Rectangle 76">
-            <a:extLst>
-              <a:ext uri="{FF2B5EF4-FFF2-40B4-BE49-F238E27FC236}">
-                <a16:creationId xmlns:a16="http://schemas.microsoft.com/office/drawing/2014/main" id="{54FEAA3E-47D9-4969-9CC3-45095E03529F}"/>
-              </a:ext>
-            </a:extLst>
-          </p:cNvPr>
-          <p:cNvSpPr/>
-          <p:nvPr/>
-        </p:nvSpPr>
-        <p:spPr>
-          <a:xfrm>
-            <a:off x="8345010" y="3622951"/>
-            <a:ext cx="1222213" cy="383343"/>
-          </a:xfrm>
-          <a:prstGeom prst="rect">
-            <a:avLst/>
-          </a:prstGeom>
-          <a:noFill/>
-          <a:ln>
-            <a:noFill/>
-          </a:ln>
+      </p:cxnSp>
+      <p:cxnSp>
+        <p:nvCxnSpPr>
+          <p:cNvPr id="59" name="Connecteur droit 58">
+            <a:extLst>
+              <a:ext uri="{FF2B5EF4-FFF2-40B4-BE49-F238E27FC236}">
+                <a16:creationId xmlns:a16="http://schemas.microsoft.com/office/drawing/2014/main" id="{6747609F-AC0A-4F3C-A6EC-DEC6DCF2307B}"/>
+              </a:ext>
+            </a:extLst>
+          </p:cNvPr>
+          <p:cNvCxnSpPr>
+            <a:cxnSpLocks/>
+          </p:cNvCxnSpPr>
+          <p:nvPr/>
+        </p:nvCxnSpPr>
+        <p:spPr>
+          <a:xfrm>
+            <a:off x="4560796" y="1595016"/>
+            <a:ext cx="1487406" cy="0"/>
+          </a:xfrm>
+          <a:prstGeom prst="line">
+            <a:avLst/>
+          </a:prstGeom>
+          <a:ln w="12700"/>
         </p:spPr>
         <p:style>
-          <a:lnRef idx="2">
-            <a:schemeClr val="accent1">
-              <a:shade val="50000"/>
-            </a:schemeClr>
+          <a:lnRef idx="1">
+            <a:schemeClr val="dk1"/>
           </a:lnRef>
-          <a:fillRef idx="1">
-            <a:schemeClr val="accent1"/>
+          <a:fillRef idx="0">
+            <a:schemeClr val="dk1"/>
           </a:fillRef>
           <a:effectRef idx="0">
-            <a:schemeClr val="accent1"/>
+            <a:schemeClr val="dk1"/>
           </a:effectRef>
           <a:fontRef idx="minor">
-            <a:schemeClr val="lt1"/>
+            <a:schemeClr val="tx1"/>
           </a:fontRef>
         </p:style>
-        <p:txBody>
-          <a:bodyPr rtlCol="0" anchor="t"/>
-          <a:lstStyle/>
-          <a:p>
-            <a:r>
-              <a:rPr lang="en-US" sz="800" dirty="0">
-                <a:solidFill>
-                  <a:schemeClr val="tx1"/>
-                </a:solidFill>
-                <a:latin typeface="Bahnschrift" panose="020B0502040204020203" pitchFamily="34" charset="0"/>
-              </a:rPr>
-              <a:t>save()</a:t>
-            </a:r>
-          </a:p>
-          <a:p>
-            <a:r>
-              <a:rPr lang="en-US" sz="800" dirty="0">
-                <a:solidFill>
-                  <a:schemeClr val="tx1"/>
-                </a:solidFill>
-                <a:latin typeface="Bahnschrift" panose="020B0502040204020203" pitchFamily="34" charset="0"/>
-              </a:rPr>
-              <a:t>load()</a:t>
-            </a:r>
-          </a:p>
-          <a:p>
-            <a:r>
-              <a:rPr lang="en-US" sz="800" dirty="0">
-                <a:solidFill>
-                  <a:schemeClr val="tx1"/>
-                </a:solidFill>
-                <a:latin typeface="Bahnschrift" panose="020B0502040204020203" pitchFamily="34" charset="0"/>
-              </a:rPr>
-              <a:t>reset()</a:t>
-            </a:r>
-          </a:p>
-        </p:txBody>
-      </p:sp>
-      <p:sp>
-        <p:nvSpPr>
-          <p:cNvPr id="44" name="Rectangle 43">
-            <a:extLst>
-              <a:ext uri="{FF2B5EF4-FFF2-40B4-BE49-F238E27FC236}">
-                <a16:creationId xmlns:a16="http://schemas.microsoft.com/office/drawing/2014/main" id="{24F5166B-21D6-4CB8-96D4-BFDC793E7E9D}"/>
+      </p:cxnSp>
+      <p:cxnSp>
+        <p:nvCxnSpPr>
+          <p:cNvPr id="64" name="Connecteur droit 63">
+            <a:extLst>
+              <a:ext uri="{FF2B5EF4-FFF2-40B4-BE49-F238E27FC236}">
+                <a16:creationId xmlns:a16="http://schemas.microsoft.com/office/drawing/2014/main" id="{4981573F-4FBE-4C40-8351-5B26852BF547}"/>
+              </a:ext>
+            </a:extLst>
+          </p:cNvPr>
+          <p:cNvCxnSpPr>
+            <a:cxnSpLocks/>
+          </p:cNvCxnSpPr>
+          <p:nvPr/>
+        </p:nvCxnSpPr>
+        <p:spPr>
+          <a:xfrm>
+            <a:off x="5605593" y="5005640"/>
+            <a:ext cx="1487406" cy="0"/>
+          </a:xfrm>
+          <a:prstGeom prst="line">
+            <a:avLst/>
+          </a:prstGeom>
+          <a:ln w="12700"/>
+        </p:spPr>
+        <p:style>
+          <a:lnRef idx="1">
+            <a:schemeClr val="dk1"/>
+          </a:lnRef>
+          <a:fillRef idx="0">
+            <a:schemeClr val="dk1"/>
+          </a:fillRef>
+          <a:effectRef idx="0">
+            <a:schemeClr val="dk1"/>
+          </a:effectRef>
+          <a:fontRef idx="minor">
+            <a:schemeClr val="tx1"/>
+          </a:fontRef>
+        </p:style>
+      </p:cxnSp>
+      <p:cxnSp>
+        <p:nvCxnSpPr>
+          <p:cNvPr id="72" name="Connecteur droit 71">
+            <a:extLst>
+              <a:ext uri="{FF2B5EF4-FFF2-40B4-BE49-F238E27FC236}">
+                <a16:creationId xmlns:a16="http://schemas.microsoft.com/office/drawing/2014/main" id="{FE28684C-1A1B-4C77-A545-D44176CCCBCE}"/>
+              </a:ext>
+            </a:extLst>
+          </p:cNvPr>
+          <p:cNvCxnSpPr>
+            <a:cxnSpLocks/>
+          </p:cNvCxnSpPr>
+          <p:nvPr/>
+        </p:nvCxnSpPr>
+        <p:spPr>
+          <a:xfrm>
+            <a:off x="9504096" y="3181956"/>
+            <a:ext cx="1487406" cy="0"/>
+          </a:xfrm>
+          <a:prstGeom prst="line">
+            <a:avLst/>
+          </a:prstGeom>
+          <a:ln w="12700"/>
+        </p:spPr>
+        <p:style>
+          <a:lnRef idx="1">
+            <a:schemeClr val="dk1"/>
+          </a:lnRef>
+          <a:fillRef idx="0">
+            <a:schemeClr val="dk1"/>
+          </a:fillRef>
+          <a:effectRef idx="0">
+            <a:schemeClr val="dk1"/>
+          </a:effectRef>
+          <a:fontRef idx="minor">
+            <a:schemeClr val="tx1"/>
+          </a:fontRef>
+        </p:style>
+      </p:cxnSp>
+      <p:cxnSp>
+        <p:nvCxnSpPr>
+          <p:cNvPr id="73" name="Connecteur droit 72">
+            <a:extLst>
+              <a:ext uri="{FF2B5EF4-FFF2-40B4-BE49-F238E27FC236}">
+                <a16:creationId xmlns:a16="http://schemas.microsoft.com/office/drawing/2014/main" id="{17CA08F7-FC3A-43C8-9396-0D0C7BB4734C}"/>
+              </a:ext>
+            </a:extLst>
+          </p:cNvPr>
+          <p:cNvCxnSpPr>
+            <a:cxnSpLocks/>
+          </p:cNvCxnSpPr>
+          <p:nvPr/>
+        </p:nvCxnSpPr>
+        <p:spPr>
+          <a:xfrm>
+            <a:off x="7647128" y="1867604"/>
+            <a:ext cx="1487406" cy="0"/>
+          </a:xfrm>
+          <a:prstGeom prst="line">
+            <a:avLst/>
+          </a:prstGeom>
+          <a:ln w="12700"/>
+        </p:spPr>
+        <p:style>
+          <a:lnRef idx="1">
+            <a:schemeClr val="dk1"/>
+          </a:lnRef>
+          <a:fillRef idx="0">
+            <a:schemeClr val="dk1"/>
+          </a:fillRef>
+          <a:effectRef idx="0">
+            <a:schemeClr val="dk1"/>
+          </a:effectRef>
+          <a:fontRef idx="minor">
+            <a:schemeClr val="tx1"/>
+          </a:fontRef>
+        </p:style>
+      </p:cxnSp>
+      <p:cxnSp>
+        <p:nvCxnSpPr>
+          <p:cNvPr id="92" name="Connecteur droit 91">
+            <a:extLst>
+              <a:ext uri="{FF2B5EF4-FFF2-40B4-BE49-F238E27FC236}">
+                <a16:creationId xmlns:a16="http://schemas.microsoft.com/office/drawing/2014/main" id="{4E158AD8-AF20-4C04-94B0-FEB4126D437B}"/>
+              </a:ext>
+            </a:extLst>
+          </p:cNvPr>
+          <p:cNvCxnSpPr>
+            <a:cxnSpLocks/>
+          </p:cNvCxnSpPr>
+          <p:nvPr/>
+        </p:nvCxnSpPr>
+        <p:spPr>
+          <a:xfrm>
+            <a:off x="7186749" y="6047378"/>
+            <a:ext cx="1215571" cy="0"/>
+          </a:xfrm>
+          <a:prstGeom prst="line">
+            <a:avLst/>
+          </a:prstGeom>
+          <a:ln w="9525">
+            <a:headEnd type="none" w="med" len="med"/>
+            <a:tailEnd type="none" w="med" len="med"/>
+          </a:ln>
+        </p:spPr>
+        <p:style>
+          <a:lnRef idx="1">
+            <a:schemeClr val="dk1"/>
+          </a:lnRef>
+          <a:fillRef idx="0">
+            <a:schemeClr val="dk1"/>
+          </a:fillRef>
+          <a:effectRef idx="0">
+            <a:schemeClr val="dk1"/>
+          </a:effectRef>
+          <a:fontRef idx="minor">
+            <a:schemeClr val="tx1"/>
+          </a:fontRef>
+        </p:style>
+      </p:cxnSp>
+      <p:cxnSp>
+        <p:nvCxnSpPr>
+          <p:cNvPr id="94" name="Connecteur droit 93">
+            <a:extLst>
+              <a:ext uri="{FF2B5EF4-FFF2-40B4-BE49-F238E27FC236}">
+                <a16:creationId xmlns:a16="http://schemas.microsoft.com/office/drawing/2014/main" id="{2B10EF97-0F54-4462-8243-F05EBECA3C4A}"/>
+              </a:ext>
+            </a:extLst>
+          </p:cNvPr>
+          <p:cNvCxnSpPr>
+            <a:cxnSpLocks/>
+          </p:cNvCxnSpPr>
+          <p:nvPr/>
+        </p:nvCxnSpPr>
+        <p:spPr>
+          <a:xfrm>
+            <a:off x="9071186" y="5099111"/>
+            <a:ext cx="0" cy="368358"/>
+          </a:xfrm>
+          <a:prstGeom prst="line">
+            <a:avLst/>
+          </a:prstGeom>
+          <a:ln w="9525">
+            <a:headEnd type="none" w="med" len="med"/>
+            <a:tailEnd type="none" w="med" len="med"/>
+          </a:ln>
+        </p:spPr>
+        <p:style>
+          <a:lnRef idx="1">
+            <a:schemeClr val="dk1"/>
+          </a:lnRef>
+          <a:fillRef idx="0">
+            <a:schemeClr val="dk1"/>
+          </a:fillRef>
+          <a:effectRef idx="0">
+            <a:schemeClr val="dk1"/>
+          </a:effectRef>
+          <a:fontRef idx="minor">
+            <a:schemeClr val="tx1"/>
+          </a:fontRef>
+        </p:style>
+      </p:cxnSp>
+      <p:sp>
+        <p:nvSpPr>
+          <p:cNvPr id="98" name="Triangle isocèle 97">
+            <a:extLst>
+              <a:ext uri="{FF2B5EF4-FFF2-40B4-BE49-F238E27FC236}">
+                <a16:creationId xmlns:a16="http://schemas.microsoft.com/office/drawing/2014/main" id="{7BF2BA55-3D44-48AE-99D1-AFBA7E3F063A}"/>
               </a:ext>
             </a:extLst>
           </p:cNvPr>
@@ -10514,11 +11084,11 @@
           <p:nvPr/>
         </p:nvSpPr>
         <p:spPr>
-          <a:xfrm>
-            <a:off x="1409815" y="6225603"/>
-            <a:ext cx="1481855" cy="718860"/>
-          </a:xfrm>
-          <a:prstGeom prst="rect">
+          <a:xfrm rot="16200000">
+            <a:off x="7070418" y="5965664"/>
+            <a:ext cx="195100" cy="168188"/>
+          </a:xfrm>
+          <a:prstGeom prst="triangle">
             <a:avLst/>
           </a:prstGeom>
           <a:solidFill>
@@ -10547,50 +11117,435 @@
           </a:fontRef>
         </p:style>
         <p:txBody>
+          <a:bodyPr rtlCol="0" anchor="ctr"/>
+          <a:lstStyle/>
+          <a:p>
+            <a:pPr algn="ctr"/>
+            <a:endParaRPr lang="fr-FR"/>
+          </a:p>
+        </p:txBody>
+      </p:sp>
+      <p:sp>
+        <p:nvSpPr>
+          <p:cNvPr id="100" name="Rectangle 99">
+            <a:extLst>
+              <a:ext uri="{FF2B5EF4-FFF2-40B4-BE49-F238E27FC236}">
+                <a16:creationId xmlns:a16="http://schemas.microsoft.com/office/drawing/2014/main" id="{8A8CB79D-8751-45D9-9AEC-86D92804796A}"/>
+              </a:ext>
+            </a:extLst>
+          </p:cNvPr>
+          <p:cNvSpPr/>
+          <p:nvPr/>
+        </p:nvSpPr>
+        <p:spPr>
+          <a:xfrm>
+            <a:off x="10740453" y="256262"/>
+            <a:ext cx="928502" cy="383343"/>
+          </a:xfrm>
+          <a:prstGeom prst="rect">
+            <a:avLst/>
+          </a:prstGeom>
+          <a:solidFill>
+            <a:schemeClr val="bg2"/>
+          </a:solidFill>
+          <a:ln>
+            <a:solidFill>
+              <a:schemeClr val="tx1"/>
+            </a:solidFill>
+          </a:ln>
+        </p:spPr>
+        <p:style>
+          <a:lnRef idx="2">
+            <a:schemeClr val="accent1">
+              <a:shade val="50000"/>
+            </a:schemeClr>
+          </a:lnRef>
+          <a:fillRef idx="1">
+            <a:schemeClr val="accent1"/>
+          </a:fillRef>
+          <a:effectRef idx="0">
+            <a:schemeClr val="accent1"/>
+          </a:effectRef>
+          <a:fontRef idx="minor">
+            <a:schemeClr val="lt1"/>
+          </a:fontRef>
+        </p:style>
+        <p:txBody>
           <a:bodyPr rtlCol="0" anchor="t"/>
           <a:lstStyle/>
           <a:p>
-            <a:pPr algn="ctr"/>
-            <a:r>
-              <a:rPr lang="en-US" sz="1200" dirty="0" err="1">
-                <a:solidFill>
-                  <a:schemeClr val="tx1"/>
-                </a:solidFill>
-                <a:latin typeface="Bahnschrift" panose="020B0502040204020203" pitchFamily="34" charset="0"/>
-              </a:rPr>
-              <a:t>GenericBlock</a:t>
-            </a:r>
-            <a:endParaRPr lang="en-US" sz="1200" dirty="0">
+            <a:r>
+              <a:rPr lang="en-US" sz="800" dirty="0">
+                <a:solidFill>
+                  <a:schemeClr val="tx1"/>
+                </a:solidFill>
+                <a:latin typeface="Bahnschrift" panose="020B0502040204020203" pitchFamily="34" charset="0"/>
+              </a:rPr>
+              <a:t>Allocated function</a:t>
+            </a:r>
+          </a:p>
+        </p:txBody>
+      </p:sp>
+      <p:cxnSp>
+        <p:nvCxnSpPr>
+          <p:cNvPr id="101" name="Connecteur droit 100">
+            <a:extLst>
+              <a:ext uri="{FF2B5EF4-FFF2-40B4-BE49-F238E27FC236}">
+                <a16:creationId xmlns:a16="http://schemas.microsoft.com/office/drawing/2014/main" id="{FAE4467C-1C03-4229-9A12-085729A3E617}"/>
+              </a:ext>
+            </a:extLst>
+          </p:cNvPr>
+          <p:cNvCxnSpPr>
+            <a:cxnSpLocks/>
+          </p:cNvCxnSpPr>
+          <p:nvPr/>
+        </p:nvCxnSpPr>
+        <p:spPr>
+          <a:xfrm>
+            <a:off x="6338254" y="447933"/>
+            <a:ext cx="1487406" cy="0"/>
+          </a:xfrm>
+          <a:prstGeom prst="line">
+            <a:avLst/>
+          </a:prstGeom>
+          <a:ln w="12700"/>
+        </p:spPr>
+        <p:style>
+          <a:lnRef idx="1">
+            <a:schemeClr val="dk1"/>
+          </a:lnRef>
+          <a:fillRef idx="0">
+            <a:schemeClr val="dk1"/>
+          </a:fillRef>
+          <a:effectRef idx="0">
+            <a:schemeClr val="dk1"/>
+          </a:effectRef>
+          <a:fontRef idx="minor">
+            <a:schemeClr val="tx1"/>
+          </a:fontRef>
+        </p:style>
+      </p:cxnSp>
+      <p:grpSp>
+        <p:nvGrpSpPr>
+          <p:cNvPr id="104" name="Groupe 103">
+            <a:extLst>
+              <a:ext uri="{FF2B5EF4-FFF2-40B4-BE49-F238E27FC236}">
+                <a16:creationId xmlns:a16="http://schemas.microsoft.com/office/drawing/2014/main" id="{A4198D2C-CAB4-43D5-8A79-2BFB3AE19D44}"/>
+              </a:ext>
+            </a:extLst>
+          </p:cNvPr>
+          <p:cNvGrpSpPr/>
+          <p:nvPr/>
+        </p:nvGrpSpPr>
+        <p:grpSpPr>
+          <a:xfrm>
+            <a:off x="10736919" y="830441"/>
+            <a:ext cx="907938" cy="661397"/>
+            <a:chOff x="10736919" y="830441"/>
+            <a:chExt cx="1487406" cy="1083517"/>
+          </a:xfrm>
+        </p:grpSpPr>
+        <p:sp>
+          <p:nvSpPr>
+            <p:cNvPr id="102" name="Rectangle 101">
+              <a:extLst>
+                <a:ext uri="{FF2B5EF4-FFF2-40B4-BE49-F238E27FC236}">
+                  <a16:creationId xmlns:a16="http://schemas.microsoft.com/office/drawing/2014/main" id="{8D514C7E-B8C2-42DB-BCED-35A9621524AE}"/>
+                </a:ext>
+              </a:extLst>
+            </p:cNvPr>
+            <p:cNvSpPr/>
+            <p:nvPr/>
+          </p:nvSpPr>
+          <p:spPr>
+            <a:xfrm>
+              <a:off x="10740453" y="830441"/>
+              <a:ext cx="1481855" cy="1083517"/>
+            </a:xfrm>
+            <a:prstGeom prst="rect">
+              <a:avLst/>
+            </a:prstGeom>
+            <a:solidFill>
+              <a:schemeClr val="bg1"/>
+            </a:solidFill>
+            <a:ln>
               <a:solidFill>
                 <a:schemeClr val="tx1"/>
               </a:solidFill>
-              <a:latin typeface="Bahnschrift" panose="020B0502040204020203" pitchFamily="34" charset="0"/>
-            </a:endParaRPr>
-          </a:p>
-        </p:txBody>
-      </p:sp>
+            </a:ln>
+          </p:spPr>
+          <p:style>
+            <a:lnRef idx="2">
+              <a:schemeClr val="accent1">
+                <a:shade val="50000"/>
+              </a:schemeClr>
+            </a:lnRef>
+            <a:fillRef idx="1">
+              <a:schemeClr val="accent1"/>
+            </a:fillRef>
+            <a:effectRef idx="0">
+              <a:schemeClr val="accent1"/>
+            </a:effectRef>
+            <a:fontRef idx="minor">
+              <a:schemeClr val="lt1"/>
+            </a:fontRef>
+          </p:style>
+          <p:txBody>
+            <a:bodyPr rtlCol="0" anchor="t"/>
+            <a:lstStyle/>
+            <a:p>
+              <a:pPr algn="ctr"/>
+              <a:r>
+                <a:rPr lang="en-US" sz="800" dirty="0">
+                  <a:solidFill>
+                    <a:schemeClr val="tx1"/>
+                  </a:solidFill>
+                  <a:latin typeface="Bahnschrift" panose="020B0502040204020203" pitchFamily="34" charset="0"/>
+                </a:rPr>
+                <a:t>Class</a:t>
+              </a:r>
+            </a:p>
+            <a:p>
+              <a:pPr algn="ctr"/>
+              <a:endParaRPr lang="en-US" sz="800" dirty="0">
+                <a:solidFill>
+                  <a:schemeClr val="tx1"/>
+                </a:solidFill>
+                <a:latin typeface="Bahnschrift" panose="020B0502040204020203" pitchFamily="34" charset="0"/>
+              </a:endParaRPr>
+            </a:p>
+            <a:p>
+              <a:pPr algn="ctr"/>
+              <a:r>
+                <a:rPr lang="en-US" sz="800" dirty="0">
+                  <a:solidFill>
+                    <a:schemeClr val="tx1"/>
+                  </a:solidFill>
+                  <a:latin typeface="Bahnschrift" panose="020B0502040204020203" pitchFamily="34" charset="0"/>
+                </a:rPr>
+                <a:t>(Implemented)</a:t>
+              </a:r>
+            </a:p>
+          </p:txBody>
+        </p:sp>
+        <p:cxnSp>
+          <p:nvCxnSpPr>
+            <p:cNvPr id="103" name="Connecteur droit 102">
+              <a:extLst>
+                <a:ext uri="{FF2B5EF4-FFF2-40B4-BE49-F238E27FC236}">
+                  <a16:creationId xmlns:a16="http://schemas.microsoft.com/office/drawing/2014/main" id="{BAD62E82-D5F0-4915-BC3A-D1717949A817}"/>
+                </a:ext>
+              </a:extLst>
+            </p:cNvPr>
+            <p:cNvCxnSpPr>
+              <a:cxnSpLocks/>
+            </p:cNvCxnSpPr>
+            <p:nvPr/>
+          </p:nvCxnSpPr>
+          <p:spPr>
+            <a:xfrm>
+              <a:off x="10736919" y="1180828"/>
+              <a:ext cx="1487406" cy="0"/>
+            </a:xfrm>
+            <a:prstGeom prst="line">
+              <a:avLst/>
+            </a:prstGeom>
+            <a:ln w="12700"/>
+          </p:spPr>
+          <p:style>
+            <a:lnRef idx="1">
+              <a:schemeClr val="dk1"/>
+            </a:lnRef>
+            <a:fillRef idx="0">
+              <a:schemeClr val="dk1"/>
+            </a:fillRef>
+            <a:effectRef idx="0">
+              <a:schemeClr val="dk1"/>
+            </a:effectRef>
+            <a:fontRef idx="minor">
+              <a:schemeClr val="tx1"/>
+            </a:fontRef>
+          </p:style>
+        </p:cxnSp>
+      </p:grpSp>
+      <p:grpSp>
+        <p:nvGrpSpPr>
+          <p:cNvPr id="105" name="Groupe 104">
+            <a:extLst>
+              <a:ext uri="{FF2B5EF4-FFF2-40B4-BE49-F238E27FC236}">
+                <a16:creationId xmlns:a16="http://schemas.microsoft.com/office/drawing/2014/main" id="{D4AD2E64-9B74-4B81-8A9E-5F3ABFE73311}"/>
+              </a:ext>
+            </a:extLst>
+          </p:cNvPr>
+          <p:cNvGrpSpPr/>
+          <p:nvPr/>
+        </p:nvGrpSpPr>
+        <p:grpSpPr>
+          <a:xfrm>
+            <a:off x="10750735" y="1692118"/>
+            <a:ext cx="907938" cy="661397"/>
+            <a:chOff x="10736919" y="830441"/>
+            <a:chExt cx="1487406" cy="1083517"/>
+          </a:xfrm>
+          <a:solidFill>
+            <a:schemeClr val="accent2">
+              <a:lumMod val="20000"/>
+              <a:lumOff val="80000"/>
+            </a:schemeClr>
+          </a:solidFill>
+        </p:grpSpPr>
+        <p:sp>
+          <p:nvSpPr>
+            <p:cNvPr id="106" name="Rectangle 105">
+              <a:extLst>
+                <a:ext uri="{FF2B5EF4-FFF2-40B4-BE49-F238E27FC236}">
+                  <a16:creationId xmlns:a16="http://schemas.microsoft.com/office/drawing/2014/main" id="{F0BEE4BF-918F-4BD9-940F-A2E9EEC2941D}"/>
+                </a:ext>
+              </a:extLst>
+            </p:cNvPr>
+            <p:cNvSpPr/>
+            <p:nvPr/>
+          </p:nvSpPr>
+          <p:spPr>
+            <a:xfrm>
+              <a:off x="10740453" y="830441"/>
+              <a:ext cx="1481855" cy="1083517"/>
+            </a:xfrm>
+            <a:prstGeom prst="rect">
+              <a:avLst/>
+            </a:prstGeom>
+            <a:grpFill/>
+            <a:ln>
+              <a:solidFill>
+                <a:schemeClr val="tx1"/>
+              </a:solidFill>
+            </a:ln>
+          </p:spPr>
+          <p:style>
+            <a:lnRef idx="2">
+              <a:schemeClr val="accent1">
+                <a:shade val="50000"/>
+              </a:schemeClr>
+            </a:lnRef>
+            <a:fillRef idx="1">
+              <a:schemeClr val="accent1"/>
+            </a:fillRef>
+            <a:effectRef idx="0">
+              <a:schemeClr val="accent1"/>
+            </a:effectRef>
+            <a:fontRef idx="minor">
+              <a:schemeClr val="lt1"/>
+            </a:fontRef>
+          </p:style>
+          <p:txBody>
+            <a:bodyPr rtlCol="0" anchor="t"/>
+            <a:lstStyle/>
+            <a:p>
+              <a:pPr algn="ctr"/>
+              <a:r>
+                <a:rPr lang="en-US" sz="800" dirty="0">
+                  <a:solidFill>
+                    <a:schemeClr val="tx1"/>
+                  </a:solidFill>
+                  <a:latin typeface="Bahnschrift" panose="020B0502040204020203" pitchFamily="34" charset="0"/>
+                </a:rPr>
+                <a:t>Class</a:t>
+              </a:r>
+            </a:p>
+            <a:p>
+              <a:pPr algn="ctr"/>
+              <a:endParaRPr lang="en-US" sz="800" dirty="0">
+                <a:solidFill>
+                  <a:schemeClr val="tx1"/>
+                </a:solidFill>
+                <a:latin typeface="Bahnschrift" panose="020B0502040204020203" pitchFamily="34" charset="0"/>
+              </a:endParaRPr>
+            </a:p>
+            <a:p>
+              <a:pPr algn="ctr"/>
+              <a:r>
+                <a:rPr lang="en-US" sz="800" dirty="0">
+                  <a:solidFill>
+                    <a:schemeClr val="tx1"/>
+                  </a:solidFill>
+                  <a:latin typeface="Bahnschrift" panose="020B0502040204020203" pitchFamily="34" charset="0"/>
+                </a:rPr>
+                <a:t>(not implemented)</a:t>
+              </a:r>
+            </a:p>
+          </p:txBody>
+        </p:sp>
+        <p:cxnSp>
+          <p:nvCxnSpPr>
+            <p:cNvPr id="107" name="Connecteur droit 106">
+              <a:extLst>
+                <a:ext uri="{FF2B5EF4-FFF2-40B4-BE49-F238E27FC236}">
+                  <a16:creationId xmlns:a16="http://schemas.microsoft.com/office/drawing/2014/main" id="{54C3A500-414A-49BC-A95D-B7E2A0DD2588}"/>
+                </a:ext>
+              </a:extLst>
+            </p:cNvPr>
+            <p:cNvCxnSpPr>
+              <a:cxnSpLocks/>
+            </p:cNvCxnSpPr>
+            <p:nvPr/>
+          </p:nvCxnSpPr>
+          <p:spPr>
+            <a:xfrm>
+              <a:off x="10736919" y="1180828"/>
+              <a:ext cx="1487406" cy="0"/>
+            </a:xfrm>
+            <a:prstGeom prst="line">
+              <a:avLst/>
+            </a:prstGeom>
+            <a:grpFill/>
+            <a:ln w="12700"/>
+          </p:spPr>
+          <p:style>
+            <a:lnRef idx="1">
+              <a:schemeClr val="dk1"/>
+            </a:lnRef>
+            <a:fillRef idx="0">
+              <a:schemeClr val="dk1"/>
+            </a:fillRef>
+            <a:effectRef idx="0">
+              <a:schemeClr val="dk1"/>
+            </a:effectRef>
+            <a:fontRef idx="minor">
+              <a:schemeClr val="tx1"/>
+            </a:fontRef>
+          </p:style>
+        </p:cxnSp>
+      </p:grpSp>
       <p:cxnSp>
         <p:nvCxnSpPr>
-          <p:cNvPr id="3" name="Connecteur droit avec flèche 2">
-            <a:extLst>
-              <a:ext uri="{FF2B5EF4-FFF2-40B4-BE49-F238E27FC236}">
-                <a16:creationId xmlns:a16="http://schemas.microsoft.com/office/drawing/2014/main" id="{E320BF59-F077-4A9D-81C0-79EB4F0E09BA}"/>
-              </a:ext>
-            </a:extLst>
-          </p:cNvPr>
-          <p:cNvCxnSpPr/>
+          <p:cNvPr id="110" name="Connecteur droit avec flèche 109">
+            <a:extLst>
+              <a:ext uri="{FF2B5EF4-FFF2-40B4-BE49-F238E27FC236}">
+                <a16:creationId xmlns:a16="http://schemas.microsoft.com/office/drawing/2014/main" id="{C3821E3F-C0D5-4691-B65A-F027E5EA9438}"/>
+              </a:ext>
+            </a:extLst>
+          </p:cNvPr>
+          <p:cNvCxnSpPr>
+            <a:cxnSpLocks/>
+            <a:stCxn id="21" idx="3"/>
+            <a:endCxn id="70" idx="1"/>
+          </p:cNvCxnSpPr>
           <p:nvPr/>
         </p:nvCxnSpPr>
         <p:spPr>
           <a:xfrm>
-            <a:off x="2467992" y="5397623"/>
-            <a:ext cx="0" cy="825624"/>
+            <a:off x="3027364" y="3732700"/>
+            <a:ext cx="281606" cy="576938"/>
           </a:xfrm>
           <a:prstGeom prst="straightConnector1">
             <a:avLst/>
           </a:prstGeom>
           <a:ln>
-            <a:tailEnd type="triangle"/>
+            <a:solidFill>
+              <a:schemeClr val="tx1"/>
+            </a:solidFill>
+            <a:prstDash val="lgDash"/>
+            <a:tailEnd type="arrow" w="lg" len="lg"/>
           </a:ln>
         </p:spPr>
         <p:style>
@@ -10610,28 +11565,35 @@
       </p:cxnSp>
       <p:cxnSp>
         <p:nvCxnSpPr>
-          <p:cNvPr id="27" name="Connecteur : en angle 26">
-            <a:extLst>
-              <a:ext uri="{FF2B5EF4-FFF2-40B4-BE49-F238E27FC236}">
-                <a16:creationId xmlns:a16="http://schemas.microsoft.com/office/drawing/2014/main" id="{E481A581-D15A-47B8-9C21-2FAD14FC974A}"/>
+          <p:cNvPr id="112" name="Connecteur droit avec flèche 111">
+            <a:extLst>
+              <a:ext uri="{FF2B5EF4-FFF2-40B4-BE49-F238E27FC236}">
+                <a16:creationId xmlns:a16="http://schemas.microsoft.com/office/drawing/2014/main" id="{550D29BF-5ADB-43AE-B6B9-FB8E85FA7187}"/>
               </a:ext>
             </a:extLst>
           </p:cNvPr>
           <p:cNvCxnSpPr>
             <a:cxnSpLocks/>
-            <a:stCxn id="71" idx="2"/>
-            <a:endCxn id="44" idx="3"/>
+            <a:stCxn id="15" idx="3"/>
+            <a:endCxn id="70" idx="1"/>
           </p:cNvCxnSpPr>
           <p:nvPr/>
         </p:nvCxnSpPr>
         <p:spPr>
-          <a:xfrm rot="5400000">
-            <a:off x="2947730" y="5331285"/>
-            <a:ext cx="1197689" cy="1309807"/>
-          </a:xfrm>
-          <a:prstGeom prst="bentConnector2">
-            <a:avLst/>
-          </a:prstGeom>
+          <a:xfrm flipV="1">
+            <a:off x="2734333" y="4309638"/>
+            <a:ext cx="574637" cy="358517"/>
+          </a:xfrm>
+          <a:prstGeom prst="straightConnector1">
+            <a:avLst/>
+          </a:prstGeom>
+          <a:ln>
+            <a:solidFill>
+              <a:schemeClr val="tx1"/>
+            </a:solidFill>
+            <a:prstDash val="lgDash"/>
+            <a:tailEnd type="arrow" w="lg" len="lg"/>
+          </a:ln>
         </p:spPr>
         <p:style>
           <a:lnRef idx="1">
@@ -10648,6 +11610,1652 @@
           </a:fontRef>
         </p:style>
       </p:cxnSp>
+      <p:cxnSp>
+        <p:nvCxnSpPr>
+          <p:cNvPr id="115" name="Connecteur droit avec flèche 114">
+            <a:extLst>
+              <a:ext uri="{FF2B5EF4-FFF2-40B4-BE49-F238E27FC236}">
+                <a16:creationId xmlns:a16="http://schemas.microsoft.com/office/drawing/2014/main" id="{BA49F3D5-CAA0-4607-9390-0186FC51E6C5}"/>
+              </a:ext>
+            </a:extLst>
+          </p:cNvPr>
+          <p:cNvCxnSpPr>
+            <a:cxnSpLocks/>
+            <a:stCxn id="14" idx="3"/>
+            <a:endCxn id="70" idx="1"/>
+          </p:cNvCxnSpPr>
+          <p:nvPr/>
+        </p:nvCxnSpPr>
+        <p:spPr>
+          <a:xfrm>
+            <a:off x="1902418" y="4139264"/>
+            <a:ext cx="1406552" cy="170374"/>
+          </a:xfrm>
+          <a:prstGeom prst="straightConnector1">
+            <a:avLst/>
+          </a:prstGeom>
+          <a:ln>
+            <a:solidFill>
+              <a:schemeClr val="tx1"/>
+            </a:solidFill>
+            <a:prstDash val="lgDash"/>
+            <a:tailEnd type="arrow" w="lg" len="lg"/>
+          </a:ln>
+        </p:spPr>
+        <p:style>
+          <a:lnRef idx="1">
+            <a:schemeClr val="accent1"/>
+          </a:lnRef>
+          <a:fillRef idx="0">
+            <a:schemeClr val="accent1"/>
+          </a:fillRef>
+          <a:effectRef idx="0">
+            <a:schemeClr val="accent1"/>
+          </a:effectRef>
+          <a:fontRef idx="minor">
+            <a:schemeClr val="tx1"/>
+          </a:fontRef>
+        </p:style>
+      </p:cxnSp>
+      <p:cxnSp>
+        <p:nvCxnSpPr>
+          <p:cNvPr id="118" name="Connecteur droit avec flèche 117">
+            <a:extLst>
+              <a:ext uri="{FF2B5EF4-FFF2-40B4-BE49-F238E27FC236}">
+                <a16:creationId xmlns:a16="http://schemas.microsoft.com/office/drawing/2014/main" id="{98732CCA-E2EE-4A53-ABAD-B13D991B42AF}"/>
+              </a:ext>
+            </a:extLst>
+          </p:cNvPr>
+          <p:cNvCxnSpPr>
+            <a:cxnSpLocks/>
+            <a:stCxn id="13" idx="3"/>
+            <a:endCxn id="10" idx="1"/>
+          </p:cNvCxnSpPr>
+          <p:nvPr/>
+        </p:nvCxnSpPr>
+        <p:spPr>
+          <a:xfrm>
+            <a:off x="2725679" y="1462362"/>
+            <a:ext cx="1838651" cy="421117"/>
+          </a:xfrm>
+          <a:prstGeom prst="straightConnector1">
+            <a:avLst/>
+          </a:prstGeom>
+          <a:ln>
+            <a:solidFill>
+              <a:schemeClr val="tx1"/>
+            </a:solidFill>
+            <a:prstDash val="lgDash"/>
+            <a:tailEnd type="arrow" w="lg" len="lg"/>
+          </a:ln>
+        </p:spPr>
+        <p:style>
+          <a:lnRef idx="1">
+            <a:schemeClr val="accent1"/>
+          </a:lnRef>
+          <a:fillRef idx="0">
+            <a:schemeClr val="accent1"/>
+          </a:fillRef>
+          <a:effectRef idx="0">
+            <a:schemeClr val="accent1"/>
+          </a:effectRef>
+          <a:fontRef idx="minor">
+            <a:schemeClr val="tx1"/>
+          </a:fontRef>
+        </p:style>
+      </p:cxnSp>
+      <p:cxnSp>
+        <p:nvCxnSpPr>
+          <p:cNvPr id="120" name="Connecteur droit avec flèche 119">
+            <a:extLst>
+              <a:ext uri="{FF2B5EF4-FFF2-40B4-BE49-F238E27FC236}">
+                <a16:creationId xmlns:a16="http://schemas.microsoft.com/office/drawing/2014/main" id="{2588FB0B-8FF0-41E0-A97B-035054D969C1}"/>
+              </a:ext>
+            </a:extLst>
+          </p:cNvPr>
+          <p:cNvCxnSpPr>
+            <a:cxnSpLocks/>
+            <a:stCxn id="17" idx="3"/>
+            <a:endCxn id="56" idx="1"/>
+          </p:cNvCxnSpPr>
+          <p:nvPr/>
+        </p:nvCxnSpPr>
+        <p:spPr>
+          <a:xfrm flipV="1">
+            <a:off x="2732093" y="1891771"/>
+            <a:ext cx="1829733" cy="40954"/>
+          </a:xfrm>
+          <a:prstGeom prst="straightConnector1">
+            <a:avLst/>
+          </a:prstGeom>
+          <a:ln>
+            <a:solidFill>
+              <a:schemeClr val="tx1"/>
+            </a:solidFill>
+            <a:prstDash val="lgDash"/>
+            <a:tailEnd type="arrow" w="lg" len="lg"/>
+          </a:ln>
+        </p:spPr>
+        <p:style>
+          <a:lnRef idx="1">
+            <a:schemeClr val="accent1"/>
+          </a:lnRef>
+          <a:fillRef idx="0">
+            <a:schemeClr val="accent1"/>
+          </a:fillRef>
+          <a:effectRef idx="0">
+            <a:schemeClr val="accent1"/>
+          </a:effectRef>
+          <a:fontRef idx="minor">
+            <a:schemeClr val="tx1"/>
+          </a:fontRef>
+        </p:style>
+      </p:cxnSp>
+      <p:cxnSp>
+        <p:nvCxnSpPr>
+          <p:cNvPr id="122" name="Connecteur droit avec flèche 121">
+            <a:extLst>
+              <a:ext uri="{FF2B5EF4-FFF2-40B4-BE49-F238E27FC236}">
+                <a16:creationId xmlns:a16="http://schemas.microsoft.com/office/drawing/2014/main" id="{90A1C9E5-8755-4F8E-A462-F6BCF2E3C805}"/>
+              </a:ext>
+            </a:extLst>
+          </p:cNvPr>
+          <p:cNvCxnSpPr>
+            <a:cxnSpLocks/>
+            <a:stCxn id="16" idx="3"/>
+            <a:endCxn id="56" idx="1"/>
+          </p:cNvCxnSpPr>
+          <p:nvPr/>
+        </p:nvCxnSpPr>
+        <p:spPr>
+          <a:xfrm>
+            <a:off x="3883789" y="1272985"/>
+            <a:ext cx="678037" cy="618786"/>
+          </a:xfrm>
+          <a:prstGeom prst="straightConnector1">
+            <a:avLst/>
+          </a:prstGeom>
+          <a:ln>
+            <a:solidFill>
+              <a:schemeClr val="tx1"/>
+            </a:solidFill>
+            <a:prstDash val="lgDash"/>
+            <a:tailEnd type="arrow" w="lg" len="lg"/>
+          </a:ln>
+        </p:spPr>
+        <p:style>
+          <a:lnRef idx="1">
+            <a:schemeClr val="accent1"/>
+          </a:lnRef>
+          <a:fillRef idx="0">
+            <a:schemeClr val="accent1"/>
+          </a:fillRef>
+          <a:effectRef idx="0">
+            <a:schemeClr val="accent1"/>
+          </a:effectRef>
+          <a:fontRef idx="minor">
+            <a:schemeClr val="tx1"/>
+          </a:fontRef>
+        </p:style>
+      </p:cxnSp>
+      <p:cxnSp>
+        <p:nvCxnSpPr>
+          <p:cNvPr id="124" name="Connecteur droit avec flèche 123">
+            <a:extLst>
+              <a:ext uri="{FF2B5EF4-FFF2-40B4-BE49-F238E27FC236}">
+                <a16:creationId xmlns:a16="http://schemas.microsoft.com/office/drawing/2014/main" id="{1AA07236-E262-41B9-994D-E214D55B79C4}"/>
+              </a:ext>
+            </a:extLst>
+          </p:cNvPr>
+          <p:cNvCxnSpPr>
+            <a:cxnSpLocks/>
+            <a:stCxn id="12" idx="3"/>
+            <a:endCxn id="56" idx="1"/>
+          </p:cNvCxnSpPr>
+          <p:nvPr/>
+        </p:nvCxnSpPr>
+        <p:spPr>
+          <a:xfrm flipV="1">
+            <a:off x="3721051" y="1891771"/>
+            <a:ext cx="840775" cy="342370"/>
+          </a:xfrm>
+          <a:prstGeom prst="straightConnector1">
+            <a:avLst/>
+          </a:prstGeom>
+          <a:ln>
+            <a:solidFill>
+              <a:schemeClr val="tx1"/>
+            </a:solidFill>
+            <a:prstDash val="lgDash"/>
+            <a:tailEnd type="arrow" w="lg" len="lg"/>
+          </a:ln>
+        </p:spPr>
+        <p:style>
+          <a:lnRef idx="1">
+            <a:schemeClr val="accent1"/>
+          </a:lnRef>
+          <a:fillRef idx="0">
+            <a:schemeClr val="accent1"/>
+          </a:fillRef>
+          <a:effectRef idx="0">
+            <a:schemeClr val="accent1"/>
+          </a:effectRef>
+          <a:fontRef idx="minor">
+            <a:schemeClr val="tx1"/>
+          </a:fontRef>
+        </p:style>
+      </p:cxnSp>
+      <p:grpSp>
+        <p:nvGrpSpPr>
+          <p:cNvPr id="89" name="Groupe 88">
+            <a:extLst>
+              <a:ext uri="{FF2B5EF4-FFF2-40B4-BE49-F238E27FC236}">
+                <a16:creationId xmlns:a16="http://schemas.microsoft.com/office/drawing/2014/main" id="{B6CF21CF-1B0F-4FDF-BF77-1D9EF9EF7E5F}"/>
+              </a:ext>
+            </a:extLst>
+          </p:cNvPr>
+          <p:cNvGrpSpPr/>
+          <p:nvPr/>
+        </p:nvGrpSpPr>
+        <p:grpSpPr>
+          <a:xfrm>
+            <a:off x="1053334" y="3541028"/>
+            <a:ext cx="1974029" cy="1318798"/>
+            <a:chOff x="999882" y="2518764"/>
+            <a:chExt cx="1578093" cy="1318798"/>
+          </a:xfrm>
+        </p:grpSpPr>
+        <p:sp>
+          <p:nvSpPr>
+            <p:cNvPr id="14" name="Rectangle 13">
+              <a:extLst>
+                <a:ext uri="{FF2B5EF4-FFF2-40B4-BE49-F238E27FC236}">
+                  <a16:creationId xmlns:a16="http://schemas.microsoft.com/office/drawing/2014/main" id="{4C5D53E0-9F8B-489F-996A-D75D28A8B36E}"/>
+                </a:ext>
+              </a:extLst>
+            </p:cNvPr>
+            <p:cNvSpPr/>
+            <p:nvPr/>
+          </p:nvSpPr>
+          <p:spPr>
+            <a:xfrm>
+              <a:off x="999882" y="2925328"/>
+              <a:ext cx="678781" cy="383343"/>
+            </a:xfrm>
+            <a:prstGeom prst="rect">
+              <a:avLst/>
+            </a:prstGeom>
+            <a:solidFill>
+              <a:schemeClr val="bg2"/>
+            </a:solidFill>
+            <a:ln>
+              <a:solidFill>
+                <a:schemeClr val="tx1"/>
+              </a:solidFill>
+            </a:ln>
+          </p:spPr>
+          <p:style>
+            <a:lnRef idx="2">
+              <a:schemeClr val="accent1">
+                <a:shade val="50000"/>
+              </a:schemeClr>
+            </a:lnRef>
+            <a:fillRef idx="1">
+              <a:schemeClr val="accent1"/>
+            </a:fillRef>
+            <a:effectRef idx="0">
+              <a:schemeClr val="accent1"/>
+            </a:effectRef>
+            <a:fontRef idx="minor">
+              <a:schemeClr val="lt1"/>
+            </a:fontRef>
+          </p:style>
+          <p:txBody>
+            <a:bodyPr rtlCol="0" anchor="t"/>
+            <a:lstStyle/>
+            <a:p>
+              <a:r>
+                <a:rPr lang="en-US" sz="800" dirty="0" err="1">
+                  <a:solidFill>
+                    <a:schemeClr val="tx1"/>
+                  </a:solidFill>
+                  <a:latin typeface="Bahnschrift" panose="020B0502040204020203" pitchFamily="34" charset="0"/>
+                </a:rPr>
+                <a:t>detectContact</a:t>
+              </a:r>
+              <a:endParaRPr lang="en-US" sz="800" dirty="0">
+                <a:solidFill>
+                  <a:schemeClr val="tx1"/>
+                </a:solidFill>
+                <a:latin typeface="Bahnschrift" panose="020B0502040204020203" pitchFamily="34" charset="0"/>
+              </a:endParaRPr>
+            </a:p>
+          </p:txBody>
+        </p:sp>
+        <p:sp>
+          <p:nvSpPr>
+            <p:cNvPr id="15" name="Rectangle 14">
+              <a:extLst>
+                <a:ext uri="{FF2B5EF4-FFF2-40B4-BE49-F238E27FC236}">
+                  <a16:creationId xmlns:a16="http://schemas.microsoft.com/office/drawing/2014/main" id="{FA92C4AB-DE73-45F9-9E97-0B07D36557A9}"/>
+                </a:ext>
+              </a:extLst>
+            </p:cNvPr>
+            <p:cNvSpPr/>
+            <p:nvPr/>
+          </p:nvSpPr>
+          <p:spPr>
+            <a:xfrm>
+              <a:off x="1664936" y="3454219"/>
+              <a:ext cx="678782" cy="383343"/>
+            </a:xfrm>
+            <a:prstGeom prst="rect">
+              <a:avLst/>
+            </a:prstGeom>
+            <a:solidFill>
+              <a:schemeClr val="bg2"/>
+            </a:solidFill>
+            <a:ln>
+              <a:solidFill>
+                <a:schemeClr val="tx1"/>
+              </a:solidFill>
+            </a:ln>
+          </p:spPr>
+          <p:style>
+            <a:lnRef idx="2">
+              <a:schemeClr val="accent1">
+                <a:shade val="50000"/>
+              </a:schemeClr>
+            </a:lnRef>
+            <a:fillRef idx="1">
+              <a:schemeClr val="accent1"/>
+            </a:fillRef>
+            <a:effectRef idx="0">
+              <a:schemeClr val="accent1"/>
+            </a:effectRef>
+            <a:fontRef idx="minor">
+              <a:schemeClr val="lt1"/>
+            </a:fontRef>
+          </p:style>
+          <p:txBody>
+            <a:bodyPr rtlCol="0" anchor="t"/>
+            <a:lstStyle/>
+            <a:p>
+              <a:r>
+                <a:rPr lang="en-US" sz="800" dirty="0" err="1">
+                  <a:solidFill>
+                    <a:schemeClr val="tx1"/>
+                  </a:solidFill>
+                  <a:latin typeface="Bahnschrift" panose="020B0502040204020203" pitchFamily="34" charset="0"/>
+                </a:rPr>
+                <a:t>generateNextBlock</a:t>
+              </a:r>
+              <a:endParaRPr lang="en-US" sz="800" dirty="0">
+                <a:solidFill>
+                  <a:schemeClr val="tx1"/>
+                </a:solidFill>
+                <a:latin typeface="Bahnschrift" panose="020B0502040204020203" pitchFamily="34" charset="0"/>
+              </a:endParaRPr>
+            </a:p>
+          </p:txBody>
+        </p:sp>
+        <p:sp>
+          <p:nvSpPr>
+            <p:cNvPr id="21" name="Rectangle 20">
+              <a:extLst>
+                <a:ext uri="{FF2B5EF4-FFF2-40B4-BE49-F238E27FC236}">
+                  <a16:creationId xmlns:a16="http://schemas.microsoft.com/office/drawing/2014/main" id="{D865D770-0E90-4515-B230-A63CCD4091CB}"/>
+                </a:ext>
+              </a:extLst>
+            </p:cNvPr>
+            <p:cNvSpPr/>
+            <p:nvPr/>
+          </p:nvSpPr>
+          <p:spPr>
+            <a:xfrm>
+              <a:off x="1899194" y="2518764"/>
+              <a:ext cx="678781" cy="383343"/>
+            </a:xfrm>
+            <a:prstGeom prst="rect">
+              <a:avLst/>
+            </a:prstGeom>
+            <a:solidFill>
+              <a:schemeClr val="bg2"/>
+            </a:solidFill>
+            <a:ln>
+              <a:solidFill>
+                <a:schemeClr val="tx1"/>
+              </a:solidFill>
+            </a:ln>
+          </p:spPr>
+          <p:style>
+            <a:lnRef idx="2">
+              <a:schemeClr val="accent1">
+                <a:shade val="50000"/>
+              </a:schemeClr>
+            </a:lnRef>
+            <a:fillRef idx="1">
+              <a:schemeClr val="accent1"/>
+            </a:fillRef>
+            <a:effectRef idx="0">
+              <a:schemeClr val="accent1"/>
+            </a:effectRef>
+            <a:fontRef idx="minor">
+              <a:schemeClr val="lt1"/>
+            </a:fontRef>
+          </p:style>
+          <p:txBody>
+            <a:bodyPr rtlCol="0" anchor="t"/>
+            <a:lstStyle/>
+            <a:p>
+              <a:r>
+                <a:rPr lang="en-US" sz="800" dirty="0" err="1">
+                  <a:solidFill>
+                    <a:schemeClr val="tx1"/>
+                  </a:solidFill>
+                  <a:latin typeface="Bahnschrift" panose="020B0502040204020203" pitchFamily="34" charset="0"/>
+                </a:rPr>
+                <a:t>computeScore</a:t>
+              </a:r>
+              <a:endParaRPr lang="en-US" sz="800" dirty="0">
+                <a:solidFill>
+                  <a:schemeClr val="tx1"/>
+                </a:solidFill>
+                <a:latin typeface="Bahnschrift" panose="020B0502040204020203" pitchFamily="34" charset="0"/>
+              </a:endParaRPr>
+            </a:p>
+          </p:txBody>
+        </p:sp>
+      </p:grpSp>
+      <p:cxnSp>
+        <p:nvCxnSpPr>
+          <p:cNvPr id="134" name="Connecteur droit avec flèche 133">
+            <a:extLst>
+              <a:ext uri="{FF2B5EF4-FFF2-40B4-BE49-F238E27FC236}">
+                <a16:creationId xmlns:a16="http://schemas.microsoft.com/office/drawing/2014/main" id="{C77C8E87-8E22-4C5A-9201-8B137B47B7A6}"/>
+              </a:ext>
+            </a:extLst>
+          </p:cNvPr>
+          <p:cNvCxnSpPr>
+            <a:cxnSpLocks/>
+            <a:stCxn id="22" idx="3"/>
+          </p:cNvCxnSpPr>
+          <p:nvPr/>
+        </p:nvCxnSpPr>
+        <p:spPr>
+          <a:xfrm>
+            <a:off x="6036214" y="634158"/>
+            <a:ext cx="286552" cy="68681"/>
+          </a:xfrm>
+          <a:prstGeom prst="straightConnector1">
+            <a:avLst/>
+          </a:prstGeom>
+          <a:ln>
+            <a:solidFill>
+              <a:schemeClr val="tx1"/>
+            </a:solidFill>
+            <a:prstDash val="lgDash"/>
+            <a:tailEnd type="arrow" w="lg" len="lg"/>
+          </a:ln>
+        </p:spPr>
+        <p:style>
+          <a:lnRef idx="1">
+            <a:schemeClr val="accent1"/>
+          </a:lnRef>
+          <a:fillRef idx="0">
+            <a:schemeClr val="accent1"/>
+          </a:fillRef>
+          <a:effectRef idx="0">
+            <a:schemeClr val="accent1"/>
+          </a:effectRef>
+          <a:fontRef idx="minor">
+            <a:schemeClr val="tx1"/>
+          </a:fontRef>
+        </p:style>
+      </p:cxnSp>
+      <p:cxnSp>
+        <p:nvCxnSpPr>
+          <p:cNvPr id="139" name="Connecteur droit avec flèche 138">
+            <a:extLst>
+              <a:ext uri="{FF2B5EF4-FFF2-40B4-BE49-F238E27FC236}">
+                <a16:creationId xmlns:a16="http://schemas.microsoft.com/office/drawing/2014/main" id="{8E6E8BFF-F24C-4EC2-B77F-B5B26B2C410C}"/>
+              </a:ext>
+            </a:extLst>
+          </p:cNvPr>
+          <p:cNvCxnSpPr>
+            <a:cxnSpLocks/>
+            <a:stCxn id="23" idx="1"/>
+            <a:endCxn id="9" idx="3"/>
+          </p:cNvCxnSpPr>
+          <p:nvPr/>
+        </p:nvCxnSpPr>
+        <p:spPr>
+          <a:xfrm flipH="1">
+            <a:off x="9125258" y="1874627"/>
+            <a:ext cx="351345" cy="235898"/>
+          </a:xfrm>
+          <a:prstGeom prst="straightConnector1">
+            <a:avLst/>
+          </a:prstGeom>
+          <a:ln>
+            <a:solidFill>
+              <a:schemeClr val="tx1"/>
+            </a:solidFill>
+            <a:prstDash val="lgDash"/>
+            <a:tailEnd type="arrow" w="lg" len="lg"/>
+          </a:ln>
+        </p:spPr>
+        <p:style>
+          <a:lnRef idx="1">
+            <a:schemeClr val="accent1"/>
+          </a:lnRef>
+          <a:fillRef idx="0">
+            <a:schemeClr val="accent1"/>
+          </a:fillRef>
+          <a:effectRef idx="0">
+            <a:schemeClr val="accent1"/>
+          </a:effectRef>
+          <a:fontRef idx="minor">
+            <a:schemeClr val="tx1"/>
+          </a:fontRef>
+        </p:style>
+      </p:cxnSp>
+      <p:cxnSp>
+        <p:nvCxnSpPr>
+          <p:cNvPr id="142" name="Connecteur droit avec flèche 141">
+            <a:extLst>
+              <a:ext uri="{FF2B5EF4-FFF2-40B4-BE49-F238E27FC236}">
+                <a16:creationId xmlns:a16="http://schemas.microsoft.com/office/drawing/2014/main" id="{FD5CC5A6-0FF7-49C9-88AB-B0ACB5CCB635}"/>
+              </a:ext>
+            </a:extLst>
+          </p:cNvPr>
+          <p:cNvCxnSpPr>
+            <a:cxnSpLocks/>
+            <a:stCxn id="18" idx="1"/>
+            <a:endCxn id="11" idx="3"/>
+          </p:cNvCxnSpPr>
+          <p:nvPr/>
+        </p:nvCxnSpPr>
+        <p:spPr>
+          <a:xfrm flipH="1">
+            <a:off x="10985951" y="3240539"/>
+            <a:ext cx="268652" cy="55978"/>
+          </a:xfrm>
+          <a:prstGeom prst="straightConnector1">
+            <a:avLst/>
+          </a:prstGeom>
+          <a:ln>
+            <a:solidFill>
+              <a:schemeClr val="tx1"/>
+            </a:solidFill>
+            <a:prstDash val="lgDash"/>
+            <a:tailEnd type="arrow" w="lg" len="lg"/>
+          </a:ln>
+        </p:spPr>
+        <p:style>
+          <a:lnRef idx="1">
+            <a:schemeClr val="accent1"/>
+          </a:lnRef>
+          <a:fillRef idx="0">
+            <a:schemeClr val="accent1"/>
+          </a:fillRef>
+          <a:effectRef idx="0">
+            <a:schemeClr val="accent1"/>
+          </a:effectRef>
+          <a:fontRef idx="minor">
+            <a:schemeClr val="tx1"/>
+          </a:fontRef>
+        </p:style>
+      </p:cxnSp>
+      <p:cxnSp>
+        <p:nvCxnSpPr>
+          <p:cNvPr id="145" name="Connecteur droit avec flèche 144">
+            <a:extLst>
+              <a:ext uri="{FF2B5EF4-FFF2-40B4-BE49-F238E27FC236}">
+                <a16:creationId xmlns:a16="http://schemas.microsoft.com/office/drawing/2014/main" id="{E0FB6CD1-78A3-443C-88D8-B127F9169A9B}"/>
+              </a:ext>
+            </a:extLst>
+          </p:cNvPr>
+          <p:cNvCxnSpPr>
+            <a:cxnSpLocks/>
+            <a:stCxn id="19" idx="1"/>
+            <a:endCxn id="71" idx="3"/>
+          </p:cNvCxnSpPr>
+          <p:nvPr/>
+        </p:nvCxnSpPr>
+        <p:spPr>
+          <a:xfrm flipH="1" flipV="1">
+            <a:off x="10053320" y="4674955"/>
+            <a:ext cx="219475" cy="1085581"/>
+          </a:xfrm>
+          <a:prstGeom prst="straightConnector1">
+            <a:avLst/>
+          </a:prstGeom>
+          <a:ln>
+            <a:solidFill>
+              <a:schemeClr val="tx1"/>
+            </a:solidFill>
+            <a:prstDash val="lgDash"/>
+            <a:tailEnd type="arrow" w="lg" len="lg"/>
+          </a:ln>
+        </p:spPr>
+        <p:style>
+          <a:lnRef idx="1">
+            <a:schemeClr val="accent1"/>
+          </a:lnRef>
+          <a:fillRef idx="0">
+            <a:schemeClr val="accent1"/>
+          </a:fillRef>
+          <a:effectRef idx="0">
+            <a:schemeClr val="accent1"/>
+          </a:effectRef>
+          <a:fontRef idx="minor">
+            <a:schemeClr val="tx1"/>
+          </a:fontRef>
+        </p:style>
+      </p:cxnSp>
+      <p:cxnSp>
+        <p:nvCxnSpPr>
+          <p:cNvPr id="148" name="Connecteur droit avec flèche 147">
+            <a:extLst>
+              <a:ext uri="{FF2B5EF4-FFF2-40B4-BE49-F238E27FC236}">
+                <a16:creationId xmlns:a16="http://schemas.microsoft.com/office/drawing/2014/main" id="{AD450726-4CC2-4544-B855-BEE26AC6ED12}"/>
+              </a:ext>
+            </a:extLst>
+          </p:cNvPr>
+          <p:cNvCxnSpPr>
+            <a:cxnSpLocks/>
+            <a:stCxn id="19" idx="1"/>
+            <a:endCxn id="6" idx="3"/>
+          </p:cNvCxnSpPr>
+          <p:nvPr/>
+        </p:nvCxnSpPr>
+        <p:spPr>
+          <a:xfrm flipH="1">
+            <a:off x="7081957" y="5760536"/>
+            <a:ext cx="3190838" cy="56505"/>
+          </a:xfrm>
+          <a:prstGeom prst="straightConnector1">
+            <a:avLst/>
+          </a:prstGeom>
+          <a:ln>
+            <a:solidFill>
+              <a:schemeClr val="tx1"/>
+            </a:solidFill>
+            <a:prstDash val="lgDash"/>
+            <a:tailEnd type="arrow" w="lg" len="lg"/>
+          </a:ln>
+        </p:spPr>
+        <p:style>
+          <a:lnRef idx="1">
+            <a:schemeClr val="accent1"/>
+          </a:lnRef>
+          <a:fillRef idx="0">
+            <a:schemeClr val="accent1"/>
+          </a:fillRef>
+          <a:effectRef idx="0">
+            <a:schemeClr val="accent1"/>
+          </a:effectRef>
+          <a:fontRef idx="minor">
+            <a:schemeClr val="tx1"/>
+          </a:fontRef>
+        </p:style>
+      </p:cxnSp>
+      <p:grpSp>
+        <p:nvGrpSpPr>
+          <p:cNvPr id="151" name="Groupe 150">
+            <a:extLst>
+              <a:ext uri="{FF2B5EF4-FFF2-40B4-BE49-F238E27FC236}">
+                <a16:creationId xmlns:a16="http://schemas.microsoft.com/office/drawing/2014/main" id="{7E0E0885-4552-475B-B632-635E0E0EAB8F}"/>
+              </a:ext>
+            </a:extLst>
+          </p:cNvPr>
+          <p:cNvGrpSpPr/>
+          <p:nvPr/>
+        </p:nvGrpSpPr>
+        <p:grpSpPr>
+          <a:xfrm>
+            <a:off x="8201240" y="4166453"/>
+            <a:ext cx="1852080" cy="932658"/>
+            <a:chOff x="7317320" y="4196933"/>
+            <a:chExt cx="1852080" cy="932658"/>
+          </a:xfrm>
+        </p:grpSpPr>
+        <p:sp>
+          <p:nvSpPr>
+            <p:cNvPr id="7" name="Rectangle 6">
+              <a:extLst>
+                <a:ext uri="{FF2B5EF4-FFF2-40B4-BE49-F238E27FC236}">
+                  <a16:creationId xmlns:a16="http://schemas.microsoft.com/office/drawing/2014/main" id="{8480E956-7BA9-4A70-AA19-107A652C9ADB}"/>
+                </a:ext>
+              </a:extLst>
+            </p:cNvPr>
+            <p:cNvSpPr/>
+            <p:nvPr/>
+          </p:nvSpPr>
+          <p:spPr>
+            <a:xfrm>
+              <a:off x="7329751" y="4196933"/>
+              <a:ext cx="1831183" cy="932658"/>
+            </a:xfrm>
+            <a:prstGeom prst="rect">
+              <a:avLst/>
+            </a:prstGeom>
+            <a:solidFill>
+              <a:schemeClr val="bg1"/>
+            </a:solidFill>
+            <a:ln>
+              <a:solidFill>
+                <a:schemeClr val="tx1"/>
+              </a:solidFill>
+            </a:ln>
+          </p:spPr>
+          <p:style>
+            <a:lnRef idx="2">
+              <a:schemeClr val="accent1">
+                <a:shade val="50000"/>
+              </a:schemeClr>
+            </a:lnRef>
+            <a:fillRef idx="1">
+              <a:schemeClr val="accent1"/>
+            </a:fillRef>
+            <a:effectRef idx="0">
+              <a:schemeClr val="accent1"/>
+            </a:effectRef>
+            <a:fontRef idx="minor">
+              <a:schemeClr val="lt1"/>
+            </a:fontRef>
+          </p:style>
+          <p:txBody>
+            <a:bodyPr rtlCol="0" anchor="t"/>
+            <a:lstStyle/>
+            <a:p>
+              <a:pPr algn="ctr"/>
+              <a:r>
+                <a:rPr lang="en-US" sz="1200" dirty="0" err="1">
+                  <a:solidFill>
+                    <a:schemeClr val="tx1"/>
+                  </a:solidFill>
+                  <a:latin typeface="Bahnschrift" panose="020B0502040204020203" pitchFamily="34" charset="0"/>
+                </a:rPr>
+                <a:t>StaticBlocks</a:t>
+              </a:r>
+              <a:endParaRPr lang="en-US" sz="1200" dirty="0">
+                <a:solidFill>
+                  <a:schemeClr val="tx1"/>
+                </a:solidFill>
+                <a:latin typeface="Bahnschrift" panose="020B0502040204020203" pitchFamily="34" charset="0"/>
+              </a:endParaRPr>
+            </a:p>
+          </p:txBody>
+        </p:sp>
+        <p:sp>
+          <p:nvSpPr>
+            <p:cNvPr id="71" name="Rectangle 70">
+              <a:extLst>
+                <a:ext uri="{FF2B5EF4-FFF2-40B4-BE49-F238E27FC236}">
+                  <a16:creationId xmlns:a16="http://schemas.microsoft.com/office/drawing/2014/main" id="{431CE56B-CD32-4D2A-ADEE-EFC63CF269B9}"/>
+                </a:ext>
+              </a:extLst>
+            </p:cNvPr>
+            <p:cNvSpPr/>
+            <p:nvPr/>
+          </p:nvSpPr>
+          <p:spPr>
+            <a:xfrm>
+              <a:off x="7329751" y="4516065"/>
+              <a:ext cx="1839649" cy="378740"/>
+            </a:xfrm>
+            <a:prstGeom prst="rect">
+              <a:avLst/>
+            </a:prstGeom>
+            <a:noFill/>
+            <a:ln>
+              <a:noFill/>
+            </a:ln>
+          </p:spPr>
+          <p:style>
+            <a:lnRef idx="2">
+              <a:schemeClr val="accent1">
+                <a:shade val="50000"/>
+              </a:schemeClr>
+            </a:lnRef>
+            <a:fillRef idx="1">
+              <a:schemeClr val="accent1"/>
+            </a:fillRef>
+            <a:effectRef idx="0">
+              <a:schemeClr val="accent1"/>
+            </a:effectRef>
+            <a:fontRef idx="minor">
+              <a:schemeClr val="lt1"/>
+            </a:fontRef>
+          </p:style>
+          <p:txBody>
+            <a:bodyPr rtlCol="0" anchor="t"/>
+            <a:lstStyle/>
+            <a:p>
+              <a:r>
+                <a:rPr lang="en-US" sz="800" dirty="0">
+                  <a:solidFill>
+                    <a:schemeClr val="tx1"/>
+                  </a:solidFill>
+                  <a:latin typeface="Bahnschrift" panose="020B0502040204020203" pitchFamily="34" charset="0"/>
+                </a:rPr>
+                <a:t>+</a:t>
+              </a:r>
+              <a:r>
+                <a:rPr lang="en-US" sz="800" dirty="0" err="1">
+                  <a:solidFill>
+                    <a:schemeClr val="tx1"/>
+                  </a:solidFill>
+                  <a:latin typeface="Bahnschrift" panose="020B0502040204020203" pitchFamily="34" charset="0"/>
+                </a:rPr>
+                <a:t>addBlockToMatrix</a:t>
+              </a:r>
+              <a:r>
+                <a:rPr lang="en-US" sz="800" dirty="0">
+                  <a:solidFill>
+                    <a:schemeClr val="tx1"/>
+                  </a:solidFill>
+                  <a:latin typeface="Bahnschrift" panose="020B0502040204020203" pitchFamily="34" charset="0"/>
+                </a:rPr>
+                <a:t>()</a:t>
+              </a:r>
+            </a:p>
+            <a:p>
+              <a:r>
+                <a:rPr lang="en-US" sz="800" dirty="0">
+                  <a:solidFill>
+                    <a:schemeClr val="tx1"/>
+                  </a:solidFill>
+                  <a:latin typeface="Bahnschrift" panose="020B0502040204020203" pitchFamily="34" charset="0"/>
+                </a:rPr>
+                <a:t>+</a:t>
+              </a:r>
+              <a:r>
+                <a:rPr lang="en-US" sz="800" dirty="0" err="1">
+                  <a:solidFill>
+                    <a:schemeClr val="tx1"/>
+                  </a:solidFill>
+                  <a:latin typeface="Bahnschrift" panose="020B0502040204020203" pitchFamily="34" charset="0"/>
+                </a:rPr>
+                <a:t>removeLineInStaticBlocksMatrix</a:t>
+              </a:r>
+              <a:r>
+                <a:rPr lang="en-US" sz="800" dirty="0">
+                  <a:solidFill>
+                    <a:schemeClr val="tx1"/>
+                  </a:solidFill>
+                  <a:latin typeface="Bahnschrift" panose="020B0502040204020203" pitchFamily="34" charset="0"/>
+                </a:rPr>
+                <a:t>()</a:t>
+              </a:r>
+            </a:p>
+            <a:p>
+              <a:r>
+                <a:rPr lang="en-US" sz="800" dirty="0">
+                  <a:solidFill>
+                    <a:schemeClr val="tx1"/>
+                  </a:solidFill>
+                  <a:latin typeface="Bahnschrift" panose="020B0502040204020203" pitchFamily="34" charset="0"/>
+                </a:rPr>
+                <a:t>+</a:t>
+              </a:r>
+              <a:r>
+                <a:rPr lang="en-US" sz="800" dirty="0" err="1">
+                  <a:solidFill>
+                    <a:schemeClr val="tx1"/>
+                  </a:solidFill>
+                  <a:latin typeface="Bahnschrift" panose="020B0502040204020203" pitchFamily="34" charset="0"/>
+                </a:rPr>
+                <a:t>getStaticBlocksMatrix</a:t>
+              </a:r>
+              <a:r>
+                <a:rPr lang="en-US" sz="800" dirty="0">
+                  <a:solidFill>
+                    <a:schemeClr val="tx1"/>
+                  </a:solidFill>
+                  <a:latin typeface="Bahnschrift" panose="020B0502040204020203" pitchFamily="34" charset="0"/>
+                </a:rPr>
+                <a:t>()</a:t>
+              </a:r>
+            </a:p>
+          </p:txBody>
+        </p:sp>
+        <p:cxnSp>
+          <p:nvCxnSpPr>
+            <p:cNvPr id="65" name="Connecteur droit 64">
+              <a:extLst>
+                <a:ext uri="{FF2B5EF4-FFF2-40B4-BE49-F238E27FC236}">
+                  <a16:creationId xmlns:a16="http://schemas.microsoft.com/office/drawing/2014/main" id="{9E03A918-2DF6-4BAD-BB22-104EBDFE90DD}"/>
+                </a:ext>
+              </a:extLst>
+            </p:cNvPr>
+            <p:cNvCxnSpPr>
+              <a:cxnSpLocks/>
+            </p:cNvCxnSpPr>
+            <p:nvPr/>
+          </p:nvCxnSpPr>
+          <p:spPr>
+            <a:xfrm>
+              <a:off x="7317320" y="4477319"/>
+              <a:ext cx="1835147" cy="0"/>
+            </a:xfrm>
+            <a:prstGeom prst="line">
+              <a:avLst/>
+            </a:prstGeom>
+            <a:ln w="12700"/>
+          </p:spPr>
+          <p:style>
+            <a:lnRef idx="1">
+              <a:schemeClr val="dk1"/>
+            </a:lnRef>
+            <a:fillRef idx="0">
+              <a:schemeClr val="dk1"/>
+            </a:fillRef>
+            <a:effectRef idx="0">
+              <a:schemeClr val="dk1"/>
+            </a:effectRef>
+            <a:fontRef idx="minor">
+              <a:schemeClr val="tx1"/>
+            </a:fontRef>
+          </p:style>
+        </p:cxnSp>
+      </p:grpSp>
+      <p:cxnSp>
+        <p:nvCxnSpPr>
+          <p:cNvPr id="152" name="Connecteur droit avec flèche 151">
+            <a:extLst>
+              <a:ext uri="{FF2B5EF4-FFF2-40B4-BE49-F238E27FC236}">
+                <a16:creationId xmlns:a16="http://schemas.microsoft.com/office/drawing/2014/main" id="{C3E841D9-1180-4B3B-B0D1-178F04499A7E}"/>
+              </a:ext>
+            </a:extLst>
+          </p:cNvPr>
+          <p:cNvCxnSpPr>
+            <a:cxnSpLocks/>
+            <a:stCxn id="20" idx="2"/>
+            <a:endCxn id="75" idx="3"/>
+          </p:cNvCxnSpPr>
+          <p:nvPr/>
+        </p:nvCxnSpPr>
+        <p:spPr>
+          <a:xfrm flipH="1">
+            <a:off x="7140787" y="4924871"/>
+            <a:ext cx="473613" cy="849248"/>
+          </a:xfrm>
+          <a:prstGeom prst="straightConnector1">
+            <a:avLst/>
+          </a:prstGeom>
+          <a:ln>
+            <a:solidFill>
+              <a:schemeClr val="tx1"/>
+            </a:solidFill>
+            <a:prstDash val="lgDash"/>
+            <a:tailEnd type="arrow" w="lg" len="lg"/>
+          </a:ln>
+        </p:spPr>
+        <p:style>
+          <a:lnRef idx="1">
+            <a:schemeClr val="accent1"/>
+          </a:lnRef>
+          <a:fillRef idx="0">
+            <a:schemeClr val="accent1"/>
+          </a:fillRef>
+          <a:effectRef idx="0">
+            <a:schemeClr val="accent1"/>
+          </a:effectRef>
+          <a:fontRef idx="minor">
+            <a:schemeClr val="tx1"/>
+          </a:fontRef>
+        </p:style>
+      </p:cxnSp>
+      <p:cxnSp>
+        <p:nvCxnSpPr>
+          <p:cNvPr id="155" name="Connecteur droit avec flèche 154">
+            <a:extLst>
+              <a:ext uri="{FF2B5EF4-FFF2-40B4-BE49-F238E27FC236}">
+                <a16:creationId xmlns:a16="http://schemas.microsoft.com/office/drawing/2014/main" id="{602435B7-B00D-41F6-8A24-E24DE4631B5F}"/>
+              </a:ext>
+            </a:extLst>
+          </p:cNvPr>
+          <p:cNvCxnSpPr>
+            <a:cxnSpLocks/>
+            <a:stCxn id="20" idx="2"/>
+          </p:cNvCxnSpPr>
+          <p:nvPr/>
+        </p:nvCxnSpPr>
+        <p:spPr>
+          <a:xfrm>
+            <a:off x="7614400" y="4924871"/>
+            <a:ext cx="775365" cy="683169"/>
+          </a:xfrm>
+          <a:prstGeom prst="straightConnector1">
+            <a:avLst/>
+          </a:prstGeom>
+          <a:ln>
+            <a:solidFill>
+              <a:schemeClr val="tx1"/>
+            </a:solidFill>
+            <a:prstDash val="lgDash"/>
+            <a:tailEnd type="arrow" w="lg" len="lg"/>
+          </a:ln>
+        </p:spPr>
+        <p:style>
+          <a:lnRef idx="1">
+            <a:schemeClr val="accent1"/>
+          </a:lnRef>
+          <a:fillRef idx="0">
+            <a:schemeClr val="accent1"/>
+          </a:fillRef>
+          <a:effectRef idx="0">
+            <a:schemeClr val="accent1"/>
+          </a:effectRef>
+          <a:fontRef idx="minor">
+            <a:schemeClr val="tx1"/>
+          </a:fontRef>
+        </p:style>
+      </p:cxnSp>
+      <p:cxnSp>
+        <p:nvCxnSpPr>
+          <p:cNvPr id="167" name="Connecteur droit avec flèche 166">
+            <a:extLst>
+              <a:ext uri="{FF2B5EF4-FFF2-40B4-BE49-F238E27FC236}">
+                <a16:creationId xmlns:a16="http://schemas.microsoft.com/office/drawing/2014/main" id="{31A2B5E1-AAF2-44C9-A243-F39897B57C15}"/>
+              </a:ext>
+            </a:extLst>
+          </p:cNvPr>
+          <p:cNvCxnSpPr>
+            <a:cxnSpLocks/>
+            <a:stCxn id="13" idx="2"/>
+          </p:cNvCxnSpPr>
+          <p:nvPr/>
+        </p:nvCxnSpPr>
+        <p:spPr>
+          <a:xfrm>
+            <a:off x="2308494" y="1654033"/>
+            <a:ext cx="1017290" cy="1283054"/>
+          </a:xfrm>
+          <a:prstGeom prst="straightConnector1">
+            <a:avLst/>
+          </a:prstGeom>
+          <a:ln>
+            <a:solidFill>
+              <a:schemeClr val="tx1"/>
+            </a:solidFill>
+            <a:prstDash val="lgDash"/>
+            <a:tailEnd type="arrow" w="lg" len="lg"/>
+          </a:ln>
+        </p:spPr>
+        <p:style>
+          <a:lnRef idx="1">
+            <a:schemeClr val="accent1"/>
+          </a:lnRef>
+          <a:fillRef idx="0">
+            <a:schemeClr val="accent1"/>
+          </a:fillRef>
+          <a:effectRef idx="0">
+            <a:schemeClr val="accent1"/>
+          </a:effectRef>
+          <a:fontRef idx="minor">
+            <a:schemeClr val="tx1"/>
+          </a:fontRef>
+        </p:style>
+      </p:cxnSp>
+      <p:grpSp>
+        <p:nvGrpSpPr>
+          <p:cNvPr id="90" name="Groupe 89">
+            <a:extLst>
+              <a:ext uri="{FF2B5EF4-FFF2-40B4-BE49-F238E27FC236}">
+                <a16:creationId xmlns:a16="http://schemas.microsoft.com/office/drawing/2014/main" id="{B1100980-427A-4A37-A044-00A9503BB62B}"/>
+              </a:ext>
+            </a:extLst>
+          </p:cNvPr>
+          <p:cNvGrpSpPr/>
+          <p:nvPr/>
+        </p:nvGrpSpPr>
+        <p:grpSpPr>
+          <a:xfrm>
+            <a:off x="1891310" y="1081313"/>
+            <a:ext cx="1992479" cy="1344499"/>
+            <a:chOff x="2058731" y="1048418"/>
+            <a:chExt cx="1620939" cy="1344499"/>
+          </a:xfrm>
+        </p:grpSpPr>
+        <p:sp>
+          <p:nvSpPr>
+            <p:cNvPr id="12" name="Rectangle 11">
+              <a:extLst>
+                <a:ext uri="{FF2B5EF4-FFF2-40B4-BE49-F238E27FC236}">
+                  <a16:creationId xmlns:a16="http://schemas.microsoft.com/office/drawing/2014/main" id="{68256523-81EB-4D46-97F1-99B9B8277A0E}"/>
+                </a:ext>
+              </a:extLst>
+            </p:cNvPr>
+            <p:cNvSpPr/>
+            <p:nvPr/>
+          </p:nvSpPr>
+          <p:spPr>
+            <a:xfrm>
+              <a:off x="2868496" y="2009574"/>
+              <a:ext cx="678782" cy="383343"/>
+            </a:xfrm>
+            <a:prstGeom prst="rect">
+              <a:avLst/>
+            </a:prstGeom>
+            <a:solidFill>
+              <a:schemeClr val="bg2"/>
+            </a:solidFill>
+            <a:ln>
+              <a:solidFill>
+                <a:schemeClr val="tx1"/>
+              </a:solidFill>
+            </a:ln>
+          </p:spPr>
+          <p:style>
+            <a:lnRef idx="2">
+              <a:schemeClr val="accent1">
+                <a:shade val="50000"/>
+              </a:schemeClr>
+            </a:lnRef>
+            <a:fillRef idx="1">
+              <a:schemeClr val="accent1"/>
+            </a:fillRef>
+            <a:effectRef idx="0">
+              <a:schemeClr val="accent1"/>
+            </a:effectRef>
+            <a:fontRef idx="minor">
+              <a:schemeClr val="lt1"/>
+            </a:fontRef>
+          </p:style>
+          <p:txBody>
+            <a:bodyPr rtlCol="0" anchor="t"/>
+            <a:lstStyle/>
+            <a:p>
+              <a:r>
+                <a:rPr lang="en-US" sz="800" dirty="0" err="1">
+                  <a:solidFill>
+                    <a:schemeClr val="tx1"/>
+                  </a:solidFill>
+                  <a:latin typeface="Bahnschrift" panose="020B0502040204020203" pitchFamily="34" charset="0"/>
+                </a:rPr>
+                <a:t>manageUserInputs</a:t>
+              </a:r>
+              <a:endParaRPr lang="en-US" sz="800" dirty="0">
+                <a:solidFill>
+                  <a:schemeClr val="tx1"/>
+                </a:solidFill>
+                <a:latin typeface="Bahnschrift" panose="020B0502040204020203" pitchFamily="34" charset="0"/>
+              </a:endParaRPr>
+            </a:p>
+          </p:txBody>
+        </p:sp>
+        <p:sp>
+          <p:nvSpPr>
+            <p:cNvPr id="13" name="Rectangle 12">
+              <a:extLst>
+                <a:ext uri="{FF2B5EF4-FFF2-40B4-BE49-F238E27FC236}">
+                  <a16:creationId xmlns:a16="http://schemas.microsoft.com/office/drawing/2014/main" id="{9AC49071-03F5-4B20-9D88-23F77D52F89C}"/>
+                </a:ext>
+              </a:extLst>
+            </p:cNvPr>
+            <p:cNvSpPr/>
+            <p:nvPr/>
+          </p:nvSpPr>
+          <p:spPr>
+            <a:xfrm>
+              <a:off x="2058731" y="1237795"/>
+              <a:ext cx="678782" cy="383343"/>
+            </a:xfrm>
+            <a:prstGeom prst="rect">
+              <a:avLst/>
+            </a:prstGeom>
+            <a:solidFill>
+              <a:schemeClr val="bg2"/>
+            </a:solidFill>
+            <a:ln>
+              <a:solidFill>
+                <a:schemeClr val="tx1"/>
+              </a:solidFill>
+            </a:ln>
+          </p:spPr>
+          <p:style>
+            <a:lnRef idx="2">
+              <a:schemeClr val="accent1">
+                <a:shade val="50000"/>
+              </a:schemeClr>
+            </a:lnRef>
+            <a:fillRef idx="1">
+              <a:schemeClr val="accent1"/>
+            </a:fillRef>
+            <a:effectRef idx="0">
+              <a:schemeClr val="accent1"/>
+            </a:effectRef>
+            <a:fontRef idx="minor">
+              <a:schemeClr val="lt1"/>
+            </a:fontRef>
+          </p:style>
+          <p:txBody>
+            <a:bodyPr rtlCol="0" anchor="t"/>
+            <a:lstStyle/>
+            <a:p>
+              <a:r>
+                <a:rPr lang="en-US" sz="800" dirty="0" err="1">
+                  <a:solidFill>
+                    <a:schemeClr val="tx1"/>
+                  </a:solidFill>
+                  <a:latin typeface="Bahnschrift" panose="020B0502040204020203" pitchFamily="34" charset="0"/>
+                </a:rPr>
+                <a:t>drawGameMatrix</a:t>
+              </a:r>
+              <a:endParaRPr lang="en-US" sz="800" dirty="0">
+                <a:solidFill>
+                  <a:schemeClr val="tx1"/>
+                </a:solidFill>
+                <a:latin typeface="Bahnschrift" panose="020B0502040204020203" pitchFamily="34" charset="0"/>
+              </a:endParaRPr>
+            </a:p>
+          </p:txBody>
+        </p:sp>
+        <p:sp>
+          <p:nvSpPr>
+            <p:cNvPr id="16" name="Rectangle 15">
+              <a:extLst>
+                <a:ext uri="{FF2B5EF4-FFF2-40B4-BE49-F238E27FC236}">
+                  <a16:creationId xmlns:a16="http://schemas.microsoft.com/office/drawing/2014/main" id="{1248B575-533D-497B-9384-380108191BBB}"/>
+                </a:ext>
+              </a:extLst>
+            </p:cNvPr>
+            <p:cNvSpPr/>
+            <p:nvPr/>
+          </p:nvSpPr>
+          <p:spPr>
+            <a:xfrm>
+              <a:off x="3000888" y="1048418"/>
+              <a:ext cx="678782" cy="383343"/>
+            </a:xfrm>
+            <a:prstGeom prst="rect">
+              <a:avLst/>
+            </a:prstGeom>
+            <a:solidFill>
+              <a:schemeClr val="bg2"/>
+            </a:solidFill>
+            <a:ln>
+              <a:solidFill>
+                <a:schemeClr val="tx1"/>
+              </a:solidFill>
+            </a:ln>
+          </p:spPr>
+          <p:style>
+            <a:lnRef idx="2">
+              <a:schemeClr val="accent1">
+                <a:shade val="50000"/>
+              </a:schemeClr>
+            </a:lnRef>
+            <a:fillRef idx="1">
+              <a:schemeClr val="accent1"/>
+            </a:fillRef>
+            <a:effectRef idx="0">
+              <a:schemeClr val="accent1"/>
+            </a:effectRef>
+            <a:fontRef idx="minor">
+              <a:schemeClr val="lt1"/>
+            </a:fontRef>
+          </p:style>
+          <p:txBody>
+            <a:bodyPr rtlCol="0" anchor="t"/>
+            <a:lstStyle/>
+            <a:p>
+              <a:r>
+                <a:rPr lang="en-US" sz="800" dirty="0">
+                  <a:solidFill>
+                    <a:schemeClr val="tx1"/>
+                  </a:solidFill>
+                  <a:latin typeface="Bahnschrift" panose="020B0502040204020203" pitchFamily="34" charset="0"/>
+                </a:rPr>
+                <a:t>Display</a:t>
+              </a:r>
+            </a:p>
+          </p:txBody>
+        </p:sp>
+        <p:sp>
+          <p:nvSpPr>
+            <p:cNvPr id="17" name="Rectangle 16">
+              <a:extLst>
+                <a:ext uri="{FF2B5EF4-FFF2-40B4-BE49-F238E27FC236}">
+                  <a16:creationId xmlns:a16="http://schemas.microsoft.com/office/drawing/2014/main" id="{0A3F6743-4C00-40A3-8E04-14AD7412DBD2}"/>
+                </a:ext>
+              </a:extLst>
+            </p:cNvPr>
+            <p:cNvSpPr/>
+            <p:nvPr/>
+          </p:nvSpPr>
+          <p:spPr>
+            <a:xfrm>
+              <a:off x="2063949" y="1708158"/>
+              <a:ext cx="678782" cy="383343"/>
+            </a:xfrm>
+            <a:prstGeom prst="rect">
+              <a:avLst/>
+            </a:prstGeom>
+            <a:solidFill>
+              <a:schemeClr val="bg2"/>
+            </a:solidFill>
+            <a:ln>
+              <a:solidFill>
+                <a:schemeClr val="tx1"/>
+              </a:solidFill>
+            </a:ln>
+          </p:spPr>
+          <p:style>
+            <a:lnRef idx="2">
+              <a:schemeClr val="accent1">
+                <a:shade val="50000"/>
+              </a:schemeClr>
+            </a:lnRef>
+            <a:fillRef idx="1">
+              <a:schemeClr val="accent1"/>
+            </a:fillRef>
+            <a:effectRef idx="0">
+              <a:schemeClr val="accent1"/>
+            </a:effectRef>
+            <a:fontRef idx="minor">
+              <a:schemeClr val="lt1"/>
+            </a:fontRef>
+          </p:style>
+          <p:txBody>
+            <a:bodyPr rtlCol="0" anchor="t"/>
+            <a:lstStyle/>
+            <a:p>
+              <a:r>
+                <a:rPr lang="en-US" sz="800" dirty="0" err="1">
+                  <a:solidFill>
+                    <a:schemeClr val="tx1"/>
+                  </a:solidFill>
+                  <a:latin typeface="Bahnschrift" panose="020B0502040204020203" pitchFamily="34" charset="0"/>
+                </a:rPr>
+                <a:t>generateFeedback</a:t>
+              </a:r>
+              <a:endParaRPr lang="en-US" sz="800" dirty="0">
+                <a:solidFill>
+                  <a:schemeClr val="tx1"/>
+                </a:solidFill>
+                <a:latin typeface="Bahnschrift" panose="020B0502040204020203" pitchFamily="34" charset="0"/>
+              </a:endParaRPr>
+            </a:p>
+          </p:txBody>
+        </p:sp>
+      </p:grpSp>
+      <p:grpSp>
+        <p:nvGrpSpPr>
+          <p:cNvPr id="175" name="Groupe 174">
+            <a:extLst>
+              <a:ext uri="{FF2B5EF4-FFF2-40B4-BE49-F238E27FC236}">
+                <a16:creationId xmlns:a16="http://schemas.microsoft.com/office/drawing/2014/main" id="{FE6F92BB-9FF8-42A4-A1CF-9A903EDEAC79}"/>
+              </a:ext>
+            </a:extLst>
+          </p:cNvPr>
+          <p:cNvGrpSpPr/>
+          <p:nvPr/>
+        </p:nvGrpSpPr>
+        <p:grpSpPr>
+          <a:xfrm>
+            <a:off x="8389765" y="5475936"/>
+            <a:ext cx="1487406" cy="927041"/>
+            <a:chOff x="7505845" y="5506416"/>
+            <a:chExt cx="1487406" cy="927041"/>
+          </a:xfrm>
+        </p:grpSpPr>
+        <p:sp>
+          <p:nvSpPr>
+            <p:cNvPr id="44" name="Rectangle 43">
+              <a:extLst>
+                <a:ext uri="{FF2B5EF4-FFF2-40B4-BE49-F238E27FC236}">
+                  <a16:creationId xmlns:a16="http://schemas.microsoft.com/office/drawing/2014/main" id="{24F5166B-21D6-4CB8-96D4-BFDC793E7E9D}"/>
+                </a:ext>
+              </a:extLst>
+            </p:cNvPr>
+            <p:cNvSpPr/>
+            <p:nvPr/>
+          </p:nvSpPr>
+          <p:spPr>
+            <a:xfrm>
+              <a:off x="7511396" y="5506416"/>
+              <a:ext cx="1481855" cy="927041"/>
+            </a:xfrm>
+            <a:prstGeom prst="rect">
+              <a:avLst/>
+            </a:prstGeom>
+            <a:solidFill>
+              <a:schemeClr val="bg1"/>
+            </a:solidFill>
+            <a:ln>
+              <a:solidFill>
+                <a:schemeClr val="tx1"/>
+              </a:solidFill>
+            </a:ln>
+          </p:spPr>
+          <p:style>
+            <a:lnRef idx="2">
+              <a:schemeClr val="accent1">
+                <a:shade val="50000"/>
+              </a:schemeClr>
+            </a:lnRef>
+            <a:fillRef idx="1">
+              <a:schemeClr val="accent1"/>
+            </a:fillRef>
+            <a:effectRef idx="0">
+              <a:schemeClr val="accent1"/>
+            </a:effectRef>
+            <a:fontRef idx="minor">
+              <a:schemeClr val="lt1"/>
+            </a:fontRef>
+          </p:style>
+          <p:txBody>
+            <a:bodyPr rtlCol="0" anchor="t"/>
+            <a:lstStyle/>
+            <a:p>
+              <a:pPr algn="ctr"/>
+              <a:r>
+                <a:rPr lang="en-US" sz="1200" dirty="0" err="1">
+                  <a:solidFill>
+                    <a:schemeClr val="tx1"/>
+                  </a:solidFill>
+                  <a:latin typeface="Bahnschrift" panose="020B0502040204020203" pitchFamily="34" charset="0"/>
+                </a:rPr>
+                <a:t>GenericBlock</a:t>
+              </a:r>
+              <a:endParaRPr lang="en-US" sz="1200" dirty="0">
+                <a:solidFill>
+                  <a:schemeClr val="tx1"/>
+                </a:solidFill>
+                <a:latin typeface="Bahnschrift" panose="020B0502040204020203" pitchFamily="34" charset="0"/>
+              </a:endParaRPr>
+            </a:p>
+          </p:txBody>
+        </p:sp>
+        <p:cxnSp>
+          <p:nvCxnSpPr>
+            <p:cNvPr id="76" name="Connecteur droit 75">
+              <a:extLst>
+                <a:ext uri="{FF2B5EF4-FFF2-40B4-BE49-F238E27FC236}">
+                  <a16:creationId xmlns:a16="http://schemas.microsoft.com/office/drawing/2014/main" id="{1CE18E20-45CF-4792-812F-BDCBFA6B8809}"/>
+                </a:ext>
+              </a:extLst>
+            </p:cNvPr>
+            <p:cNvCxnSpPr>
+              <a:cxnSpLocks/>
+            </p:cNvCxnSpPr>
+            <p:nvPr/>
+          </p:nvCxnSpPr>
+          <p:spPr>
+            <a:xfrm>
+              <a:off x="7505845" y="5755135"/>
+              <a:ext cx="1487406" cy="0"/>
+            </a:xfrm>
+            <a:prstGeom prst="line">
+              <a:avLst/>
+            </a:prstGeom>
+            <a:ln w="12700"/>
+          </p:spPr>
+          <p:style>
+            <a:lnRef idx="1">
+              <a:schemeClr val="dk1"/>
+            </a:lnRef>
+            <a:fillRef idx="0">
+              <a:schemeClr val="dk1"/>
+            </a:fillRef>
+            <a:effectRef idx="0">
+              <a:schemeClr val="dk1"/>
+            </a:effectRef>
+            <a:fontRef idx="minor">
+              <a:schemeClr val="tx1"/>
+            </a:fontRef>
+          </p:style>
+        </p:cxnSp>
+        <p:sp>
+          <p:nvSpPr>
+            <p:cNvPr id="88" name="Rectangle 87">
+              <a:extLst>
+                <a:ext uri="{FF2B5EF4-FFF2-40B4-BE49-F238E27FC236}">
+                  <a16:creationId xmlns:a16="http://schemas.microsoft.com/office/drawing/2014/main" id="{A1351621-A41F-48BC-98E9-52E4FBB2B1A7}"/>
+                </a:ext>
+              </a:extLst>
+            </p:cNvPr>
+            <p:cNvSpPr/>
+            <p:nvPr/>
+          </p:nvSpPr>
+          <p:spPr>
+            <a:xfrm>
+              <a:off x="7541090" y="5798197"/>
+              <a:ext cx="1357377" cy="584775"/>
+            </a:xfrm>
+            <a:prstGeom prst="rect">
+              <a:avLst/>
+            </a:prstGeom>
+            <a:noFill/>
+            <a:ln>
+              <a:noFill/>
+            </a:ln>
+          </p:spPr>
+          <p:style>
+            <a:lnRef idx="2">
+              <a:schemeClr val="accent1">
+                <a:shade val="50000"/>
+              </a:schemeClr>
+            </a:lnRef>
+            <a:fillRef idx="1">
+              <a:schemeClr val="accent1"/>
+            </a:fillRef>
+            <a:effectRef idx="0">
+              <a:schemeClr val="accent1"/>
+            </a:effectRef>
+            <a:fontRef idx="minor">
+              <a:schemeClr val="lt1"/>
+            </a:fontRef>
+          </p:style>
+          <p:txBody>
+            <a:bodyPr rtlCol="0" anchor="t"/>
+            <a:lstStyle/>
+            <a:p>
+              <a:r>
+                <a:rPr lang="fr-FR" sz="800" dirty="0">
+                  <a:solidFill>
+                    <a:schemeClr val="tx1"/>
+                  </a:solidFill>
+                  <a:latin typeface="Bahnschrift" panose="020B0502040204020203" pitchFamily="34" charset="0"/>
+                </a:rPr>
+                <a:t>+</a:t>
+              </a:r>
+              <a:r>
+                <a:rPr lang="fr-FR" sz="800" dirty="0" err="1">
+                  <a:solidFill>
+                    <a:schemeClr val="tx1"/>
+                  </a:solidFill>
+                  <a:latin typeface="Bahnschrift" panose="020B0502040204020203" pitchFamily="34" charset="0"/>
+                </a:rPr>
+                <a:t>getType</a:t>
+              </a:r>
+              <a:r>
+                <a:rPr lang="fr-FR" sz="800" dirty="0">
+                  <a:solidFill>
+                    <a:schemeClr val="tx1"/>
+                  </a:solidFill>
+                  <a:latin typeface="Bahnschrift" panose="020B0502040204020203" pitchFamily="34" charset="0"/>
+                </a:rPr>
+                <a:t>()</a:t>
+              </a:r>
+            </a:p>
+            <a:p>
+              <a:r>
+                <a:rPr lang="fr-FR" sz="800" dirty="0">
+                  <a:solidFill>
+                    <a:schemeClr val="tx1"/>
+                  </a:solidFill>
+                  <a:latin typeface="Bahnschrift" panose="020B0502040204020203" pitchFamily="34" charset="0"/>
+                </a:rPr>
+                <a:t>+</a:t>
+              </a:r>
+              <a:r>
+                <a:rPr lang="fr-FR" sz="800" dirty="0" err="1">
+                  <a:solidFill>
+                    <a:schemeClr val="tx1"/>
+                  </a:solidFill>
+                  <a:latin typeface="Bahnschrift" panose="020B0502040204020203" pitchFamily="34" charset="0"/>
+                </a:rPr>
+                <a:t>rotateShape</a:t>
+              </a:r>
+              <a:r>
+                <a:rPr lang="fr-FR" sz="800" dirty="0">
+                  <a:solidFill>
+                    <a:schemeClr val="tx1"/>
+                  </a:solidFill>
+                  <a:latin typeface="Bahnschrift" panose="020B0502040204020203" pitchFamily="34" charset="0"/>
+                </a:rPr>
+                <a:t>()</a:t>
+              </a:r>
+            </a:p>
+            <a:p>
+              <a:r>
+                <a:rPr lang="fr-FR" sz="800" dirty="0">
+                  <a:solidFill>
+                    <a:schemeClr val="tx1"/>
+                  </a:solidFill>
+                  <a:latin typeface="Bahnschrift" panose="020B0502040204020203" pitchFamily="34" charset="0"/>
+                </a:rPr>
+                <a:t>-</a:t>
+              </a:r>
+              <a:r>
+                <a:rPr lang="fr-FR" sz="800" dirty="0" err="1">
+                  <a:solidFill>
+                    <a:schemeClr val="tx1"/>
+                  </a:solidFill>
+                  <a:latin typeface="Bahnschrift" panose="020B0502040204020203" pitchFamily="34" charset="0"/>
+                </a:rPr>
+                <a:t>transposeBlock</a:t>
+              </a:r>
+              <a:r>
+                <a:rPr lang="fr-FR" sz="800" dirty="0">
+                  <a:solidFill>
+                    <a:schemeClr val="tx1"/>
+                  </a:solidFill>
+                  <a:latin typeface="Bahnschrift" panose="020B0502040204020203" pitchFamily="34" charset="0"/>
+                </a:rPr>
+                <a:t>()</a:t>
+              </a:r>
+            </a:p>
+            <a:p>
+              <a:r>
+                <a:rPr lang="fr-FR" sz="800" dirty="0">
+                  <a:solidFill>
+                    <a:schemeClr val="tx1"/>
+                  </a:solidFill>
+                  <a:latin typeface="Bahnschrift" panose="020B0502040204020203" pitchFamily="34" charset="0"/>
+                </a:rPr>
+                <a:t>-symAxis1Block()</a:t>
+              </a:r>
+            </a:p>
+          </p:txBody>
+        </p:sp>
+      </p:grpSp>
     </p:spTree>
     <p:extLst>
       <p:ext uri="{BB962C8B-B14F-4D97-AF65-F5344CB8AC3E}">
